--- a/Praesentation.pptx
+++ b/Praesentation.pptx
@@ -3314,13 +3314,13 @@
   <p:clrMapOvr>
     <a:masterClrMapping/>
   </p:clrMapOvr>
-  <mc:AlternateContent xmlns:mc="http://schemas.openxmlformats.org/markup-compatibility/2006">
-    <mc:Choice xmlns:p14="http://schemas.microsoft.com/office/powerpoint/2010/main" Requires="p14">
+  <mc:AlternateContent xmlns:mc="http://schemas.openxmlformats.org/markup-compatibility/2006" xmlns:p14="http://schemas.microsoft.com/office/powerpoint/2010/main">
+    <mc:Choice Requires="p14">
       <p:transition spd="med" p14:dur="700">
         <p:fade/>
       </p:transition>
     </mc:Choice>
-    <mc:Fallback>
+    <mc:Fallback xmlns="">
       <p:transition spd="med">
         <p:fade/>
       </p:transition>
@@ -3625,15 +3625,31 @@
                   <a:schemeClr val="bg1"/>
                 </a:solidFill>
               </a:rPr>
-              <a:t>Wir wollten eine Projektidee zum Thema Gesundheit finden und sind dann auf die Idee gekommen die Menschen über die aktuellen </a:t>
-            </a:r>
-            <a:r>
-              <a:rPr lang="de-DE" dirty="0" smtClean="0">
+              <a:t>Wir wollten eine Projektidee zum Thema Gesundheit finden und sind dann auf die Idee gekommen die Menschen über die aktuellen Daten der Umgebung </a:t>
+            </a:r>
+            <a:r>
+              <a:rPr lang="de-DE" smtClean="0">
                 <a:solidFill>
                   <a:schemeClr val="bg1"/>
                 </a:solidFill>
               </a:rPr>
-              <a:t>Daten der Umgebung zu geben.</a:t>
+              <a:t>zu </a:t>
+            </a:r>
+            <a:r>
+              <a:rPr lang="de-DE" smtClean="0">
+                <a:solidFill>
+                  <a:schemeClr val="bg1"/>
+                </a:solidFill>
+              </a:rPr>
+              <a:t>informieren</a:t>
+            </a:r>
+            <a:r>
+              <a:rPr lang="de-DE" smtClean="0">
+                <a:solidFill>
+                  <a:schemeClr val="bg1"/>
+                </a:solidFill>
+              </a:rPr>
+              <a:t>.</a:t>
             </a:r>
             <a:endParaRPr lang="de-DE" dirty="0" smtClean="0">
               <a:solidFill>
@@ -3653,13 +3669,13 @@
   <p:clrMapOvr>
     <a:masterClrMapping/>
   </p:clrMapOvr>
-  <mc:AlternateContent xmlns:mc="http://schemas.openxmlformats.org/markup-compatibility/2006">
-    <mc:Choice xmlns:p14="http://schemas.microsoft.com/office/powerpoint/2010/main" Requires="p14">
+  <mc:AlternateContent xmlns:mc="http://schemas.openxmlformats.org/markup-compatibility/2006" xmlns:p14="http://schemas.microsoft.com/office/powerpoint/2010/main">
+    <mc:Choice Requires="p14">
       <p:transition spd="med" p14:dur="700">
         <p:fade/>
       </p:transition>
     </mc:Choice>
-    <mc:Fallback>
+    <mc:Fallback xmlns="">
       <p:transition spd="med">
         <p:fade/>
       </p:transition>
@@ -3814,13 +3830,13 @@
   <p:clrMapOvr>
     <a:masterClrMapping/>
   </p:clrMapOvr>
-  <mc:AlternateContent xmlns:mc="http://schemas.openxmlformats.org/markup-compatibility/2006">
-    <mc:Choice xmlns:p14="http://schemas.microsoft.com/office/powerpoint/2010/main" Requires="p14">
+  <mc:AlternateContent xmlns:mc="http://schemas.openxmlformats.org/markup-compatibility/2006" xmlns:p14="http://schemas.microsoft.com/office/powerpoint/2010/main">
+    <mc:Choice Requires="p14">
       <p:transition spd="slow" p14:dur="3400">
         <p14:reveal/>
       </p:transition>
     </mc:Choice>
-    <mc:Fallback>
+    <mc:Fallback xmlns="">
       <p:transition spd="slow">
         <p:fade/>
       </p:transition>
@@ -4035,13 +4051,13 @@
   <p:clrMapOvr>
     <a:masterClrMapping/>
   </p:clrMapOvr>
-  <mc:AlternateContent xmlns:mc="http://schemas.openxmlformats.org/markup-compatibility/2006">
-    <mc:Choice xmlns:p14="http://schemas.microsoft.com/office/powerpoint/2010/main" Requires="p14">
+  <mc:AlternateContent xmlns:mc="http://schemas.openxmlformats.org/markup-compatibility/2006" xmlns:p14="http://schemas.microsoft.com/office/powerpoint/2010/main">
+    <mc:Choice Requires="p14">
       <p:transition spd="slow" p14:dur="1500">
         <p:split orient="vert"/>
       </p:transition>
     </mc:Choice>
-    <mc:Fallback>
+    <mc:Fallback xmlns="">
       <p:transition spd="slow">
         <p:split orient="vert"/>
       </p:transition>

--- a/Praesentation.pptx
+++ b/Praesentation.pptx
@@ -1,26 +1,122 @@
 
 <file path=ppt/presentation.xml><?xml version="1.0" encoding="utf-8"?>
-<p:presentation xmlns:a="http://schemas.openxmlformats.org/drawingml/2006/main" xmlns:p="http://schemas.openxmlformats.org/presentationml/2006/main" xmlns:r="http://schemas.openxmlformats.org/officeDocument/2006/relationships" xmlns:p14="http://schemas.microsoft.com/office/powerpoint/2010/main" xmlns:p15="http://schemas.microsoft.com/office/powerpoint/2012/main" xmlns:mc="http://schemas.openxmlformats.org/markup-compatibility/2006">
+<p:presentation xmlns:a="http://schemas.openxmlformats.org/drawingml/2006/main" xmlns:r="http://schemas.openxmlformats.org/officeDocument/2006/relationships" xmlns:p="http://schemas.openxmlformats.org/presentationml/2006/main">
   <p:sldMasterIdLst>
-    <p:sldMasterId id="2147483648" r:id="rId2"/>
-    <p:sldMasterId id="2147483661" r:id="rId3"/>
-    <p:sldMasterId id="2147483674" r:id="rId4"/>
+    <p:sldMasterId id="2147483648" r:id="rId1"/>
+    <p:sldMasterId id="2147483661" r:id="rId2"/>
+    <p:sldMasterId id="2147483674" r:id="rId3"/>
   </p:sldMasterIdLst>
   <p:sldIdLst>
-    <p:sldId id="256" r:id="rId5"/>
-    <p:sldId id="257" r:id="rId6"/>
-    <p:sldId id="258" r:id="rId7"/>
-    <p:sldId id="259" r:id="rId8"/>
-    <p:sldId id="260" r:id="rId9"/>
-    <p:sldId id="261" r:id="rId10"/>
+    <p:sldId id="256" r:id="rId4"/>
+    <p:sldId id="257" r:id="rId5"/>
+    <p:sldId id="258" r:id="rId6"/>
+    <p:sldId id="259" r:id="rId7"/>
+    <p:sldId id="260" r:id="rId8"/>
+    <p:sldId id="261" r:id="rId9"/>
+    <p:sldId id="262" r:id="rId10"/>
   </p:sldIdLst>
-  <p:sldSz cx="9144000" cy="5143500"/>
-  <p:notesSz cx="7559675" cy="10691812"/>
+  <p:sldSz cx="9144000" cy="5143500" type="screen16x9"/>
+  <p:notesSz cx="7559675" cy="10691813"/>
+  <p:defaultTextStyle>
+    <a:defPPr>
+      <a:defRPr lang="de-DE"/>
+    </a:defPPr>
+    <a:lvl1pPr marL="0" algn="l" defTabSz="914400" rtl="0" eaLnBrk="1" latinLnBrk="0" hangingPunct="1">
+      <a:defRPr sz="1800" kern="1200">
+        <a:solidFill>
+          <a:schemeClr val="tx1"/>
+        </a:solidFill>
+        <a:latin typeface="+mn-lt"/>
+        <a:ea typeface="+mn-ea"/>
+        <a:cs typeface="+mn-cs"/>
+      </a:defRPr>
+    </a:lvl1pPr>
+    <a:lvl2pPr marL="457200" algn="l" defTabSz="914400" rtl="0" eaLnBrk="1" latinLnBrk="0" hangingPunct="1">
+      <a:defRPr sz="1800" kern="1200">
+        <a:solidFill>
+          <a:schemeClr val="tx1"/>
+        </a:solidFill>
+        <a:latin typeface="+mn-lt"/>
+        <a:ea typeface="+mn-ea"/>
+        <a:cs typeface="+mn-cs"/>
+      </a:defRPr>
+    </a:lvl2pPr>
+    <a:lvl3pPr marL="914400" algn="l" defTabSz="914400" rtl="0" eaLnBrk="1" latinLnBrk="0" hangingPunct="1">
+      <a:defRPr sz="1800" kern="1200">
+        <a:solidFill>
+          <a:schemeClr val="tx1"/>
+        </a:solidFill>
+        <a:latin typeface="+mn-lt"/>
+        <a:ea typeface="+mn-ea"/>
+        <a:cs typeface="+mn-cs"/>
+      </a:defRPr>
+    </a:lvl3pPr>
+    <a:lvl4pPr marL="1371600" algn="l" defTabSz="914400" rtl="0" eaLnBrk="1" latinLnBrk="0" hangingPunct="1">
+      <a:defRPr sz="1800" kern="1200">
+        <a:solidFill>
+          <a:schemeClr val="tx1"/>
+        </a:solidFill>
+        <a:latin typeface="+mn-lt"/>
+        <a:ea typeface="+mn-ea"/>
+        <a:cs typeface="+mn-cs"/>
+      </a:defRPr>
+    </a:lvl4pPr>
+    <a:lvl5pPr marL="1828800" algn="l" defTabSz="914400" rtl="0" eaLnBrk="1" latinLnBrk="0" hangingPunct="1">
+      <a:defRPr sz="1800" kern="1200">
+        <a:solidFill>
+          <a:schemeClr val="tx1"/>
+        </a:solidFill>
+        <a:latin typeface="+mn-lt"/>
+        <a:ea typeface="+mn-ea"/>
+        <a:cs typeface="+mn-cs"/>
+      </a:defRPr>
+    </a:lvl5pPr>
+    <a:lvl6pPr marL="2286000" algn="l" defTabSz="914400" rtl="0" eaLnBrk="1" latinLnBrk="0" hangingPunct="1">
+      <a:defRPr sz="1800" kern="1200">
+        <a:solidFill>
+          <a:schemeClr val="tx1"/>
+        </a:solidFill>
+        <a:latin typeface="+mn-lt"/>
+        <a:ea typeface="+mn-ea"/>
+        <a:cs typeface="+mn-cs"/>
+      </a:defRPr>
+    </a:lvl6pPr>
+    <a:lvl7pPr marL="2743200" algn="l" defTabSz="914400" rtl="0" eaLnBrk="1" latinLnBrk="0" hangingPunct="1">
+      <a:defRPr sz="1800" kern="1200">
+        <a:solidFill>
+          <a:schemeClr val="tx1"/>
+        </a:solidFill>
+        <a:latin typeface="+mn-lt"/>
+        <a:ea typeface="+mn-ea"/>
+        <a:cs typeface="+mn-cs"/>
+      </a:defRPr>
+    </a:lvl7pPr>
+    <a:lvl8pPr marL="3200400" algn="l" defTabSz="914400" rtl="0" eaLnBrk="1" latinLnBrk="0" hangingPunct="1">
+      <a:defRPr sz="1800" kern="1200">
+        <a:solidFill>
+          <a:schemeClr val="tx1"/>
+        </a:solidFill>
+        <a:latin typeface="+mn-lt"/>
+        <a:ea typeface="+mn-ea"/>
+        <a:cs typeface="+mn-cs"/>
+      </a:defRPr>
+    </a:lvl8pPr>
+    <a:lvl9pPr marL="3657600" algn="l" defTabSz="914400" rtl="0" eaLnBrk="1" latinLnBrk="0" hangingPunct="1">
+      <a:defRPr sz="1800" kern="1200">
+        <a:solidFill>
+          <a:schemeClr val="tx1"/>
+        </a:solidFill>
+        <a:latin typeface="+mn-lt"/>
+        <a:ea typeface="+mn-ea"/>
+        <a:cs typeface="+mn-cs"/>
+      </a:defRPr>
+    </a:lvl9pPr>
+  </p:defaultTextStyle>
 </p:presentation>
 </file>
 
 <file path=ppt/slideLayouts/slideLayout1.xml><?xml version="1.0" encoding="utf-8"?>
-<p:sldLayout xmlns:a="http://schemas.openxmlformats.org/drawingml/2006/main" xmlns:p="http://schemas.openxmlformats.org/presentationml/2006/main" xmlns:r="http://schemas.openxmlformats.org/officeDocument/2006/relationships" xmlns:p14="http://schemas.microsoft.com/office/powerpoint/2010/main" xmlns:p15="http://schemas.microsoft.com/office/powerpoint/2012/main" xmlns:mc="http://schemas.openxmlformats.org/markup-compatibility/2006" type="blank" preserve="1">
+<p:sldLayout xmlns:a="http://schemas.openxmlformats.org/drawingml/2006/main" xmlns:r="http://schemas.openxmlformats.org/officeDocument/2006/relationships" xmlns:p="http://schemas.openxmlformats.org/presentationml/2006/main" type="blank" preserve="1">
   <p:cSld name="Blank Slide">
     <p:spTree>
       <p:nvGrpSpPr>
@@ -38,11 +134,14 @@
       </p:grpSpPr>
     </p:spTree>
   </p:cSld>
+  <p:clrMapOvr>
+    <a:masterClrMapping/>
+  </p:clrMapOvr>
 </p:sldLayout>
 </file>
 
 <file path=ppt/slideLayouts/slideLayout10.xml><?xml version="1.0" encoding="utf-8"?>
-<p:sldLayout xmlns:a="http://schemas.openxmlformats.org/drawingml/2006/main" xmlns:p="http://schemas.openxmlformats.org/presentationml/2006/main" xmlns:r="http://schemas.openxmlformats.org/officeDocument/2006/relationships" xmlns:p14="http://schemas.microsoft.com/office/powerpoint/2010/main" xmlns:p15="http://schemas.microsoft.com/office/powerpoint/2012/main" xmlns:mc="http://schemas.openxmlformats.org/markup-compatibility/2006" type="objOverTx" preserve="1">
+<p:sldLayout xmlns:a="http://schemas.openxmlformats.org/drawingml/2006/main" xmlns:r="http://schemas.openxmlformats.org/officeDocument/2006/relationships" xmlns:p="http://schemas.openxmlformats.org/presentationml/2006/main" type="objOverTx" preserve="1">
   <p:cSld name="Title, Content over Content">
     <p:spTree>
       <p:nvGrpSpPr>
@@ -78,15 +177,16 @@
           </a:prstGeom>
         </p:spPr>
         <p:txBody>
-          <a:bodyPr lIns="0" rIns="0" tIns="0" bIns="0" anchor="ctr"/>
-          <a:p>
-            <a:endParaRPr b="0" lang="de-DE" sz="1800" spc="-1" strike="noStrike">
-              <a:solidFill>
-                <a:srgbClr val="000000"/>
-              </a:solidFill>
-              <a:uFill>
-                <a:solidFill>
-                  <a:srgbClr val="ffffff"/>
+          <a:bodyPr lIns="0" tIns="0" rIns="0" bIns="0" anchor="ctr"/>
+          <a:lstStyle/>
+          <a:p>
+            <a:endParaRPr lang="de-DE" sz="1800" b="0" strike="noStrike" spc="-1">
+              <a:solidFill>
+                <a:srgbClr val="000000"/>
+              </a:solidFill>
+              <a:uFill>
+                <a:solidFill>
+                  <a:srgbClr val="FFFFFF"/>
                 </a:solidFill>
               </a:uFill>
               <a:latin typeface="Calibri"/>
@@ -114,15 +214,16 @@
           </a:prstGeom>
         </p:spPr>
         <p:txBody>
-          <a:bodyPr lIns="0" rIns="0" tIns="0" bIns="0"/>
-          <a:p>
-            <a:endParaRPr b="0" lang="de-DE" sz="3200" spc="-1" strike="noStrike">
-              <a:solidFill>
-                <a:srgbClr val="000000"/>
-              </a:solidFill>
-              <a:uFill>
-                <a:solidFill>
-                  <a:srgbClr val="ffffff"/>
+          <a:bodyPr lIns="0" tIns="0" rIns="0" bIns="0"/>
+          <a:lstStyle/>
+          <a:p>
+            <a:endParaRPr lang="de-DE" sz="3200" b="0" strike="noStrike" spc="-1">
+              <a:solidFill>
+                <a:srgbClr val="000000"/>
+              </a:solidFill>
+              <a:uFill>
+                <a:solidFill>
+                  <a:srgbClr val="FFFFFF"/>
                 </a:solidFill>
               </a:uFill>
               <a:latin typeface="Calibri"/>
@@ -150,15 +251,16 @@
           </a:prstGeom>
         </p:spPr>
         <p:txBody>
-          <a:bodyPr lIns="0" rIns="0" tIns="0" bIns="0"/>
-          <a:p>
-            <a:endParaRPr b="0" lang="de-DE" sz="3200" spc="-1" strike="noStrike">
-              <a:solidFill>
-                <a:srgbClr val="000000"/>
-              </a:solidFill>
-              <a:uFill>
-                <a:solidFill>
-                  <a:srgbClr val="ffffff"/>
+          <a:bodyPr lIns="0" tIns="0" rIns="0" bIns="0"/>
+          <a:lstStyle/>
+          <a:p>
+            <a:endParaRPr lang="de-DE" sz="3200" b="0" strike="noStrike" spc="-1">
+              <a:solidFill>
+                <a:srgbClr val="000000"/>
+              </a:solidFill>
+              <a:uFill>
+                <a:solidFill>
+                  <a:srgbClr val="FFFFFF"/>
                 </a:solidFill>
               </a:uFill>
               <a:latin typeface="Calibri"/>
@@ -168,11 +270,14 @@
       </p:sp>
     </p:spTree>
   </p:cSld>
+  <p:clrMapOvr>
+    <a:masterClrMapping/>
+  </p:clrMapOvr>
 </p:sldLayout>
 </file>
 
 <file path=ppt/slideLayouts/slideLayout11.xml><?xml version="1.0" encoding="utf-8"?>
-<p:sldLayout xmlns:a="http://schemas.openxmlformats.org/drawingml/2006/main" xmlns:p="http://schemas.openxmlformats.org/presentationml/2006/main" xmlns:r="http://schemas.openxmlformats.org/officeDocument/2006/relationships" xmlns:p14="http://schemas.microsoft.com/office/powerpoint/2010/main" xmlns:p15="http://schemas.microsoft.com/office/powerpoint/2012/main" xmlns:mc="http://schemas.openxmlformats.org/markup-compatibility/2006" type="fourObj" preserve="1">
+<p:sldLayout xmlns:a="http://schemas.openxmlformats.org/drawingml/2006/main" xmlns:r="http://schemas.openxmlformats.org/officeDocument/2006/relationships" xmlns:p="http://schemas.openxmlformats.org/presentationml/2006/main" type="fourObj" preserve="1">
   <p:cSld name="Title, 4 Content">
     <p:spTree>
       <p:nvGrpSpPr>
@@ -208,15 +313,16 @@
           </a:prstGeom>
         </p:spPr>
         <p:txBody>
-          <a:bodyPr lIns="0" rIns="0" tIns="0" bIns="0" anchor="ctr"/>
-          <a:p>
-            <a:endParaRPr b="0" lang="de-DE" sz="1800" spc="-1" strike="noStrike">
-              <a:solidFill>
-                <a:srgbClr val="000000"/>
-              </a:solidFill>
-              <a:uFill>
-                <a:solidFill>
-                  <a:srgbClr val="ffffff"/>
+          <a:bodyPr lIns="0" tIns="0" rIns="0" bIns="0" anchor="ctr"/>
+          <a:lstStyle/>
+          <a:p>
+            <a:endParaRPr lang="de-DE" sz="1800" b="0" strike="noStrike" spc="-1">
+              <a:solidFill>
+                <a:srgbClr val="000000"/>
+              </a:solidFill>
+              <a:uFill>
+                <a:solidFill>
+                  <a:srgbClr val="FFFFFF"/>
                 </a:solidFill>
               </a:uFill>
               <a:latin typeface="Calibri"/>
@@ -244,15 +350,16 @@
           </a:prstGeom>
         </p:spPr>
         <p:txBody>
-          <a:bodyPr lIns="0" rIns="0" tIns="0" bIns="0"/>
-          <a:p>
-            <a:endParaRPr b="0" lang="de-DE" sz="3200" spc="-1" strike="noStrike">
-              <a:solidFill>
-                <a:srgbClr val="000000"/>
-              </a:solidFill>
-              <a:uFill>
-                <a:solidFill>
-                  <a:srgbClr val="ffffff"/>
+          <a:bodyPr lIns="0" tIns="0" rIns="0" bIns="0"/>
+          <a:lstStyle/>
+          <a:p>
+            <a:endParaRPr lang="de-DE" sz="3200" b="0" strike="noStrike" spc="-1">
+              <a:solidFill>
+                <a:srgbClr val="000000"/>
+              </a:solidFill>
+              <a:uFill>
+                <a:solidFill>
+                  <a:srgbClr val="FFFFFF"/>
                 </a:solidFill>
               </a:uFill>
               <a:latin typeface="Calibri"/>
@@ -280,15 +387,16 @@
           </a:prstGeom>
         </p:spPr>
         <p:txBody>
-          <a:bodyPr lIns="0" rIns="0" tIns="0" bIns="0"/>
-          <a:p>
-            <a:endParaRPr b="0" lang="de-DE" sz="3200" spc="-1" strike="noStrike">
-              <a:solidFill>
-                <a:srgbClr val="000000"/>
-              </a:solidFill>
-              <a:uFill>
-                <a:solidFill>
-                  <a:srgbClr val="ffffff"/>
+          <a:bodyPr lIns="0" tIns="0" rIns="0" bIns="0"/>
+          <a:lstStyle/>
+          <a:p>
+            <a:endParaRPr lang="de-DE" sz="3200" b="0" strike="noStrike" spc="-1">
+              <a:solidFill>
+                <a:srgbClr val="000000"/>
+              </a:solidFill>
+              <a:uFill>
+                <a:solidFill>
+                  <a:srgbClr val="FFFFFF"/>
                 </a:solidFill>
               </a:uFill>
               <a:latin typeface="Calibri"/>
@@ -316,15 +424,16 @@
           </a:prstGeom>
         </p:spPr>
         <p:txBody>
-          <a:bodyPr lIns="0" rIns="0" tIns="0" bIns="0"/>
-          <a:p>
-            <a:endParaRPr b="0" lang="de-DE" sz="3200" spc="-1" strike="noStrike">
-              <a:solidFill>
-                <a:srgbClr val="000000"/>
-              </a:solidFill>
-              <a:uFill>
-                <a:solidFill>
-                  <a:srgbClr val="ffffff"/>
+          <a:bodyPr lIns="0" tIns="0" rIns="0" bIns="0"/>
+          <a:lstStyle/>
+          <a:p>
+            <a:endParaRPr lang="de-DE" sz="3200" b="0" strike="noStrike" spc="-1">
+              <a:solidFill>
+                <a:srgbClr val="000000"/>
+              </a:solidFill>
+              <a:uFill>
+                <a:solidFill>
+                  <a:srgbClr val="FFFFFF"/>
                 </a:solidFill>
               </a:uFill>
               <a:latin typeface="Calibri"/>
@@ -352,15 +461,16 @@
           </a:prstGeom>
         </p:spPr>
         <p:txBody>
-          <a:bodyPr lIns="0" rIns="0" tIns="0" bIns="0"/>
-          <a:p>
-            <a:endParaRPr b="0" lang="de-DE" sz="3200" spc="-1" strike="noStrike">
-              <a:solidFill>
-                <a:srgbClr val="000000"/>
-              </a:solidFill>
-              <a:uFill>
-                <a:solidFill>
-                  <a:srgbClr val="ffffff"/>
+          <a:bodyPr lIns="0" tIns="0" rIns="0" bIns="0"/>
+          <a:lstStyle/>
+          <a:p>
+            <a:endParaRPr lang="de-DE" sz="3200" b="0" strike="noStrike" spc="-1">
+              <a:solidFill>
+                <a:srgbClr val="000000"/>
+              </a:solidFill>
+              <a:uFill>
+                <a:solidFill>
+                  <a:srgbClr val="FFFFFF"/>
                 </a:solidFill>
               </a:uFill>
               <a:latin typeface="Calibri"/>
@@ -370,11 +480,14 @@
       </p:sp>
     </p:spTree>
   </p:cSld>
+  <p:clrMapOvr>
+    <a:masterClrMapping/>
+  </p:clrMapOvr>
 </p:sldLayout>
 </file>
 
 <file path=ppt/slideLayouts/slideLayout12.xml><?xml version="1.0" encoding="utf-8"?>
-<p:sldLayout xmlns:a="http://schemas.openxmlformats.org/drawingml/2006/main" xmlns:p="http://schemas.openxmlformats.org/presentationml/2006/main" xmlns:r="http://schemas.openxmlformats.org/officeDocument/2006/relationships" xmlns:p14="http://schemas.microsoft.com/office/powerpoint/2010/main" xmlns:p15="http://schemas.microsoft.com/office/powerpoint/2012/main" xmlns:mc="http://schemas.openxmlformats.org/markup-compatibility/2006" type="blank" preserve="1">
+<p:sldLayout xmlns:a="http://schemas.openxmlformats.org/drawingml/2006/main" xmlns:r="http://schemas.openxmlformats.org/officeDocument/2006/relationships" xmlns:p="http://schemas.openxmlformats.org/presentationml/2006/main" type="blank" preserve="1">
   <p:cSld name="Title, 6 Content">
     <p:spTree>
       <p:nvGrpSpPr>
@@ -410,15 +523,16 @@
           </a:prstGeom>
         </p:spPr>
         <p:txBody>
-          <a:bodyPr lIns="0" rIns="0" tIns="0" bIns="0" anchor="ctr"/>
-          <a:p>
-            <a:endParaRPr b="0" lang="de-DE" sz="1800" spc="-1" strike="noStrike">
-              <a:solidFill>
-                <a:srgbClr val="000000"/>
-              </a:solidFill>
-              <a:uFill>
-                <a:solidFill>
-                  <a:srgbClr val="ffffff"/>
+          <a:bodyPr lIns="0" tIns="0" rIns="0" bIns="0" anchor="ctr"/>
+          <a:lstStyle/>
+          <a:p>
+            <a:endParaRPr lang="de-DE" sz="1800" b="0" strike="noStrike" spc="-1">
+              <a:solidFill>
+                <a:srgbClr val="000000"/>
+              </a:solidFill>
+              <a:uFill>
+                <a:solidFill>
+                  <a:srgbClr val="FFFFFF"/>
                 </a:solidFill>
               </a:uFill>
               <a:latin typeface="Calibri"/>
@@ -446,15 +560,16 @@
           </a:prstGeom>
         </p:spPr>
         <p:txBody>
-          <a:bodyPr lIns="0" rIns="0" tIns="0" bIns="0"/>
-          <a:p>
-            <a:endParaRPr b="0" lang="de-DE" sz="3200" spc="-1" strike="noStrike">
-              <a:solidFill>
-                <a:srgbClr val="000000"/>
-              </a:solidFill>
-              <a:uFill>
-                <a:solidFill>
-                  <a:srgbClr val="ffffff"/>
+          <a:bodyPr lIns="0" tIns="0" rIns="0" bIns="0"/>
+          <a:lstStyle/>
+          <a:p>
+            <a:endParaRPr lang="de-DE" sz="3200" b="0" strike="noStrike" spc="-1">
+              <a:solidFill>
+                <a:srgbClr val="000000"/>
+              </a:solidFill>
+              <a:uFill>
+                <a:solidFill>
+                  <a:srgbClr val="FFFFFF"/>
                 </a:solidFill>
               </a:uFill>
               <a:latin typeface="Calibri"/>
@@ -482,15 +597,16 @@
           </a:prstGeom>
         </p:spPr>
         <p:txBody>
-          <a:bodyPr lIns="0" rIns="0" tIns="0" bIns="0"/>
-          <a:p>
-            <a:endParaRPr b="0" lang="de-DE" sz="3200" spc="-1" strike="noStrike">
-              <a:solidFill>
-                <a:srgbClr val="000000"/>
-              </a:solidFill>
-              <a:uFill>
-                <a:solidFill>
-                  <a:srgbClr val="ffffff"/>
+          <a:bodyPr lIns="0" tIns="0" rIns="0" bIns="0"/>
+          <a:lstStyle/>
+          <a:p>
+            <a:endParaRPr lang="de-DE" sz="3200" b="0" strike="noStrike" spc="-1">
+              <a:solidFill>
+                <a:srgbClr val="000000"/>
+              </a:solidFill>
+              <a:uFill>
+                <a:solidFill>
+                  <a:srgbClr val="FFFFFF"/>
                 </a:solidFill>
               </a:uFill>
               <a:latin typeface="Calibri"/>
@@ -500,7 +616,7 @@
       </p:sp>
       <p:pic>
         <p:nvPicPr>
-          <p:cNvPr id="37" name="" descr=""/>
+          <p:cNvPr id="37" name="Grafik 36"/>
           <p:cNvPicPr/>
           <p:nvPr/>
         </p:nvPicPr>
@@ -523,12 +639,12 @@
       </p:pic>
       <p:pic>
         <p:nvPicPr>
-          <p:cNvPr id="38" name="" descr=""/>
+          <p:cNvPr id="38" name="Grafik 37"/>
           <p:cNvPicPr/>
           <p:nvPr/>
         </p:nvPicPr>
         <p:blipFill>
-          <a:blip r:embed="rId3"/>
+          <a:blip r:embed="rId2"/>
           <a:stretch/>
         </p:blipFill>
         <p:spPr>
@@ -546,11 +662,14 @@
       </p:pic>
     </p:spTree>
   </p:cSld>
+  <p:clrMapOvr>
+    <a:masterClrMapping/>
+  </p:clrMapOvr>
 </p:sldLayout>
 </file>
 
 <file path=ppt/slideLayouts/slideLayout13.xml><?xml version="1.0" encoding="utf-8"?>
-<p:sldLayout xmlns:a="http://schemas.openxmlformats.org/drawingml/2006/main" xmlns:p="http://schemas.openxmlformats.org/presentationml/2006/main" xmlns:r="http://schemas.openxmlformats.org/officeDocument/2006/relationships" xmlns:p14="http://schemas.microsoft.com/office/powerpoint/2010/main" xmlns:p15="http://schemas.microsoft.com/office/powerpoint/2012/main" xmlns:mc="http://schemas.openxmlformats.org/markup-compatibility/2006" type="blank" preserve="1">
+<p:sldLayout xmlns:a="http://schemas.openxmlformats.org/drawingml/2006/main" xmlns:r="http://schemas.openxmlformats.org/officeDocument/2006/relationships" xmlns:p="http://schemas.openxmlformats.org/presentationml/2006/main" type="blank" preserve="1">
   <p:cSld name="Blank Slide">
     <p:spTree>
       <p:nvGrpSpPr>
@@ -568,11 +687,14 @@
       </p:grpSpPr>
     </p:spTree>
   </p:cSld>
+  <p:clrMapOvr>
+    <a:masterClrMapping/>
+  </p:clrMapOvr>
 </p:sldLayout>
 </file>
 
 <file path=ppt/slideLayouts/slideLayout14.xml><?xml version="1.0" encoding="utf-8"?>
-<p:sldLayout xmlns:a="http://schemas.openxmlformats.org/drawingml/2006/main" xmlns:p="http://schemas.openxmlformats.org/presentationml/2006/main" xmlns:r="http://schemas.openxmlformats.org/officeDocument/2006/relationships" xmlns:p14="http://schemas.microsoft.com/office/powerpoint/2010/main" xmlns:p15="http://schemas.microsoft.com/office/powerpoint/2012/main" xmlns:mc="http://schemas.openxmlformats.org/markup-compatibility/2006" type="tx" preserve="1">
+<p:sldLayout xmlns:a="http://schemas.openxmlformats.org/drawingml/2006/main" xmlns:r="http://schemas.openxmlformats.org/officeDocument/2006/relationships" xmlns:p="http://schemas.openxmlformats.org/presentationml/2006/main" type="tx" preserve="1">
   <p:cSld name="Title Slide">
     <p:spTree>
       <p:nvGrpSpPr>
@@ -608,15 +730,16 @@
           </a:prstGeom>
         </p:spPr>
         <p:txBody>
-          <a:bodyPr lIns="0" rIns="0" tIns="0" bIns="0" anchor="ctr"/>
-          <a:p>
-            <a:endParaRPr b="0" lang="de-DE" sz="1800" spc="-1" strike="noStrike">
-              <a:solidFill>
-                <a:srgbClr val="000000"/>
-              </a:solidFill>
-              <a:uFill>
-                <a:solidFill>
-                  <a:srgbClr val="ffffff"/>
+          <a:bodyPr lIns="0" tIns="0" rIns="0" bIns="0" anchor="ctr"/>
+          <a:lstStyle/>
+          <a:p>
+            <a:endParaRPr lang="de-DE" sz="1800" b="0" strike="noStrike" spc="-1">
+              <a:solidFill>
+                <a:srgbClr val="000000"/>
+              </a:solidFill>
+              <a:uFill>
+                <a:solidFill>
+                  <a:srgbClr val="FFFFFF"/>
                 </a:solidFill>
               </a:uFill>
               <a:latin typeface="Calibri"/>
@@ -644,16 +767,17 @@
           </a:prstGeom>
         </p:spPr>
         <p:txBody>
-          <a:bodyPr lIns="0" rIns="0" tIns="0" bIns="0" anchor="ctr"/>
+          <a:bodyPr lIns="0" tIns="0" rIns="0" bIns="0" anchor="ctr"/>
+          <a:lstStyle/>
           <a:p>
             <a:pPr algn="ctr"/>
-            <a:endParaRPr b="0" lang="es-ES" sz="3200" spc="-1" strike="noStrike">
-              <a:solidFill>
-                <a:srgbClr val="000000"/>
-              </a:solidFill>
-              <a:uFill>
-                <a:solidFill>
-                  <a:srgbClr val="ffffff"/>
+            <a:endParaRPr lang="es-ES" sz="3200" b="0" strike="noStrike" spc="-1">
+              <a:solidFill>
+                <a:srgbClr val="000000"/>
+              </a:solidFill>
+              <a:uFill>
+                <a:solidFill>
+                  <a:srgbClr val="FFFFFF"/>
                 </a:solidFill>
               </a:uFill>
               <a:latin typeface="Arial"/>
@@ -663,11 +787,14 @@
       </p:sp>
     </p:spTree>
   </p:cSld>
+  <p:clrMapOvr>
+    <a:masterClrMapping/>
+  </p:clrMapOvr>
 </p:sldLayout>
 </file>
 
 <file path=ppt/slideLayouts/slideLayout15.xml><?xml version="1.0" encoding="utf-8"?>
-<p:sldLayout xmlns:a="http://schemas.openxmlformats.org/drawingml/2006/main" xmlns:p="http://schemas.openxmlformats.org/presentationml/2006/main" xmlns:r="http://schemas.openxmlformats.org/officeDocument/2006/relationships" xmlns:p14="http://schemas.microsoft.com/office/powerpoint/2010/main" xmlns:p15="http://schemas.microsoft.com/office/powerpoint/2012/main" xmlns:mc="http://schemas.openxmlformats.org/markup-compatibility/2006" type="obj" preserve="1">
+<p:sldLayout xmlns:a="http://schemas.openxmlformats.org/drawingml/2006/main" xmlns:r="http://schemas.openxmlformats.org/officeDocument/2006/relationships" xmlns:p="http://schemas.openxmlformats.org/presentationml/2006/main" type="obj" preserve="1">
   <p:cSld name="Title, Content">
     <p:spTree>
       <p:nvGrpSpPr>
@@ -703,15 +830,16 @@
           </a:prstGeom>
         </p:spPr>
         <p:txBody>
-          <a:bodyPr lIns="0" rIns="0" tIns="0" bIns="0" anchor="ctr"/>
-          <a:p>
-            <a:endParaRPr b="0" lang="de-DE" sz="1800" spc="-1" strike="noStrike">
-              <a:solidFill>
-                <a:srgbClr val="000000"/>
-              </a:solidFill>
-              <a:uFill>
-                <a:solidFill>
-                  <a:srgbClr val="ffffff"/>
+          <a:bodyPr lIns="0" tIns="0" rIns="0" bIns="0" anchor="ctr"/>
+          <a:lstStyle/>
+          <a:p>
+            <a:endParaRPr lang="de-DE" sz="1800" b="0" strike="noStrike" spc="-1">
+              <a:solidFill>
+                <a:srgbClr val="000000"/>
+              </a:solidFill>
+              <a:uFill>
+                <a:solidFill>
+                  <a:srgbClr val="FFFFFF"/>
                 </a:solidFill>
               </a:uFill>
               <a:latin typeface="Calibri"/>
@@ -739,15 +867,16 @@
           </a:prstGeom>
         </p:spPr>
         <p:txBody>
-          <a:bodyPr lIns="0" rIns="0" tIns="0" bIns="0"/>
-          <a:p>
-            <a:endParaRPr b="0" lang="de-DE" sz="3200" spc="-1" strike="noStrike">
-              <a:solidFill>
-                <a:srgbClr val="000000"/>
-              </a:solidFill>
-              <a:uFill>
-                <a:solidFill>
-                  <a:srgbClr val="ffffff"/>
+          <a:bodyPr lIns="0" tIns="0" rIns="0" bIns="0"/>
+          <a:lstStyle/>
+          <a:p>
+            <a:endParaRPr lang="de-DE" sz="3200" b="0" strike="noStrike" spc="-1">
+              <a:solidFill>
+                <a:srgbClr val="000000"/>
+              </a:solidFill>
+              <a:uFill>
+                <a:solidFill>
+                  <a:srgbClr val="FFFFFF"/>
                 </a:solidFill>
               </a:uFill>
               <a:latin typeface="Calibri"/>
@@ -757,11 +886,14 @@
       </p:sp>
     </p:spTree>
   </p:cSld>
+  <p:clrMapOvr>
+    <a:masterClrMapping/>
+  </p:clrMapOvr>
 </p:sldLayout>
 </file>
 
 <file path=ppt/slideLayouts/slideLayout16.xml><?xml version="1.0" encoding="utf-8"?>
-<p:sldLayout xmlns:a="http://schemas.openxmlformats.org/drawingml/2006/main" xmlns:p="http://schemas.openxmlformats.org/presentationml/2006/main" xmlns:r="http://schemas.openxmlformats.org/officeDocument/2006/relationships" xmlns:p14="http://schemas.microsoft.com/office/powerpoint/2010/main" xmlns:p15="http://schemas.microsoft.com/office/powerpoint/2012/main" xmlns:mc="http://schemas.openxmlformats.org/markup-compatibility/2006" type="twoObj" preserve="1">
+<p:sldLayout xmlns:a="http://schemas.openxmlformats.org/drawingml/2006/main" xmlns:r="http://schemas.openxmlformats.org/officeDocument/2006/relationships" xmlns:p="http://schemas.openxmlformats.org/presentationml/2006/main" type="twoObj" preserve="1">
   <p:cSld name="Title, 2 Content">
     <p:spTree>
       <p:nvGrpSpPr>
@@ -797,15 +929,16 @@
           </a:prstGeom>
         </p:spPr>
         <p:txBody>
-          <a:bodyPr lIns="0" rIns="0" tIns="0" bIns="0" anchor="ctr"/>
-          <a:p>
-            <a:endParaRPr b="0" lang="de-DE" sz="1800" spc="-1" strike="noStrike">
-              <a:solidFill>
-                <a:srgbClr val="000000"/>
-              </a:solidFill>
-              <a:uFill>
-                <a:solidFill>
-                  <a:srgbClr val="ffffff"/>
+          <a:bodyPr lIns="0" tIns="0" rIns="0" bIns="0" anchor="ctr"/>
+          <a:lstStyle/>
+          <a:p>
+            <a:endParaRPr lang="de-DE" sz="1800" b="0" strike="noStrike" spc="-1">
+              <a:solidFill>
+                <a:srgbClr val="000000"/>
+              </a:solidFill>
+              <a:uFill>
+                <a:solidFill>
+                  <a:srgbClr val="FFFFFF"/>
                 </a:solidFill>
               </a:uFill>
               <a:latin typeface="Calibri"/>
@@ -833,15 +966,16 @@
           </a:prstGeom>
         </p:spPr>
         <p:txBody>
-          <a:bodyPr lIns="0" rIns="0" tIns="0" bIns="0"/>
-          <a:p>
-            <a:endParaRPr b="0" lang="de-DE" sz="3200" spc="-1" strike="noStrike">
-              <a:solidFill>
-                <a:srgbClr val="000000"/>
-              </a:solidFill>
-              <a:uFill>
-                <a:solidFill>
-                  <a:srgbClr val="ffffff"/>
+          <a:bodyPr lIns="0" tIns="0" rIns="0" bIns="0"/>
+          <a:lstStyle/>
+          <a:p>
+            <a:endParaRPr lang="de-DE" sz="3200" b="0" strike="noStrike" spc="-1">
+              <a:solidFill>
+                <a:srgbClr val="000000"/>
+              </a:solidFill>
+              <a:uFill>
+                <a:solidFill>
+                  <a:srgbClr val="FFFFFF"/>
                 </a:solidFill>
               </a:uFill>
               <a:latin typeface="Calibri"/>
@@ -869,15 +1003,16 @@
           </a:prstGeom>
         </p:spPr>
         <p:txBody>
-          <a:bodyPr lIns="0" rIns="0" tIns="0" bIns="0"/>
-          <a:p>
-            <a:endParaRPr b="0" lang="de-DE" sz="3200" spc="-1" strike="noStrike">
-              <a:solidFill>
-                <a:srgbClr val="000000"/>
-              </a:solidFill>
-              <a:uFill>
-                <a:solidFill>
-                  <a:srgbClr val="ffffff"/>
+          <a:bodyPr lIns="0" tIns="0" rIns="0" bIns="0"/>
+          <a:lstStyle/>
+          <a:p>
+            <a:endParaRPr lang="de-DE" sz="3200" b="0" strike="noStrike" spc="-1">
+              <a:solidFill>
+                <a:srgbClr val="000000"/>
+              </a:solidFill>
+              <a:uFill>
+                <a:solidFill>
+                  <a:srgbClr val="FFFFFF"/>
                 </a:solidFill>
               </a:uFill>
               <a:latin typeface="Calibri"/>
@@ -887,11 +1022,14 @@
       </p:sp>
     </p:spTree>
   </p:cSld>
+  <p:clrMapOvr>
+    <a:masterClrMapping/>
+  </p:clrMapOvr>
 </p:sldLayout>
 </file>
 
 <file path=ppt/slideLayouts/slideLayout17.xml><?xml version="1.0" encoding="utf-8"?>
-<p:sldLayout xmlns:a="http://schemas.openxmlformats.org/drawingml/2006/main" xmlns:p="http://schemas.openxmlformats.org/presentationml/2006/main" xmlns:r="http://schemas.openxmlformats.org/officeDocument/2006/relationships" xmlns:p14="http://schemas.microsoft.com/office/powerpoint/2010/main" xmlns:p15="http://schemas.microsoft.com/office/powerpoint/2012/main" xmlns:mc="http://schemas.openxmlformats.org/markup-compatibility/2006" type="titleOnly" preserve="1">
+<p:sldLayout xmlns:a="http://schemas.openxmlformats.org/drawingml/2006/main" xmlns:r="http://schemas.openxmlformats.org/officeDocument/2006/relationships" xmlns:p="http://schemas.openxmlformats.org/presentationml/2006/main" type="titleOnly" preserve="1">
   <p:cSld name="Title Only">
     <p:spTree>
       <p:nvGrpSpPr>
@@ -927,15 +1065,16 @@
           </a:prstGeom>
         </p:spPr>
         <p:txBody>
-          <a:bodyPr lIns="0" rIns="0" tIns="0" bIns="0" anchor="ctr"/>
-          <a:p>
-            <a:endParaRPr b="0" lang="de-DE" sz="1800" spc="-1" strike="noStrike">
-              <a:solidFill>
-                <a:srgbClr val="000000"/>
-              </a:solidFill>
-              <a:uFill>
-                <a:solidFill>
-                  <a:srgbClr val="ffffff"/>
+          <a:bodyPr lIns="0" tIns="0" rIns="0" bIns="0" anchor="ctr"/>
+          <a:lstStyle/>
+          <a:p>
+            <a:endParaRPr lang="de-DE" sz="1800" b="0" strike="noStrike" spc="-1">
+              <a:solidFill>
+                <a:srgbClr val="000000"/>
+              </a:solidFill>
+              <a:uFill>
+                <a:solidFill>
+                  <a:srgbClr val="FFFFFF"/>
                 </a:solidFill>
               </a:uFill>
               <a:latin typeface="Calibri"/>
@@ -945,11 +1084,14 @@
       </p:sp>
     </p:spTree>
   </p:cSld>
+  <p:clrMapOvr>
+    <a:masterClrMapping/>
+  </p:clrMapOvr>
 </p:sldLayout>
 </file>
 
 <file path=ppt/slideLayouts/slideLayout18.xml><?xml version="1.0" encoding="utf-8"?>
-<p:sldLayout xmlns:a="http://schemas.openxmlformats.org/drawingml/2006/main" xmlns:p="http://schemas.openxmlformats.org/presentationml/2006/main" xmlns:r="http://schemas.openxmlformats.org/officeDocument/2006/relationships" xmlns:p14="http://schemas.microsoft.com/office/powerpoint/2010/main" xmlns:p15="http://schemas.microsoft.com/office/powerpoint/2012/main" xmlns:mc="http://schemas.openxmlformats.org/markup-compatibility/2006" type="objOnly" preserve="1">
+<p:sldLayout xmlns:a="http://schemas.openxmlformats.org/drawingml/2006/main" xmlns:r="http://schemas.openxmlformats.org/officeDocument/2006/relationships" xmlns:p="http://schemas.openxmlformats.org/presentationml/2006/main" type="objOnly" preserve="1">
   <p:cSld name="Centered Text">
     <p:spTree>
       <p:nvGrpSpPr>
@@ -985,16 +1127,17 @@
           </a:prstGeom>
         </p:spPr>
         <p:txBody>
-          <a:bodyPr lIns="0" rIns="0" tIns="0" bIns="0" anchor="ctr"/>
+          <a:bodyPr lIns="0" tIns="0" rIns="0" bIns="0" anchor="ctr"/>
+          <a:lstStyle/>
           <a:p>
             <a:pPr algn="ctr"/>
-            <a:endParaRPr b="0" lang="es-ES" sz="3200" spc="-1" strike="noStrike">
-              <a:solidFill>
-                <a:srgbClr val="000000"/>
-              </a:solidFill>
-              <a:uFill>
-                <a:solidFill>
-                  <a:srgbClr val="ffffff"/>
+            <a:endParaRPr lang="es-ES" sz="3200" b="0" strike="noStrike" spc="-1">
+              <a:solidFill>
+                <a:srgbClr val="000000"/>
+              </a:solidFill>
+              <a:uFill>
+                <a:solidFill>
+                  <a:srgbClr val="FFFFFF"/>
                 </a:solidFill>
               </a:uFill>
               <a:latin typeface="Arial"/>
@@ -1004,11 +1147,14 @@
       </p:sp>
     </p:spTree>
   </p:cSld>
+  <p:clrMapOvr>
+    <a:masterClrMapping/>
+  </p:clrMapOvr>
 </p:sldLayout>
 </file>
 
 <file path=ppt/slideLayouts/slideLayout19.xml><?xml version="1.0" encoding="utf-8"?>
-<p:sldLayout xmlns:a="http://schemas.openxmlformats.org/drawingml/2006/main" xmlns:p="http://schemas.openxmlformats.org/presentationml/2006/main" xmlns:r="http://schemas.openxmlformats.org/officeDocument/2006/relationships" xmlns:p14="http://schemas.microsoft.com/office/powerpoint/2010/main" xmlns:p15="http://schemas.microsoft.com/office/powerpoint/2012/main" xmlns:mc="http://schemas.openxmlformats.org/markup-compatibility/2006" type="twoObjAndObj" preserve="1">
+<p:sldLayout xmlns:a="http://schemas.openxmlformats.org/drawingml/2006/main" xmlns:r="http://schemas.openxmlformats.org/officeDocument/2006/relationships" xmlns:p="http://schemas.openxmlformats.org/presentationml/2006/main" type="twoObjAndObj" preserve="1">
   <p:cSld name="Title, 2 Content and Content">
     <p:spTree>
       <p:nvGrpSpPr>
@@ -1044,15 +1190,16 @@
           </a:prstGeom>
         </p:spPr>
         <p:txBody>
-          <a:bodyPr lIns="0" rIns="0" tIns="0" bIns="0" anchor="ctr"/>
-          <a:p>
-            <a:endParaRPr b="0" lang="de-DE" sz="1800" spc="-1" strike="noStrike">
-              <a:solidFill>
-                <a:srgbClr val="000000"/>
-              </a:solidFill>
-              <a:uFill>
-                <a:solidFill>
-                  <a:srgbClr val="ffffff"/>
+          <a:bodyPr lIns="0" tIns="0" rIns="0" bIns="0" anchor="ctr"/>
+          <a:lstStyle/>
+          <a:p>
+            <a:endParaRPr lang="de-DE" sz="1800" b="0" strike="noStrike" spc="-1">
+              <a:solidFill>
+                <a:srgbClr val="000000"/>
+              </a:solidFill>
+              <a:uFill>
+                <a:solidFill>
+                  <a:srgbClr val="FFFFFF"/>
                 </a:solidFill>
               </a:uFill>
               <a:latin typeface="Calibri"/>
@@ -1080,15 +1227,16 @@
           </a:prstGeom>
         </p:spPr>
         <p:txBody>
-          <a:bodyPr lIns="0" rIns="0" tIns="0" bIns="0"/>
-          <a:p>
-            <a:endParaRPr b="0" lang="de-DE" sz="3200" spc="-1" strike="noStrike">
-              <a:solidFill>
-                <a:srgbClr val="000000"/>
-              </a:solidFill>
-              <a:uFill>
-                <a:solidFill>
-                  <a:srgbClr val="ffffff"/>
+          <a:bodyPr lIns="0" tIns="0" rIns="0" bIns="0"/>
+          <a:lstStyle/>
+          <a:p>
+            <a:endParaRPr lang="de-DE" sz="3200" b="0" strike="noStrike" spc="-1">
+              <a:solidFill>
+                <a:srgbClr val="000000"/>
+              </a:solidFill>
+              <a:uFill>
+                <a:solidFill>
+                  <a:srgbClr val="FFFFFF"/>
                 </a:solidFill>
               </a:uFill>
               <a:latin typeface="Calibri"/>
@@ -1116,15 +1264,16 @@
           </a:prstGeom>
         </p:spPr>
         <p:txBody>
-          <a:bodyPr lIns="0" rIns="0" tIns="0" bIns="0"/>
-          <a:p>
-            <a:endParaRPr b="0" lang="de-DE" sz="3200" spc="-1" strike="noStrike">
-              <a:solidFill>
-                <a:srgbClr val="000000"/>
-              </a:solidFill>
-              <a:uFill>
-                <a:solidFill>
-                  <a:srgbClr val="ffffff"/>
+          <a:bodyPr lIns="0" tIns="0" rIns="0" bIns="0"/>
+          <a:lstStyle/>
+          <a:p>
+            <a:endParaRPr lang="de-DE" sz="3200" b="0" strike="noStrike" spc="-1">
+              <a:solidFill>
+                <a:srgbClr val="000000"/>
+              </a:solidFill>
+              <a:uFill>
+                <a:solidFill>
+                  <a:srgbClr val="FFFFFF"/>
                 </a:solidFill>
               </a:uFill>
               <a:latin typeface="Calibri"/>
@@ -1152,15 +1301,16 @@
           </a:prstGeom>
         </p:spPr>
         <p:txBody>
-          <a:bodyPr lIns="0" rIns="0" tIns="0" bIns="0"/>
-          <a:p>
-            <a:endParaRPr b="0" lang="de-DE" sz="3200" spc="-1" strike="noStrike">
-              <a:solidFill>
-                <a:srgbClr val="000000"/>
-              </a:solidFill>
-              <a:uFill>
-                <a:solidFill>
-                  <a:srgbClr val="ffffff"/>
+          <a:bodyPr lIns="0" tIns="0" rIns="0" bIns="0"/>
+          <a:lstStyle/>
+          <a:p>
+            <a:endParaRPr lang="de-DE" sz="3200" b="0" strike="noStrike" spc="-1">
+              <a:solidFill>
+                <a:srgbClr val="000000"/>
+              </a:solidFill>
+              <a:uFill>
+                <a:solidFill>
+                  <a:srgbClr val="FFFFFF"/>
                 </a:solidFill>
               </a:uFill>
               <a:latin typeface="Calibri"/>
@@ -1170,11 +1320,14 @@
       </p:sp>
     </p:spTree>
   </p:cSld>
+  <p:clrMapOvr>
+    <a:masterClrMapping/>
+  </p:clrMapOvr>
 </p:sldLayout>
 </file>
 
 <file path=ppt/slideLayouts/slideLayout2.xml><?xml version="1.0" encoding="utf-8"?>
-<p:sldLayout xmlns:a="http://schemas.openxmlformats.org/drawingml/2006/main" xmlns:p="http://schemas.openxmlformats.org/presentationml/2006/main" xmlns:r="http://schemas.openxmlformats.org/officeDocument/2006/relationships" xmlns:p14="http://schemas.microsoft.com/office/powerpoint/2010/main" xmlns:p15="http://schemas.microsoft.com/office/powerpoint/2012/main" xmlns:mc="http://schemas.openxmlformats.org/markup-compatibility/2006" type="tx" preserve="1">
+<p:sldLayout xmlns:a="http://schemas.openxmlformats.org/drawingml/2006/main" xmlns:r="http://schemas.openxmlformats.org/officeDocument/2006/relationships" xmlns:p="http://schemas.openxmlformats.org/presentationml/2006/main" type="tx" preserve="1">
   <p:cSld name="Title Slide">
     <p:spTree>
       <p:nvGrpSpPr>
@@ -1210,15 +1363,16 @@
           </a:prstGeom>
         </p:spPr>
         <p:txBody>
-          <a:bodyPr lIns="0" rIns="0" tIns="0" bIns="0" anchor="ctr"/>
-          <a:p>
-            <a:endParaRPr b="0" lang="de-DE" sz="1800" spc="-1" strike="noStrike">
-              <a:solidFill>
-                <a:srgbClr val="000000"/>
-              </a:solidFill>
-              <a:uFill>
-                <a:solidFill>
-                  <a:srgbClr val="ffffff"/>
+          <a:bodyPr lIns="0" tIns="0" rIns="0" bIns="0" anchor="ctr"/>
+          <a:lstStyle/>
+          <a:p>
+            <a:endParaRPr lang="de-DE" sz="1800" b="0" strike="noStrike" spc="-1">
+              <a:solidFill>
+                <a:srgbClr val="000000"/>
+              </a:solidFill>
+              <a:uFill>
+                <a:solidFill>
+                  <a:srgbClr val="FFFFFF"/>
                 </a:solidFill>
               </a:uFill>
               <a:latin typeface="Calibri"/>
@@ -1246,16 +1400,17 @@
           </a:prstGeom>
         </p:spPr>
         <p:txBody>
-          <a:bodyPr lIns="0" rIns="0" tIns="0" bIns="0" anchor="ctr"/>
+          <a:bodyPr lIns="0" tIns="0" rIns="0" bIns="0" anchor="ctr"/>
+          <a:lstStyle/>
           <a:p>
             <a:pPr algn="ctr"/>
-            <a:endParaRPr b="0" lang="es-ES" sz="3200" spc="-1" strike="noStrike">
-              <a:solidFill>
-                <a:srgbClr val="000000"/>
-              </a:solidFill>
-              <a:uFill>
-                <a:solidFill>
-                  <a:srgbClr val="ffffff"/>
+            <a:endParaRPr lang="es-ES" sz="3200" b="0" strike="noStrike" spc="-1">
+              <a:solidFill>
+                <a:srgbClr val="000000"/>
+              </a:solidFill>
+              <a:uFill>
+                <a:solidFill>
+                  <a:srgbClr val="FFFFFF"/>
                 </a:solidFill>
               </a:uFill>
               <a:latin typeface="Arial"/>
@@ -1265,11 +1420,14 @@
       </p:sp>
     </p:spTree>
   </p:cSld>
+  <p:clrMapOvr>
+    <a:masterClrMapping/>
+  </p:clrMapOvr>
 </p:sldLayout>
 </file>
 
 <file path=ppt/slideLayouts/slideLayout20.xml><?xml version="1.0" encoding="utf-8"?>
-<p:sldLayout xmlns:a="http://schemas.openxmlformats.org/drawingml/2006/main" xmlns:p="http://schemas.openxmlformats.org/presentationml/2006/main" xmlns:r="http://schemas.openxmlformats.org/officeDocument/2006/relationships" xmlns:p14="http://schemas.microsoft.com/office/powerpoint/2010/main" xmlns:p15="http://schemas.microsoft.com/office/powerpoint/2012/main" xmlns:mc="http://schemas.openxmlformats.org/markup-compatibility/2006" type="objAndTwoObj" preserve="1">
+<p:sldLayout xmlns:a="http://schemas.openxmlformats.org/drawingml/2006/main" xmlns:r="http://schemas.openxmlformats.org/officeDocument/2006/relationships" xmlns:p="http://schemas.openxmlformats.org/presentationml/2006/main" type="objAndTwoObj" preserve="1">
   <p:cSld name="Title Content and 2 Content">
     <p:spTree>
       <p:nvGrpSpPr>
@@ -1305,15 +1463,16 @@
           </a:prstGeom>
         </p:spPr>
         <p:txBody>
-          <a:bodyPr lIns="0" rIns="0" tIns="0" bIns="0" anchor="ctr"/>
-          <a:p>
-            <a:endParaRPr b="0" lang="de-DE" sz="1800" spc="-1" strike="noStrike">
-              <a:solidFill>
-                <a:srgbClr val="000000"/>
-              </a:solidFill>
-              <a:uFill>
-                <a:solidFill>
-                  <a:srgbClr val="ffffff"/>
+          <a:bodyPr lIns="0" tIns="0" rIns="0" bIns="0" anchor="ctr"/>
+          <a:lstStyle/>
+          <a:p>
+            <a:endParaRPr lang="de-DE" sz="1800" b="0" strike="noStrike" spc="-1">
+              <a:solidFill>
+                <a:srgbClr val="000000"/>
+              </a:solidFill>
+              <a:uFill>
+                <a:solidFill>
+                  <a:srgbClr val="FFFFFF"/>
                 </a:solidFill>
               </a:uFill>
               <a:latin typeface="Calibri"/>
@@ -1341,15 +1500,16 @@
           </a:prstGeom>
         </p:spPr>
         <p:txBody>
-          <a:bodyPr lIns="0" rIns="0" tIns="0" bIns="0"/>
-          <a:p>
-            <a:endParaRPr b="0" lang="de-DE" sz="3200" spc="-1" strike="noStrike">
-              <a:solidFill>
-                <a:srgbClr val="000000"/>
-              </a:solidFill>
-              <a:uFill>
-                <a:solidFill>
-                  <a:srgbClr val="ffffff"/>
+          <a:bodyPr lIns="0" tIns="0" rIns="0" bIns="0"/>
+          <a:lstStyle/>
+          <a:p>
+            <a:endParaRPr lang="de-DE" sz="3200" b="0" strike="noStrike" spc="-1">
+              <a:solidFill>
+                <a:srgbClr val="000000"/>
+              </a:solidFill>
+              <a:uFill>
+                <a:solidFill>
+                  <a:srgbClr val="FFFFFF"/>
                 </a:solidFill>
               </a:uFill>
               <a:latin typeface="Calibri"/>
@@ -1377,15 +1537,16 @@
           </a:prstGeom>
         </p:spPr>
         <p:txBody>
-          <a:bodyPr lIns="0" rIns="0" tIns="0" bIns="0"/>
-          <a:p>
-            <a:endParaRPr b="0" lang="de-DE" sz="3200" spc="-1" strike="noStrike">
-              <a:solidFill>
-                <a:srgbClr val="000000"/>
-              </a:solidFill>
-              <a:uFill>
-                <a:solidFill>
-                  <a:srgbClr val="ffffff"/>
+          <a:bodyPr lIns="0" tIns="0" rIns="0" bIns="0"/>
+          <a:lstStyle/>
+          <a:p>
+            <a:endParaRPr lang="de-DE" sz="3200" b="0" strike="noStrike" spc="-1">
+              <a:solidFill>
+                <a:srgbClr val="000000"/>
+              </a:solidFill>
+              <a:uFill>
+                <a:solidFill>
+                  <a:srgbClr val="FFFFFF"/>
                 </a:solidFill>
               </a:uFill>
               <a:latin typeface="Calibri"/>
@@ -1413,15 +1574,16 @@
           </a:prstGeom>
         </p:spPr>
         <p:txBody>
-          <a:bodyPr lIns="0" rIns="0" tIns="0" bIns="0"/>
-          <a:p>
-            <a:endParaRPr b="0" lang="de-DE" sz="3200" spc="-1" strike="noStrike">
-              <a:solidFill>
-                <a:srgbClr val="000000"/>
-              </a:solidFill>
-              <a:uFill>
-                <a:solidFill>
-                  <a:srgbClr val="ffffff"/>
+          <a:bodyPr lIns="0" tIns="0" rIns="0" bIns="0"/>
+          <a:lstStyle/>
+          <a:p>
+            <a:endParaRPr lang="de-DE" sz="3200" b="0" strike="noStrike" spc="-1">
+              <a:solidFill>
+                <a:srgbClr val="000000"/>
+              </a:solidFill>
+              <a:uFill>
+                <a:solidFill>
+                  <a:srgbClr val="FFFFFF"/>
                 </a:solidFill>
               </a:uFill>
               <a:latin typeface="Calibri"/>
@@ -1431,11 +1593,14 @@
       </p:sp>
     </p:spTree>
   </p:cSld>
+  <p:clrMapOvr>
+    <a:masterClrMapping/>
+  </p:clrMapOvr>
 </p:sldLayout>
 </file>
 
 <file path=ppt/slideLayouts/slideLayout21.xml><?xml version="1.0" encoding="utf-8"?>
-<p:sldLayout xmlns:a="http://schemas.openxmlformats.org/drawingml/2006/main" xmlns:p="http://schemas.openxmlformats.org/presentationml/2006/main" xmlns:r="http://schemas.openxmlformats.org/officeDocument/2006/relationships" xmlns:p14="http://schemas.microsoft.com/office/powerpoint/2010/main" xmlns:p15="http://schemas.microsoft.com/office/powerpoint/2012/main" xmlns:mc="http://schemas.openxmlformats.org/markup-compatibility/2006" type="twoObjOverTx" preserve="1">
+<p:sldLayout xmlns:a="http://schemas.openxmlformats.org/drawingml/2006/main" xmlns:r="http://schemas.openxmlformats.org/officeDocument/2006/relationships" xmlns:p="http://schemas.openxmlformats.org/presentationml/2006/main" type="twoObjOverTx" preserve="1">
   <p:cSld name="Title, 2 Content over Content">
     <p:spTree>
       <p:nvGrpSpPr>
@@ -1471,15 +1636,16 @@
           </a:prstGeom>
         </p:spPr>
         <p:txBody>
-          <a:bodyPr lIns="0" rIns="0" tIns="0" bIns="0" anchor="ctr"/>
-          <a:p>
-            <a:endParaRPr b="0" lang="de-DE" sz="1800" spc="-1" strike="noStrike">
-              <a:solidFill>
-                <a:srgbClr val="000000"/>
-              </a:solidFill>
-              <a:uFill>
-                <a:solidFill>
-                  <a:srgbClr val="ffffff"/>
+          <a:bodyPr lIns="0" tIns="0" rIns="0" bIns="0" anchor="ctr"/>
+          <a:lstStyle/>
+          <a:p>
+            <a:endParaRPr lang="de-DE" sz="1800" b="0" strike="noStrike" spc="-1">
+              <a:solidFill>
+                <a:srgbClr val="000000"/>
+              </a:solidFill>
+              <a:uFill>
+                <a:solidFill>
+                  <a:srgbClr val="FFFFFF"/>
                 </a:solidFill>
               </a:uFill>
               <a:latin typeface="Calibri"/>
@@ -1507,15 +1673,16 @@
           </a:prstGeom>
         </p:spPr>
         <p:txBody>
-          <a:bodyPr lIns="0" rIns="0" tIns="0" bIns="0"/>
-          <a:p>
-            <a:endParaRPr b="0" lang="de-DE" sz="3200" spc="-1" strike="noStrike">
-              <a:solidFill>
-                <a:srgbClr val="000000"/>
-              </a:solidFill>
-              <a:uFill>
-                <a:solidFill>
-                  <a:srgbClr val="ffffff"/>
+          <a:bodyPr lIns="0" tIns="0" rIns="0" bIns="0"/>
+          <a:lstStyle/>
+          <a:p>
+            <a:endParaRPr lang="de-DE" sz="3200" b="0" strike="noStrike" spc="-1">
+              <a:solidFill>
+                <a:srgbClr val="000000"/>
+              </a:solidFill>
+              <a:uFill>
+                <a:solidFill>
+                  <a:srgbClr val="FFFFFF"/>
                 </a:solidFill>
               </a:uFill>
               <a:latin typeface="Calibri"/>
@@ -1543,15 +1710,16 @@
           </a:prstGeom>
         </p:spPr>
         <p:txBody>
-          <a:bodyPr lIns="0" rIns="0" tIns="0" bIns="0"/>
-          <a:p>
-            <a:endParaRPr b="0" lang="de-DE" sz="3200" spc="-1" strike="noStrike">
-              <a:solidFill>
-                <a:srgbClr val="000000"/>
-              </a:solidFill>
-              <a:uFill>
-                <a:solidFill>
-                  <a:srgbClr val="ffffff"/>
+          <a:bodyPr lIns="0" tIns="0" rIns="0" bIns="0"/>
+          <a:lstStyle/>
+          <a:p>
+            <a:endParaRPr lang="de-DE" sz="3200" b="0" strike="noStrike" spc="-1">
+              <a:solidFill>
+                <a:srgbClr val="000000"/>
+              </a:solidFill>
+              <a:uFill>
+                <a:solidFill>
+                  <a:srgbClr val="FFFFFF"/>
                 </a:solidFill>
               </a:uFill>
               <a:latin typeface="Calibri"/>
@@ -1579,15 +1747,16 @@
           </a:prstGeom>
         </p:spPr>
         <p:txBody>
-          <a:bodyPr lIns="0" rIns="0" tIns="0" bIns="0"/>
-          <a:p>
-            <a:endParaRPr b="0" lang="de-DE" sz="3200" spc="-1" strike="noStrike">
-              <a:solidFill>
-                <a:srgbClr val="000000"/>
-              </a:solidFill>
-              <a:uFill>
-                <a:solidFill>
-                  <a:srgbClr val="ffffff"/>
+          <a:bodyPr lIns="0" tIns="0" rIns="0" bIns="0"/>
+          <a:lstStyle/>
+          <a:p>
+            <a:endParaRPr lang="de-DE" sz="3200" b="0" strike="noStrike" spc="-1">
+              <a:solidFill>
+                <a:srgbClr val="000000"/>
+              </a:solidFill>
+              <a:uFill>
+                <a:solidFill>
+                  <a:srgbClr val="FFFFFF"/>
                 </a:solidFill>
               </a:uFill>
               <a:latin typeface="Calibri"/>
@@ -1597,11 +1766,14 @@
       </p:sp>
     </p:spTree>
   </p:cSld>
+  <p:clrMapOvr>
+    <a:masterClrMapping/>
+  </p:clrMapOvr>
 </p:sldLayout>
 </file>
 
 <file path=ppt/slideLayouts/slideLayout22.xml><?xml version="1.0" encoding="utf-8"?>
-<p:sldLayout xmlns:a="http://schemas.openxmlformats.org/drawingml/2006/main" xmlns:p="http://schemas.openxmlformats.org/presentationml/2006/main" xmlns:r="http://schemas.openxmlformats.org/officeDocument/2006/relationships" xmlns:p14="http://schemas.microsoft.com/office/powerpoint/2010/main" xmlns:p15="http://schemas.microsoft.com/office/powerpoint/2012/main" xmlns:mc="http://schemas.openxmlformats.org/markup-compatibility/2006" type="objOverTx" preserve="1">
+<p:sldLayout xmlns:a="http://schemas.openxmlformats.org/drawingml/2006/main" xmlns:r="http://schemas.openxmlformats.org/officeDocument/2006/relationships" xmlns:p="http://schemas.openxmlformats.org/presentationml/2006/main" type="objOverTx" preserve="1">
   <p:cSld name="Title, Content over Content">
     <p:spTree>
       <p:nvGrpSpPr>
@@ -1637,15 +1809,16 @@
           </a:prstGeom>
         </p:spPr>
         <p:txBody>
-          <a:bodyPr lIns="0" rIns="0" tIns="0" bIns="0" anchor="ctr"/>
-          <a:p>
-            <a:endParaRPr b="0" lang="de-DE" sz="1800" spc="-1" strike="noStrike">
-              <a:solidFill>
-                <a:srgbClr val="000000"/>
-              </a:solidFill>
-              <a:uFill>
-                <a:solidFill>
-                  <a:srgbClr val="ffffff"/>
+          <a:bodyPr lIns="0" tIns="0" rIns="0" bIns="0" anchor="ctr"/>
+          <a:lstStyle/>
+          <a:p>
+            <a:endParaRPr lang="de-DE" sz="1800" b="0" strike="noStrike" spc="-1">
+              <a:solidFill>
+                <a:srgbClr val="000000"/>
+              </a:solidFill>
+              <a:uFill>
+                <a:solidFill>
+                  <a:srgbClr val="FFFFFF"/>
                 </a:solidFill>
               </a:uFill>
               <a:latin typeface="Calibri"/>
@@ -1673,15 +1846,16 @@
           </a:prstGeom>
         </p:spPr>
         <p:txBody>
-          <a:bodyPr lIns="0" rIns="0" tIns="0" bIns="0"/>
-          <a:p>
-            <a:endParaRPr b="0" lang="de-DE" sz="3200" spc="-1" strike="noStrike">
-              <a:solidFill>
-                <a:srgbClr val="000000"/>
-              </a:solidFill>
-              <a:uFill>
-                <a:solidFill>
-                  <a:srgbClr val="ffffff"/>
+          <a:bodyPr lIns="0" tIns="0" rIns="0" bIns="0"/>
+          <a:lstStyle/>
+          <a:p>
+            <a:endParaRPr lang="de-DE" sz="3200" b="0" strike="noStrike" spc="-1">
+              <a:solidFill>
+                <a:srgbClr val="000000"/>
+              </a:solidFill>
+              <a:uFill>
+                <a:solidFill>
+                  <a:srgbClr val="FFFFFF"/>
                 </a:solidFill>
               </a:uFill>
               <a:latin typeface="Calibri"/>
@@ -1709,15 +1883,16 @@
           </a:prstGeom>
         </p:spPr>
         <p:txBody>
-          <a:bodyPr lIns="0" rIns="0" tIns="0" bIns="0"/>
-          <a:p>
-            <a:endParaRPr b="0" lang="de-DE" sz="3200" spc="-1" strike="noStrike">
-              <a:solidFill>
-                <a:srgbClr val="000000"/>
-              </a:solidFill>
-              <a:uFill>
-                <a:solidFill>
-                  <a:srgbClr val="ffffff"/>
+          <a:bodyPr lIns="0" tIns="0" rIns="0" bIns="0"/>
+          <a:lstStyle/>
+          <a:p>
+            <a:endParaRPr lang="de-DE" sz="3200" b="0" strike="noStrike" spc="-1">
+              <a:solidFill>
+                <a:srgbClr val="000000"/>
+              </a:solidFill>
+              <a:uFill>
+                <a:solidFill>
+                  <a:srgbClr val="FFFFFF"/>
                 </a:solidFill>
               </a:uFill>
               <a:latin typeface="Calibri"/>
@@ -1727,11 +1902,14 @@
       </p:sp>
     </p:spTree>
   </p:cSld>
+  <p:clrMapOvr>
+    <a:masterClrMapping/>
+  </p:clrMapOvr>
 </p:sldLayout>
 </file>
 
 <file path=ppt/slideLayouts/slideLayout23.xml><?xml version="1.0" encoding="utf-8"?>
-<p:sldLayout xmlns:a="http://schemas.openxmlformats.org/drawingml/2006/main" xmlns:p="http://schemas.openxmlformats.org/presentationml/2006/main" xmlns:r="http://schemas.openxmlformats.org/officeDocument/2006/relationships" xmlns:p14="http://schemas.microsoft.com/office/powerpoint/2010/main" xmlns:p15="http://schemas.microsoft.com/office/powerpoint/2012/main" xmlns:mc="http://schemas.openxmlformats.org/markup-compatibility/2006" type="fourObj" preserve="1">
+<p:sldLayout xmlns:a="http://schemas.openxmlformats.org/drawingml/2006/main" xmlns:r="http://schemas.openxmlformats.org/officeDocument/2006/relationships" xmlns:p="http://schemas.openxmlformats.org/presentationml/2006/main" type="fourObj" preserve="1">
   <p:cSld name="Title, 4 Content">
     <p:spTree>
       <p:nvGrpSpPr>
@@ -1767,15 +1945,16 @@
           </a:prstGeom>
         </p:spPr>
         <p:txBody>
-          <a:bodyPr lIns="0" rIns="0" tIns="0" bIns="0" anchor="ctr"/>
-          <a:p>
-            <a:endParaRPr b="0" lang="de-DE" sz="1800" spc="-1" strike="noStrike">
-              <a:solidFill>
-                <a:srgbClr val="000000"/>
-              </a:solidFill>
-              <a:uFill>
-                <a:solidFill>
-                  <a:srgbClr val="ffffff"/>
+          <a:bodyPr lIns="0" tIns="0" rIns="0" bIns="0" anchor="ctr"/>
+          <a:lstStyle/>
+          <a:p>
+            <a:endParaRPr lang="de-DE" sz="1800" b="0" strike="noStrike" spc="-1">
+              <a:solidFill>
+                <a:srgbClr val="000000"/>
+              </a:solidFill>
+              <a:uFill>
+                <a:solidFill>
+                  <a:srgbClr val="FFFFFF"/>
                 </a:solidFill>
               </a:uFill>
               <a:latin typeface="Calibri"/>
@@ -1803,15 +1982,16 @@
           </a:prstGeom>
         </p:spPr>
         <p:txBody>
-          <a:bodyPr lIns="0" rIns="0" tIns="0" bIns="0"/>
-          <a:p>
-            <a:endParaRPr b="0" lang="de-DE" sz="3200" spc="-1" strike="noStrike">
-              <a:solidFill>
-                <a:srgbClr val="000000"/>
-              </a:solidFill>
-              <a:uFill>
-                <a:solidFill>
-                  <a:srgbClr val="ffffff"/>
+          <a:bodyPr lIns="0" tIns="0" rIns="0" bIns="0"/>
+          <a:lstStyle/>
+          <a:p>
+            <a:endParaRPr lang="de-DE" sz="3200" b="0" strike="noStrike" spc="-1">
+              <a:solidFill>
+                <a:srgbClr val="000000"/>
+              </a:solidFill>
+              <a:uFill>
+                <a:solidFill>
+                  <a:srgbClr val="FFFFFF"/>
                 </a:solidFill>
               </a:uFill>
               <a:latin typeface="Calibri"/>
@@ -1839,15 +2019,16 @@
           </a:prstGeom>
         </p:spPr>
         <p:txBody>
-          <a:bodyPr lIns="0" rIns="0" tIns="0" bIns="0"/>
-          <a:p>
-            <a:endParaRPr b="0" lang="de-DE" sz="3200" spc="-1" strike="noStrike">
-              <a:solidFill>
-                <a:srgbClr val="000000"/>
-              </a:solidFill>
-              <a:uFill>
-                <a:solidFill>
-                  <a:srgbClr val="ffffff"/>
+          <a:bodyPr lIns="0" tIns="0" rIns="0" bIns="0"/>
+          <a:lstStyle/>
+          <a:p>
+            <a:endParaRPr lang="de-DE" sz="3200" b="0" strike="noStrike" spc="-1">
+              <a:solidFill>
+                <a:srgbClr val="000000"/>
+              </a:solidFill>
+              <a:uFill>
+                <a:solidFill>
+                  <a:srgbClr val="FFFFFF"/>
                 </a:solidFill>
               </a:uFill>
               <a:latin typeface="Calibri"/>
@@ -1875,15 +2056,16 @@
           </a:prstGeom>
         </p:spPr>
         <p:txBody>
-          <a:bodyPr lIns="0" rIns="0" tIns="0" bIns="0"/>
-          <a:p>
-            <a:endParaRPr b="0" lang="de-DE" sz="3200" spc="-1" strike="noStrike">
-              <a:solidFill>
-                <a:srgbClr val="000000"/>
-              </a:solidFill>
-              <a:uFill>
-                <a:solidFill>
-                  <a:srgbClr val="ffffff"/>
+          <a:bodyPr lIns="0" tIns="0" rIns="0" bIns="0"/>
+          <a:lstStyle/>
+          <a:p>
+            <a:endParaRPr lang="de-DE" sz="3200" b="0" strike="noStrike" spc="-1">
+              <a:solidFill>
+                <a:srgbClr val="000000"/>
+              </a:solidFill>
+              <a:uFill>
+                <a:solidFill>
+                  <a:srgbClr val="FFFFFF"/>
                 </a:solidFill>
               </a:uFill>
               <a:latin typeface="Calibri"/>
@@ -1911,15 +2093,16 @@
           </a:prstGeom>
         </p:spPr>
         <p:txBody>
-          <a:bodyPr lIns="0" rIns="0" tIns="0" bIns="0"/>
-          <a:p>
-            <a:endParaRPr b="0" lang="de-DE" sz="3200" spc="-1" strike="noStrike">
-              <a:solidFill>
-                <a:srgbClr val="000000"/>
-              </a:solidFill>
-              <a:uFill>
-                <a:solidFill>
-                  <a:srgbClr val="ffffff"/>
+          <a:bodyPr lIns="0" tIns="0" rIns="0" bIns="0"/>
+          <a:lstStyle/>
+          <a:p>
+            <a:endParaRPr lang="de-DE" sz="3200" b="0" strike="noStrike" spc="-1">
+              <a:solidFill>
+                <a:srgbClr val="000000"/>
+              </a:solidFill>
+              <a:uFill>
+                <a:solidFill>
+                  <a:srgbClr val="FFFFFF"/>
                 </a:solidFill>
               </a:uFill>
               <a:latin typeface="Calibri"/>
@@ -1929,11 +2112,14 @@
       </p:sp>
     </p:spTree>
   </p:cSld>
+  <p:clrMapOvr>
+    <a:masterClrMapping/>
+  </p:clrMapOvr>
 </p:sldLayout>
 </file>
 
 <file path=ppt/slideLayouts/slideLayout24.xml><?xml version="1.0" encoding="utf-8"?>
-<p:sldLayout xmlns:a="http://schemas.openxmlformats.org/drawingml/2006/main" xmlns:p="http://schemas.openxmlformats.org/presentationml/2006/main" xmlns:r="http://schemas.openxmlformats.org/officeDocument/2006/relationships" xmlns:p14="http://schemas.microsoft.com/office/powerpoint/2010/main" xmlns:p15="http://schemas.microsoft.com/office/powerpoint/2012/main" xmlns:mc="http://schemas.openxmlformats.org/markup-compatibility/2006" type="blank" preserve="1">
+<p:sldLayout xmlns:a="http://schemas.openxmlformats.org/drawingml/2006/main" xmlns:r="http://schemas.openxmlformats.org/officeDocument/2006/relationships" xmlns:p="http://schemas.openxmlformats.org/presentationml/2006/main" type="blank" preserve="1">
   <p:cSld name="Title, 6 Content">
     <p:spTree>
       <p:nvGrpSpPr>
@@ -1969,15 +2155,16 @@
           </a:prstGeom>
         </p:spPr>
         <p:txBody>
-          <a:bodyPr lIns="0" rIns="0" tIns="0" bIns="0" anchor="ctr"/>
-          <a:p>
-            <a:endParaRPr b="0" lang="de-DE" sz="1800" spc="-1" strike="noStrike">
-              <a:solidFill>
-                <a:srgbClr val="000000"/>
-              </a:solidFill>
-              <a:uFill>
-                <a:solidFill>
-                  <a:srgbClr val="ffffff"/>
+          <a:bodyPr lIns="0" tIns="0" rIns="0" bIns="0" anchor="ctr"/>
+          <a:lstStyle/>
+          <a:p>
+            <a:endParaRPr lang="de-DE" sz="1800" b="0" strike="noStrike" spc="-1">
+              <a:solidFill>
+                <a:srgbClr val="000000"/>
+              </a:solidFill>
+              <a:uFill>
+                <a:solidFill>
+                  <a:srgbClr val="FFFFFF"/>
                 </a:solidFill>
               </a:uFill>
               <a:latin typeface="Calibri"/>
@@ -2005,15 +2192,16 @@
           </a:prstGeom>
         </p:spPr>
         <p:txBody>
-          <a:bodyPr lIns="0" rIns="0" tIns="0" bIns="0"/>
-          <a:p>
-            <a:endParaRPr b="0" lang="de-DE" sz="3200" spc="-1" strike="noStrike">
-              <a:solidFill>
-                <a:srgbClr val="000000"/>
-              </a:solidFill>
-              <a:uFill>
-                <a:solidFill>
-                  <a:srgbClr val="ffffff"/>
+          <a:bodyPr lIns="0" tIns="0" rIns="0" bIns="0"/>
+          <a:lstStyle/>
+          <a:p>
+            <a:endParaRPr lang="de-DE" sz="3200" b="0" strike="noStrike" spc="-1">
+              <a:solidFill>
+                <a:srgbClr val="000000"/>
+              </a:solidFill>
+              <a:uFill>
+                <a:solidFill>
+                  <a:srgbClr val="FFFFFF"/>
                 </a:solidFill>
               </a:uFill>
               <a:latin typeface="Calibri"/>
@@ -2041,15 +2229,16 @@
           </a:prstGeom>
         </p:spPr>
         <p:txBody>
-          <a:bodyPr lIns="0" rIns="0" tIns="0" bIns="0"/>
-          <a:p>
-            <a:endParaRPr b="0" lang="de-DE" sz="3200" spc="-1" strike="noStrike">
-              <a:solidFill>
-                <a:srgbClr val="000000"/>
-              </a:solidFill>
-              <a:uFill>
-                <a:solidFill>
-                  <a:srgbClr val="ffffff"/>
+          <a:bodyPr lIns="0" tIns="0" rIns="0" bIns="0"/>
+          <a:lstStyle/>
+          <a:p>
+            <a:endParaRPr lang="de-DE" sz="3200" b="0" strike="noStrike" spc="-1">
+              <a:solidFill>
+                <a:srgbClr val="000000"/>
+              </a:solidFill>
+              <a:uFill>
+                <a:solidFill>
+                  <a:srgbClr val="FFFFFF"/>
                 </a:solidFill>
               </a:uFill>
               <a:latin typeface="Calibri"/>
@@ -2059,7 +2248,7 @@
       </p:sp>
       <p:pic>
         <p:nvPicPr>
-          <p:cNvPr id="76" name="" descr=""/>
+          <p:cNvPr id="76" name="Grafik 75"/>
           <p:cNvPicPr/>
           <p:nvPr/>
         </p:nvPicPr>
@@ -2082,12 +2271,12 @@
       </p:pic>
       <p:pic>
         <p:nvPicPr>
-          <p:cNvPr id="77" name="" descr=""/>
+          <p:cNvPr id="77" name="Grafik 76"/>
           <p:cNvPicPr/>
           <p:nvPr/>
         </p:nvPicPr>
         <p:blipFill>
-          <a:blip r:embed="rId3"/>
+          <a:blip r:embed="rId2"/>
           <a:stretch/>
         </p:blipFill>
         <p:spPr>
@@ -2105,11 +2294,14 @@
       </p:pic>
     </p:spTree>
   </p:cSld>
+  <p:clrMapOvr>
+    <a:masterClrMapping/>
+  </p:clrMapOvr>
 </p:sldLayout>
 </file>
 
 <file path=ppt/slideLayouts/slideLayout25.xml><?xml version="1.0" encoding="utf-8"?>
-<p:sldLayout xmlns:a="http://schemas.openxmlformats.org/drawingml/2006/main" xmlns:p="http://schemas.openxmlformats.org/presentationml/2006/main" xmlns:r="http://schemas.openxmlformats.org/officeDocument/2006/relationships" xmlns:p14="http://schemas.microsoft.com/office/powerpoint/2010/main" xmlns:p15="http://schemas.microsoft.com/office/powerpoint/2012/main" xmlns:mc="http://schemas.openxmlformats.org/markup-compatibility/2006" type="blank" preserve="1">
+<p:sldLayout xmlns:a="http://schemas.openxmlformats.org/drawingml/2006/main" xmlns:r="http://schemas.openxmlformats.org/officeDocument/2006/relationships" xmlns:p="http://schemas.openxmlformats.org/presentationml/2006/main" type="blank" preserve="1">
   <p:cSld name="Blank Slide">
     <p:spTree>
       <p:nvGrpSpPr>
@@ -2127,11 +2319,14 @@
       </p:grpSpPr>
     </p:spTree>
   </p:cSld>
+  <p:clrMapOvr>
+    <a:masterClrMapping/>
+  </p:clrMapOvr>
 </p:sldLayout>
 </file>
 
 <file path=ppt/slideLayouts/slideLayout26.xml><?xml version="1.0" encoding="utf-8"?>
-<p:sldLayout xmlns:a="http://schemas.openxmlformats.org/drawingml/2006/main" xmlns:p="http://schemas.openxmlformats.org/presentationml/2006/main" xmlns:r="http://schemas.openxmlformats.org/officeDocument/2006/relationships" xmlns:p14="http://schemas.microsoft.com/office/powerpoint/2010/main" xmlns:p15="http://schemas.microsoft.com/office/powerpoint/2012/main" xmlns:mc="http://schemas.openxmlformats.org/markup-compatibility/2006" type="tx" preserve="1">
+<p:sldLayout xmlns:a="http://schemas.openxmlformats.org/drawingml/2006/main" xmlns:r="http://schemas.openxmlformats.org/officeDocument/2006/relationships" xmlns:p="http://schemas.openxmlformats.org/presentationml/2006/main" type="tx" preserve="1">
   <p:cSld name="Title Slide">
     <p:spTree>
       <p:nvGrpSpPr>
@@ -2167,15 +2362,16 @@
           </a:prstGeom>
         </p:spPr>
         <p:txBody>
-          <a:bodyPr lIns="0" rIns="0" tIns="0" bIns="0" anchor="ctr"/>
-          <a:p>
-            <a:endParaRPr b="0" lang="de-DE" sz="1800" spc="-1" strike="noStrike">
-              <a:solidFill>
-                <a:srgbClr val="000000"/>
-              </a:solidFill>
-              <a:uFill>
-                <a:solidFill>
-                  <a:srgbClr val="ffffff"/>
+          <a:bodyPr lIns="0" tIns="0" rIns="0" bIns="0" anchor="ctr"/>
+          <a:lstStyle/>
+          <a:p>
+            <a:endParaRPr lang="de-DE" sz="1800" b="0" strike="noStrike" spc="-1">
+              <a:solidFill>
+                <a:srgbClr val="000000"/>
+              </a:solidFill>
+              <a:uFill>
+                <a:solidFill>
+                  <a:srgbClr val="FFFFFF"/>
                 </a:solidFill>
               </a:uFill>
               <a:latin typeface="Calibri"/>
@@ -2203,16 +2399,17 @@
           </a:prstGeom>
         </p:spPr>
         <p:txBody>
-          <a:bodyPr lIns="0" rIns="0" tIns="0" bIns="0" anchor="ctr"/>
+          <a:bodyPr lIns="0" tIns="0" rIns="0" bIns="0" anchor="ctr"/>
+          <a:lstStyle/>
           <a:p>
             <a:pPr algn="ctr"/>
-            <a:endParaRPr b="0" lang="es-ES" sz="3200" spc="-1" strike="noStrike">
-              <a:solidFill>
-                <a:srgbClr val="000000"/>
-              </a:solidFill>
-              <a:uFill>
-                <a:solidFill>
-                  <a:srgbClr val="ffffff"/>
+            <a:endParaRPr lang="es-ES" sz="3200" b="0" strike="noStrike" spc="-1">
+              <a:solidFill>
+                <a:srgbClr val="000000"/>
+              </a:solidFill>
+              <a:uFill>
+                <a:solidFill>
+                  <a:srgbClr val="FFFFFF"/>
                 </a:solidFill>
               </a:uFill>
               <a:latin typeface="Arial"/>
@@ -2222,11 +2419,14 @@
       </p:sp>
     </p:spTree>
   </p:cSld>
+  <p:clrMapOvr>
+    <a:masterClrMapping/>
+  </p:clrMapOvr>
 </p:sldLayout>
 </file>
 
 <file path=ppt/slideLayouts/slideLayout27.xml><?xml version="1.0" encoding="utf-8"?>
-<p:sldLayout xmlns:a="http://schemas.openxmlformats.org/drawingml/2006/main" xmlns:p="http://schemas.openxmlformats.org/presentationml/2006/main" xmlns:r="http://schemas.openxmlformats.org/officeDocument/2006/relationships" xmlns:p14="http://schemas.microsoft.com/office/powerpoint/2010/main" xmlns:p15="http://schemas.microsoft.com/office/powerpoint/2012/main" xmlns:mc="http://schemas.openxmlformats.org/markup-compatibility/2006" type="obj" preserve="1">
+<p:sldLayout xmlns:a="http://schemas.openxmlformats.org/drawingml/2006/main" xmlns:r="http://schemas.openxmlformats.org/officeDocument/2006/relationships" xmlns:p="http://schemas.openxmlformats.org/presentationml/2006/main" type="obj" preserve="1">
   <p:cSld name="Title, Content">
     <p:spTree>
       <p:nvGrpSpPr>
@@ -2262,15 +2462,16 @@
           </a:prstGeom>
         </p:spPr>
         <p:txBody>
-          <a:bodyPr lIns="0" rIns="0" tIns="0" bIns="0" anchor="ctr"/>
-          <a:p>
-            <a:endParaRPr b="0" lang="de-DE" sz="1800" spc="-1" strike="noStrike">
-              <a:solidFill>
-                <a:srgbClr val="000000"/>
-              </a:solidFill>
-              <a:uFill>
-                <a:solidFill>
-                  <a:srgbClr val="ffffff"/>
+          <a:bodyPr lIns="0" tIns="0" rIns="0" bIns="0" anchor="ctr"/>
+          <a:lstStyle/>
+          <a:p>
+            <a:endParaRPr lang="de-DE" sz="1800" b="0" strike="noStrike" spc="-1">
+              <a:solidFill>
+                <a:srgbClr val="000000"/>
+              </a:solidFill>
+              <a:uFill>
+                <a:solidFill>
+                  <a:srgbClr val="FFFFFF"/>
                 </a:solidFill>
               </a:uFill>
               <a:latin typeface="Calibri"/>
@@ -2298,15 +2499,16 @@
           </a:prstGeom>
         </p:spPr>
         <p:txBody>
-          <a:bodyPr lIns="0" rIns="0" tIns="0" bIns="0"/>
-          <a:p>
-            <a:endParaRPr b="0" lang="de-DE" sz="3200" spc="-1" strike="noStrike">
-              <a:solidFill>
-                <a:srgbClr val="000000"/>
-              </a:solidFill>
-              <a:uFill>
-                <a:solidFill>
-                  <a:srgbClr val="ffffff"/>
+          <a:bodyPr lIns="0" tIns="0" rIns="0" bIns="0"/>
+          <a:lstStyle/>
+          <a:p>
+            <a:endParaRPr lang="de-DE" sz="3200" b="0" strike="noStrike" spc="-1">
+              <a:solidFill>
+                <a:srgbClr val="000000"/>
+              </a:solidFill>
+              <a:uFill>
+                <a:solidFill>
+                  <a:srgbClr val="FFFFFF"/>
                 </a:solidFill>
               </a:uFill>
               <a:latin typeface="Calibri"/>
@@ -2316,11 +2518,14 @@
       </p:sp>
     </p:spTree>
   </p:cSld>
+  <p:clrMapOvr>
+    <a:masterClrMapping/>
+  </p:clrMapOvr>
 </p:sldLayout>
 </file>
 
 <file path=ppt/slideLayouts/slideLayout28.xml><?xml version="1.0" encoding="utf-8"?>
-<p:sldLayout xmlns:a="http://schemas.openxmlformats.org/drawingml/2006/main" xmlns:p="http://schemas.openxmlformats.org/presentationml/2006/main" xmlns:r="http://schemas.openxmlformats.org/officeDocument/2006/relationships" xmlns:p14="http://schemas.microsoft.com/office/powerpoint/2010/main" xmlns:p15="http://schemas.microsoft.com/office/powerpoint/2012/main" xmlns:mc="http://schemas.openxmlformats.org/markup-compatibility/2006" type="twoObj" preserve="1">
+<p:sldLayout xmlns:a="http://schemas.openxmlformats.org/drawingml/2006/main" xmlns:r="http://schemas.openxmlformats.org/officeDocument/2006/relationships" xmlns:p="http://schemas.openxmlformats.org/presentationml/2006/main" type="twoObj" preserve="1">
   <p:cSld name="Title, 2 Content">
     <p:spTree>
       <p:nvGrpSpPr>
@@ -2356,15 +2561,16 @@
           </a:prstGeom>
         </p:spPr>
         <p:txBody>
-          <a:bodyPr lIns="0" rIns="0" tIns="0" bIns="0" anchor="ctr"/>
-          <a:p>
-            <a:endParaRPr b="0" lang="de-DE" sz="1800" spc="-1" strike="noStrike">
-              <a:solidFill>
-                <a:srgbClr val="000000"/>
-              </a:solidFill>
-              <a:uFill>
-                <a:solidFill>
-                  <a:srgbClr val="ffffff"/>
+          <a:bodyPr lIns="0" tIns="0" rIns="0" bIns="0" anchor="ctr"/>
+          <a:lstStyle/>
+          <a:p>
+            <a:endParaRPr lang="de-DE" sz="1800" b="0" strike="noStrike" spc="-1">
+              <a:solidFill>
+                <a:srgbClr val="000000"/>
+              </a:solidFill>
+              <a:uFill>
+                <a:solidFill>
+                  <a:srgbClr val="FFFFFF"/>
                 </a:solidFill>
               </a:uFill>
               <a:latin typeface="Calibri"/>
@@ -2392,15 +2598,16 @@
           </a:prstGeom>
         </p:spPr>
         <p:txBody>
-          <a:bodyPr lIns="0" rIns="0" tIns="0" bIns="0"/>
-          <a:p>
-            <a:endParaRPr b="0" lang="de-DE" sz="3200" spc="-1" strike="noStrike">
-              <a:solidFill>
-                <a:srgbClr val="000000"/>
-              </a:solidFill>
-              <a:uFill>
-                <a:solidFill>
-                  <a:srgbClr val="ffffff"/>
+          <a:bodyPr lIns="0" tIns="0" rIns="0" bIns="0"/>
+          <a:lstStyle/>
+          <a:p>
+            <a:endParaRPr lang="de-DE" sz="3200" b="0" strike="noStrike" spc="-1">
+              <a:solidFill>
+                <a:srgbClr val="000000"/>
+              </a:solidFill>
+              <a:uFill>
+                <a:solidFill>
+                  <a:srgbClr val="FFFFFF"/>
                 </a:solidFill>
               </a:uFill>
               <a:latin typeface="Calibri"/>
@@ -2428,15 +2635,16 @@
           </a:prstGeom>
         </p:spPr>
         <p:txBody>
-          <a:bodyPr lIns="0" rIns="0" tIns="0" bIns="0"/>
-          <a:p>
-            <a:endParaRPr b="0" lang="de-DE" sz="3200" spc="-1" strike="noStrike">
-              <a:solidFill>
-                <a:srgbClr val="000000"/>
-              </a:solidFill>
-              <a:uFill>
-                <a:solidFill>
-                  <a:srgbClr val="ffffff"/>
+          <a:bodyPr lIns="0" tIns="0" rIns="0" bIns="0"/>
+          <a:lstStyle/>
+          <a:p>
+            <a:endParaRPr lang="de-DE" sz="3200" b="0" strike="noStrike" spc="-1">
+              <a:solidFill>
+                <a:srgbClr val="000000"/>
+              </a:solidFill>
+              <a:uFill>
+                <a:solidFill>
+                  <a:srgbClr val="FFFFFF"/>
                 </a:solidFill>
               </a:uFill>
               <a:latin typeface="Calibri"/>
@@ -2446,11 +2654,14 @@
       </p:sp>
     </p:spTree>
   </p:cSld>
+  <p:clrMapOvr>
+    <a:masterClrMapping/>
+  </p:clrMapOvr>
 </p:sldLayout>
 </file>
 
 <file path=ppt/slideLayouts/slideLayout29.xml><?xml version="1.0" encoding="utf-8"?>
-<p:sldLayout xmlns:a="http://schemas.openxmlformats.org/drawingml/2006/main" xmlns:p="http://schemas.openxmlformats.org/presentationml/2006/main" xmlns:r="http://schemas.openxmlformats.org/officeDocument/2006/relationships" xmlns:p14="http://schemas.microsoft.com/office/powerpoint/2010/main" xmlns:p15="http://schemas.microsoft.com/office/powerpoint/2012/main" xmlns:mc="http://schemas.openxmlformats.org/markup-compatibility/2006" type="titleOnly" preserve="1">
+<p:sldLayout xmlns:a="http://schemas.openxmlformats.org/drawingml/2006/main" xmlns:r="http://schemas.openxmlformats.org/officeDocument/2006/relationships" xmlns:p="http://schemas.openxmlformats.org/presentationml/2006/main" type="titleOnly" preserve="1">
   <p:cSld name="Title Only">
     <p:spTree>
       <p:nvGrpSpPr>
@@ -2486,15 +2697,16 @@
           </a:prstGeom>
         </p:spPr>
         <p:txBody>
-          <a:bodyPr lIns="0" rIns="0" tIns="0" bIns="0" anchor="ctr"/>
-          <a:p>
-            <a:endParaRPr b="0" lang="de-DE" sz="1800" spc="-1" strike="noStrike">
-              <a:solidFill>
-                <a:srgbClr val="000000"/>
-              </a:solidFill>
-              <a:uFill>
-                <a:solidFill>
-                  <a:srgbClr val="ffffff"/>
+          <a:bodyPr lIns="0" tIns="0" rIns="0" bIns="0" anchor="ctr"/>
+          <a:lstStyle/>
+          <a:p>
+            <a:endParaRPr lang="de-DE" sz="1800" b="0" strike="noStrike" spc="-1">
+              <a:solidFill>
+                <a:srgbClr val="000000"/>
+              </a:solidFill>
+              <a:uFill>
+                <a:solidFill>
+                  <a:srgbClr val="FFFFFF"/>
                 </a:solidFill>
               </a:uFill>
               <a:latin typeface="Calibri"/>
@@ -2504,11 +2716,14 @@
       </p:sp>
     </p:spTree>
   </p:cSld>
+  <p:clrMapOvr>
+    <a:masterClrMapping/>
+  </p:clrMapOvr>
 </p:sldLayout>
 </file>
 
 <file path=ppt/slideLayouts/slideLayout3.xml><?xml version="1.0" encoding="utf-8"?>
-<p:sldLayout xmlns:a="http://schemas.openxmlformats.org/drawingml/2006/main" xmlns:p="http://schemas.openxmlformats.org/presentationml/2006/main" xmlns:r="http://schemas.openxmlformats.org/officeDocument/2006/relationships" xmlns:p14="http://schemas.microsoft.com/office/powerpoint/2010/main" xmlns:p15="http://schemas.microsoft.com/office/powerpoint/2012/main" xmlns:mc="http://schemas.openxmlformats.org/markup-compatibility/2006" type="obj" preserve="1">
+<p:sldLayout xmlns:a="http://schemas.openxmlformats.org/drawingml/2006/main" xmlns:r="http://schemas.openxmlformats.org/officeDocument/2006/relationships" xmlns:p="http://schemas.openxmlformats.org/presentationml/2006/main" type="obj" preserve="1">
   <p:cSld name="Title, Content">
     <p:spTree>
       <p:nvGrpSpPr>
@@ -2544,15 +2759,16 @@
           </a:prstGeom>
         </p:spPr>
         <p:txBody>
-          <a:bodyPr lIns="0" rIns="0" tIns="0" bIns="0" anchor="ctr"/>
-          <a:p>
-            <a:endParaRPr b="0" lang="de-DE" sz="1800" spc="-1" strike="noStrike">
-              <a:solidFill>
-                <a:srgbClr val="000000"/>
-              </a:solidFill>
-              <a:uFill>
-                <a:solidFill>
-                  <a:srgbClr val="ffffff"/>
+          <a:bodyPr lIns="0" tIns="0" rIns="0" bIns="0" anchor="ctr"/>
+          <a:lstStyle/>
+          <a:p>
+            <a:endParaRPr lang="de-DE" sz="1800" b="0" strike="noStrike" spc="-1">
+              <a:solidFill>
+                <a:srgbClr val="000000"/>
+              </a:solidFill>
+              <a:uFill>
+                <a:solidFill>
+                  <a:srgbClr val="FFFFFF"/>
                 </a:solidFill>
               </a:uFill>
               <a:latin typeface="Calibri"/>
@@ -2580,15 +2796,16 @@
           </a:prstGeom>
         </p:spPr>
         <p:txBody>
-          <a:bodyPr lIns="0" rIns="0" tIns="0" bIns="0"/>
-          <a:p>
-            <a:endParaRPr b="0" lang="de-DE" sz="3200" spc="-1" strike="noStrike">
-              <a:solidFill>
-                <a:srgbClr val="000000"/>
-              </a:solidFill>
-              <a:uFill>
-                <a:solidFill>
-                  <a:srgbClr val="ffffff"/>
+          <a:bodyPr lIns="0" tIns="0" rIns="0" bIns="0"/>
+          <a:lstStyle/>
+          <a:p>
+            <a:endParaRPr lang="de-DE" sz="3200" b="0" strike="noStrike" spc="-1">
+              <a:solidFill>
+                <a:srgbClr val="000000"/>
+              </a:solidFill>
+              <a:uFill>
+                <a:solidFill>
+                  <a:srgbClr val="FFFFFF"/>
                 </a:solidFill>
               </a:uFill>
               <a:latin typeface="Calibri"/>
@@ -2598,11 +2815,14 @@
       </p:sp>
     </p:spTree>
   </p:cSld>
+  <p:clrMapOvr>
+    <a:masterClrMapping/>
+  </p:clrMapOvr>
 </p:sldLayout>
 </file>
 
 <file path=ppt/slideLayouts/slideLayout30.xml><?xml version="1.0" encoding="utf-8"?>
-<p:sldLayout xmlns:a="http://schemas.openxmlformats.org/drawingml/2006/main" xmlns:p="http://schemas.openxmlformats.org/presentationml/2006/main" xmlns:r="http://schemas.openxmlformats.org/officeDocument/2006/relationships" xmlns:p14="http://schemas.microsoft.com/office/powerpoint/2010/main" xmlns:p15="http://schemas.microsoft.com/office/powerpoint/2012/main" xmlns:mc="http://schemas.openxmlformats.org/markup-compatibility/2006" type="objOnly" preserve="1">
+<p:sldLayout xmlns:a="http://schemas.openxmlformats.org/drawingml/2006/main" xmlns:r="http://schemas.openxmlformats.org/officeDocument/2006/relationships" xmlns:p="http://schemas.openxmlformats.org/presentationml/2006/main" type="objOnly" preserve="1">
   <p:cSld name="Centered Text">
     <p:spTree>
       <p:nvGrpSpPr>
@@ -2638,16 +2858,17 @@
           </a:prstGeom>
         </p:spPr>
         <p:txBody>
-          <a:bodyPr lIns="0" rIns="0" tIns="0" bIns="0" anchor="ctr"/>
+          <a:bodyPr lIns="0" tIns="0" rIns="0" bIns="0" anchor="ctr"/>
+          <a:lstStyle/>
           <a:p>
             <a:pPr algn="ctr"/>
-            <a:endParaRPr b="0" lang="es-ES" sz="3200" spc="-1" strike="noStrike">
-              <a:solidFill>
-                <a:srgbClr val="000000"/>
-              </a:solidFill>
-              <a:uFill>
-                <a:solidFill>
-                  <a:srgbClr val="ffffff"/>
+            <a:endParaRPr lang="es-ES" sz="3200" b="0" strike="noStrike" spc="-1">
+              <a:solidFill>
+                <a:srgbClr val="000000"/>
+              </a:solidFill>
+              <a:uFill>
+                <a:solidFill>
+                  <a:srgbClr val="FFFFFF"/>
                 </a:solidFill>
               </a:uFill>
               <a:latin typeface="Arial"/>
@@ -2657,11 +2878,14 @@
       </p:sp>
     </p:spTree>
   </p:cSld>
+  <p:clrMapOvr>
+    <a:masterClrMapping/>
+  </p:clrMapOvr>
 </p:sldLayout>
 </file>
 
 <file path=ppt/slideLayouts/slideLayout31.xml><?xml version="1.0" encoding="utf-8"?>
-<p:sldLayout xmlns:a="http://schemas.openxmlformats.org/drawingml/2006/main" xmlns:p="http://schemas.openxmlformats.org/presentationml/2006/main" xmlns:r="http://schemas.openxmlformats.org/officeDocument/2006/relationships" xmlns:p14="http://schemas.microsoft.com/office/powerpoint/2010/main" xmlns:p15="http://schemas.microsoft.com/office/powerpoint/2012/main" xmlns:mc="http://schemas.openxmlformats.org/markup-compatibility/2006" type="twoObjAndObj" preserve="1">
+<p:sldLayout xmlns:a="http://schemas.openxmlformats.org/drawingml/2006/main" xmlns:r="http://schemas.openxmlformats.org/officeDocument/2006/relationships" xmlns:p="http://schemas.openxmlformats.org/presentationml/2006/main" type="twoObjAndObj" preserve="1">
   <p:cSld name="Title, 2 Content and Content">
     <p:spTree>
       <p:nvGrpSpPr>
@@ -2697,15 +2921,16 @@
           </a:prstGeom>
         </p:spPr>
         <p:txBody>
-          <a:bodyPr lIns="0" rIns="0" tIns="0" bIns="0" anchor="ctr"/>
-          <a:p>
-            <a:endParaRPr b="0" lang="de-DE" sz="1800" spc="-1" strike="noStrike">
-              <a:solidFill>
-                <a:srgbClr val="000000"/>
-              </a:solidFill>
-              <a:uFill>
-                <a:solidFill>
-                  <a:srgbClr val="ffffff"/>
+          <a:bodyPr lIns="0" tIns="0" rIns="0" bIns="0" anchor="ctr"/>
+          <a:lstStyle/>
+          <a:p>
+            <a:endParaRPr lang="de-DE" sz="1800" b="0" strike="noStrike" spc="-1">
+              <a:solidFill>
+                <a:srgbClr val="000000"/>
+              </a:solidFill>
+              <a:uFill>
+                <a:solidFill>
+                  <a:srgbClr val="FFFFFF"/>
                 </a:solidFill>
               </a:uFill>
               <a:latin typeface="Calibri"/>
@@ -2733,15 +2958,16 @@
           </a:prstGeom>
         </p:spPr>
         <p:txBody>
-          <a:bodyPr lIns="0" rIns="0" tIns="0" bIns="0"/>
-          <a:p>
-            <a:endParaRPr b="0" lang="de-DE" sz="3200" spc="-1" strike="noStrike">
-              <a:solidFill>
-                <a:srgbClr val="000000"/>
-              </a:solidFill>
-              <a:uFill>
-                <a:solidFill>
-                  <a:srgbClr val="ffffff"/>
+          <a:bodyPr lIns="0" tIns="0" rIns="0" bIns="0"/>
+          <a:lstStyle/>
+          <a:p>
+            <a:endParaRPr lang="de-DE" sz="3200" b="0" strike="noStrike" spc="-1">
+              <a:solidFill>
+                <a:srgbClr val="000000"/>
+              </a:solidFill>
+              <a:uFill>
+                <a:solidFill>
+                  <a:srgbClr val="FFFFFF"/>
                 </a:solidFill>
               </a:uFill>
               <a:latin typeface="Calibri"/>
@@ -2769,15 +2995,16 @@
           </a:prstGeom>
         </p:spPr>
         <p:txBody>
-          <a:bodyPr lIns="0" rIns="0" tIns="0" bIns="0"/>
-          <a:p>
-            <a:endParaRPr b="0" lang="de-DE" sz="3200" spc="-1" strike="noStrike">
-              <a:solidFill>
-                <a:srgbClr val="000000"/>
-              </a:solidFill>
-              <a:uFill>
-                <a:solidFill>
-                  <a:srgbClr val="ffffff"/>
+          <a:bodyPr lIns="0" tIns="0" rIns="0" bIns="0"/>
+          <a:lstStyle/>
+          <a:p>
+            <a:endParaRPr lang="de-DE" sz="3200" b="0" strike="noStrike" spc="-1">
+              <a:solidFill>
+                <a:srgbClr val="000000"/>
+              </a:solidFill>
+              <a:uFill>
+                <a:solidFill>
+                  <a:srgbClr val="FFFFFF"/>
                 </a:solidFill>
               </a:uFill>
               <a:latin typeface="Calibri"/>
@@ -2805,15 +3032,16 @@
           </a:prstGeom>
         </p:spPr>
         <p:txBody>
-          <a:bodyPr lIns="0" rIns="0" tIns="0" bIns="0"/>
-          <a:p>
-            <a:endParaRPr b="0" lang="de-DE" sz="3200" spc="-1" strike="noStrike">
-              <a:solidFill>
-                <a:srgbClr val="000000"/>
-              </a:solidFill>
-              <a:uFill>
-                <a:solidFill>
-                  <a:srgbClr val="ffffff"/>
+          <a:bodyPr lIns="0" tIns="0" rIns="0" bIns="0"/>
+          <a:lstStyle/>
+          <a:p>
+            <a:endParaRPr lang="de-DE" sz="3200" b="0" strike="noStrike" spc="-1">
+              <a:solidFill>
+                <a:srgbClr val="000000"/>
+              </a:solidFill>
+              <a:uFill>
+                <a:solidFill>
+                  <a:srgbClr val="FFFFFF"/>
                 </a:solidFill>
               </a:uFill>
               <a:latin typeface="Calibri"/>
@@ -2823,11 +3051,14 @@
       </p:sp>
     </p:spTree>
   </p:cSld>
+  <p:clrMapOvr>
+    <a:masterClrMapping/>
+  </p:clrMapOvr>
 </p:sldLayout>
 </file>
 
 <file path=ppt/slideLayouts/slideLayout32.xml><?xml version="1.0" encoding="utf-8"?>
-<p:sldLayout xmlns:a="http://schemas.openxmlformats.org/drawingml/2006/main" xmlns:p="http://schemas.openxmlformats.org/presentationml/2006/main" xmlns:r="http://schemas.openxmlformats.org/officeDocument/2006/relationships" xmlns:p14="http://schemas.microsoft.com/office/powerpoint/2010/main" xmlns:p15="http://schemas.microsoft.com/office/powerpoint/2012/main" xmlns:mc="http://schemas.openxmlformats.org/markup-compatibility/2006" type="objAndTwoObj" preserve="1">
+<p:sldLayout xmlns:a="http://schemas.openxmlformats.org/drawingml/2006/main" xmlns:r="http://schemas.openxmlformats.org/officeDocument/2006/relationships" xmlns:p="http://schemas.openxmlformats.org/presentationml/2006/main" type="objAndTwoObj" preserve="1">
   <p:cSld name="Title Content and 2 Content">
     <p:spTree>
       <p:nvGrpSpPr>
@@ -2863,15 +3094,16 @@
           </a:prstGeom>
         </p:spPr>
         <p:txBody>
-          <a:bodyPr lIns="0" rIns="0" tIns="0" bIns="0" anchor="ctr"/>
-          <a:p>
-            <a:endParaRPr b="0" lang="de-DE" sz="1800" spc="-1" strike="noStrike">
-              <a:solidFill>
-                <a:srgbClr val="000000"/>
-              </a:solidFill>
-              <a:uFill>
-                <a:solidFill>
-                  <a:srgbClr val="ffffff"/>
+          <a:bodyPr lIns="0" tIns="0" rIns="0" bIns="0" anchor="ctr"/>
+          <a:lstStyle/>
+          <a:p>
+            <a:endParaRPr lang="de-DE" sz="1800" b="0" strike="noStrike" spc="-1">
+              <a:solidFill>
+                <a:srgbClr val="000000"/>
+              </a:solidFill>
+              <a:uFill>
+                <a:solidFill>
+                  <a:srgbClr val="FFFFFF"/>
                 </a:solidFill>
               </a:uFill>
               <a:latin typeface="Calibri"/>
@@ -2899,15 +3131,16 @@
           </a:prstGeom>
         </p:spPr>
         <p:txBody>
-          <a:bodyPr lIns="0" rIns="0" tIns="0" bIns="0"/>
-          <a:p>
-            <a:endParaRPr b="0" lang="de-DE" sz="3200" spc="-1" strike="noStrike">
-              <a:solidFill>
-                <a:srgbClr val="000000"/>
-              </a:solidFill>
-              <a:uFill>
-                <a:solidFill>
-                  <a:srgbClr val="ffffff"/>
+          <a:bodyPr lIns="0" tIns="0" rIns="0" bIns="0"/>
+          <a:lstStyle/>
+          <a:p>
+            <a:endParaRPr lang="de-DE" sz="3200" b="0" strike="noStrike" spc="-1">
+              <a:solidFill>
+                <a:srgbClr val="000000"/>
+              </a:solidFill>
+              <a:uFill>
+                <a:solidFill>
+                  <a:srgbClr val="FFFFFF"/>
                 </a:solidFill>
               </a:uFill>
               <a:latin typeface="Calibri"/>
@@ -2935,15 +3168,16 @@
           </a:prstGeom>
         </p:spPr>
         <p:txBody>
-          <a:bodyPr lIns="0" rIns="0" tIns="0" bIns="0"/>
-          <a:p>
-            <a:endParaRPr b="0" lang="de-DE" sz="3200" spc="-1" strike="noStrike">
-              <a:solidFill>
-                <a:srgbClr val="000000"/>
-              </a:solidFill>
-              <a:uFill>
-                <a:solidFill>
-                  <a:srgbClr val="ffffff"/>
+          <a:bodyPr lIns="0" tIns="0" rIns="0" bIns="0"/>
+          <a:lstStyle/>
+          <a:p>
+            <a:endParaRPr lang="de-DE" sz="3200" b="0" strike="noStrike" spc="-1">
+              <a:solidFill>
+                <a:srgbClr val="000000"/>
+              </a:solidFill>
+              <a:uFill>
+                <a:solidFill>
+                  <a:srgbClr val="FFFFFF"/>
                 </a:solidFill>
               </a:uFill>
               <a:latin typeface="Calibri"/>
@@ -2971,15 +3205,16 @@
           </a:prstGeom>
         </p:spPr>
         <p:txBody>
-          <a:bodyPr lIns="0" rIns="0" tIns="0" bIns="0"/>
-          <a:p>
-            <a:endParaRPr b="0" lang="de-DE" sz="3200" spc="-1" strike="noStrike">
-              <a:solidFill>
-                <a:srgbClr val="000000"/>
-              </a:solidFill>
-              <a:uFill>
-                <a:solidFill>
-                  <a:srgbClr val="ffffff"/>
+          <a:bodyPr lIns="0" tIns="0" rIns="0" bIns="0"/>
+          <a:lstStyle/>
+          <a:p>
+            <a:endParaRPr lang="de-DE" sz="3200" b="0" strike="noStrike" spc="-1">
+              <a:solidFill>
+                <a:srgbClr val="000000"/>
+              </a:solidFill>
+              <a:uFill>
+                <a:solidFill>
+                  <a:srgbClr val="FFFFFF"/>
                 </a:solidFill>
               </a:uFill>
               <a:latin typeface="Calibri"/>
@@ -2989,11 +3224,14 @@
       </p:sp>
     </p:spTree>
   </p:cSld>
+  <p:clrMapOvr>
+    <a:masterClrMapping/>
+  </p:clrMapOvr>
 </p:sldLayout>
 </file>
 
 <file path=ppt/slideLayouts/slideLayout33.xml><?xml version="1.0" encoding="utf-8"?>
-<p:sldLayout xmlns:a="http://schemas.openxmlformats.org/drawingml/2006/main" xmlns:p="http://schemas.openxmlformats.org/presentationml/2006/main" xmlns:r="http://schemas.openxmlformats.org/officeDocument/2006/relationships" xmlns:p14="http://schemas.microsoft.com/office/powerpoint/2010/main" xmlns:p15="http://schemas.microsoft.com/office/powerpoint/2012/main" xmlns:mc="http://schemas.openxmlformats.org/markup-compatibility/2006" type="twoObjOverTx" preserve="1">
+<p:sldLayout xmlns:a="http://schemas.openxmlformats.org/drawingml/2006/main" xmlns:r="http://schemas.openxmlformats.org/officeDocument/2006/relationships" xmlns:p="http://schemas.openxmlformats.org/presentationml/2006/main" type="twoObjOverTx" preserve="1">
   <p:cSld name="Title, 2 Content over Content">
     <p:spTree>
       <p:nvGrpSpPr>
@@ -3029,15 +3267,16 @@
           </a:prstGeom>
         </p:spPr>
         <p:txBody>
-          <a:bodyPr lIns="0" rIns="0" tIns="0" bIns="0" anchor="ctr"/>
-          <a:p>
-            <a:endParaRPr b="0" lang="de-DE" sz="1800" spc="-1" strike="noStrike">
-              <a:solidFill>
-                <a:srgbClr val="000000"/>
-              </a:solidFill>
-              <a:uFill>
-                <a:solidFill>
-                  <a:srgbClr val="ffffff"/>
+          <a:bodyPr lIns="0" tIns="0" rIns="0" bIns="0" anchor="ctr"/>
+          <a:lstStyle/>
+          <a:p>
+            <a:endParaRPr lang="de-DE" sz="1800" b="0" strike="noStrike" spc="-1">
+              <a:solidFill>
+                <a:srgbClr val="000000"/>
+              </a:solidFill>
+              <a:uFill>
+                <a:solidFill>
+                  <a:srgbClr val="FFFFFF"/>
                 </a:solidFill>
               </a:uFill>
               <a:latin typeface="Calibri"/>
@@ -3065,15 +3304,16 @@
           </a:prstGeom>
         </p:spPr>
         <p:txBody>
-          <a:bodyPr lIns="0" rIns="0" tIns="0" bIns="0"/>
-          <a:p>
-            <a:endParaRPr b="0" lang="de-DE" sz="3200" spc="-1" strike="noStrike">
-              <a:solidFill>
-                <a:srgbClr val="000000"/>
-              </a:solidFill>
-              <a:uFill>
-                <a:solidFill>
-                  <a:srgbClr val="ffffff"/>
+          <a:bodyPr lIns="0" tIns="0" rIns="0" bIns="0"/>
+          <a:lstStyle/>
+          <a:p>
+            <a:endParaRPr lang="de-DE" sz="3200" b="0" strike="noStrike" spc="-1">
+              <a:solidFill>
+                <a:srgbClr val="000000"/>
+              </a:solidFill>
+              <a:uFill>
+                <a:solidFill>
+                  <a:srgbClr val="FFFFFF"/>
                 </a:solidFill>
               </a:uFill>
               <a:latin typeface="Calibri"/>
@@ -3101,15 +3341,16 @@
           </a:prstGeom>
         </p:spPr>
         <p:txBody>
-          <a:bodyPr lIns="0" rIns="0" tIns="0" bIns="0"/>
-          <a:p>
-            <a:endParaRPr b="0" lang="de-DE" sz="3200" spc="-1" strike="noStrike">
-              <a:solidFill>
-                <a:srgbClr val="000000"/>
-              </a:solidFill>
-              <a:uFill>
-                <a:solidFill>
-                  <a:srgbClr val="ffffff"/>
+          <a:bodyPr lIns="0" tIns="0" rIns="0" bIns="0"/>
+          <a:lstStyle/>
+          <a:p>
+            <a:endParaRPr lang="de-DE" sz="3200" b="0" strike="noStrike" spc="-1">
+              <a:solidFill>
+                <a:srgbClr val="000000"/>
+              </a:solidFill>
+              <a:uFill>
+                <a:solidFill>
+                  <a:srgbClr val="FFFFFF"/>
                 </a:solidFill>
               </a:uFill>
               <a:latin typeface="Calibri"/>
@@ -3137,15 +3378,16 @@
           </a:prstGeom>
         </p:spPr>
         <p:txBody>
-          <a:bodyPr lIns="0" rIns="0" tIns="0" bIns="0"/>
-          <a:p>
-            <a:endParaRPr b="0" lang="de-DE" sz="3200" spc="-1" strike="noStrike">
-              <a:solidFill>
-                <a:srgbClr val="000000"/>
-              </a:solidFill>
-              <a:uFill>
-                <a:solidFill>
-                  <a:srgbClr val="ffffff"/>
+          <a:bodyPr lIns="0" tIns="0" rIns="0" bIns="0"/>
+          <a:lstStyle/>
+          <a:p>
+            <a:endParaRPr lang="de-DE" sz="3200" b="0" strike="noStrike" spc="-1">
+              <a:solidFill>
+                <a:srgbClr val="000000"/>
+              </a:solidFill>
+              <a:uFill>
+                <a:solidFill>
+                  <a:srgbClr val="FFFFFF"/>
                 </a:solidFill>
               </a:uFill>
               <a:latin typeface="Calibri"/>
@@ -3155,11 +3397,14 @@
       </p:sp>
     </p:spTree>
   </p:cSld>
+  <p:clrMapOvr>
+    <a:masterClrMapping/>
+  </p:clrMapOvr>
 </p:sldLayout>
 </file>
 
 <file path=ppt/slideLayouts/slideLayout34.xml><?xml version="1.0" encoding="utf-8"?>
-<p:sldLayout xmlns:a="http://schemas.openxmlformats.org/drawingml/2006/main" xmlns:p="http://schemas.openxmlformats.org/presentationml/2006/main" xmlns:r="http://schemas.openxmlformats.org/officeDocument/2006/relationships" xmlns:p14="http://schemas.microsoft.com/office/powerpoint/2010/main" xmlns:p15="http://schemas.microsoft.com/office/powerpoint/2012/main" xmlns:mc="http://schemas.openxmlformats.org/markup-compatibility/2006" type="objOverTx" preserve="1">
+<p:sldLayout xmlns:a="http://schemas.openxmlformats.org/drawingml/2006/main" xmlns:r="http://schemas.openxmlformats.org/officeDocument/2006/relationships" xmlns:p="http://schemas.openxmlformats.org/presentationml/2006/main" type="objOverTx" preserve="1">
   <p:cSld name="Title, Content over Content">
     <p:spTree>
       <p:nvGrpSpPr>
@@ -3195,15 +3440,16 @@
           </a:prstGeom>
         </p:spPr>
         <p:txBody>
-          <a:bodyPr lIns="0" rIns="0" tIns="0" bIns="0" anchor="ctr"/>
-          <a:p>
-            <a:endParaRPr b="0" lang="de-DE" sz="1800" spc="-1" strike="noStrike">
-              <a:solidFill>
-                <a:srgbClr val="000000"/>
-              </a:solidFill>
-              <a:uFill>
-                <a:solidFill>
-                  <a:srgbClr val="ffffff"/>
+          <a:bodyPr lIns="0" tIns="0" rIns="0" bIns="0" anchor="ctr"/>
+          <a:lstStyle/>
+          <a:p>
+            <a:endParaRPr lang="de-DE" sz="1800" b="0" strike="noStrike" spc="-1">
+              <a:solidFill>
+                <a:srgbClr val="000000"/>
+              </a:solidFill>
+              <a:uFill>
+                <a:solidFill>
+                  <a:srgbClr val="FFFFFF"/>
                 </a:solidFill>
               </a:uFill>
               <a:latin typeface="Calibri"/>
@@ -3231,15 +3477,16 @@
           </a:prstGeom>
         </p:spPr>
         <p:txBody>
-          <a:bodyPr lIns="0" rIns="0" tIns="0" bIns="0"/>
-          <a:p>
-            <a:endParaRPr b="0" lang="de-DE" sz="3200" spc="-1" strike="noStrike">
-              <a:solidFill>
-                <a:srgbClr val="000000"/>
-              </a:solidFill>
-              <a:uFill>
-                <a:solidFill>
-                  <a:srgbClr val="ffffff"/>
+          <a:bodyPr lIns="0" tIns="0" rIns="0" bIns="0"/>
+          <a:lstStyle/>
+          <a:p>
+            <a:endParaRPr lang="de-DE" sz="3200" b="0" strike="noStrike" spc="-1">
+              <a:solidFill>
+                <a:srgbClr val="000000"/>
+              </a:solidFill>
+              <a:uFill>
+                <a:solidFill>
+                  <a:srgbClr val="FFFFFF"/>
                 </a:solidFill>
               </a:uFill>
               <a:latin typeface="Calibri"/>
@@ -3267,15 +3514,16 @@
           </a:prstGeom>
         </p:spPr>
         <p:txBody>
-          <a:bodyPr lIns="0" rIns="0" tIns="0" bIns="0"/>
-          <a:p>
-            <a:endParaRPr b="0" lang="de-DE" sz="3200" spc="-1" strike="noStrike">
-              <a:solidFill>
-                <a:srgbClr val="000000"/>
-              </a:solidFill>
-              <a:uFill>
-                <a:solidFill>
-                  <a:srgbClr val="ffffff"/>
+          <a:bodyPr lIns="0" tIns="0" rIns="0" bIns="0"/>
+          <a:lstStyle/>
+          <a:p>
+            <a:endParaRPr lang="de-DE" sz="3200" b="0" strike="noStrike" spc="-1">
+              <a:solidFill>
+                <a:srgbClr val="000000"/>
+              </a:solidFill>
+              <a:uFill>
+                <a:solidFill>
+                  <a:srgbClr val="FFFFFF"/>
                 </a:solidFill>
               </a:uFill>
               <a:latin typeface="Calibri"/>
@@ -3285,11 +3533,14 @@
       </p:sp>
     </p:spTree>
   </p:cSld>
+  <p:clrMapOvr>
+    <a:masterClrMapping/>
+  </p:clrMapOvr>
 </p:sldLayout>
 </file>
 
 <file path=ppt/slideLayouts/slideLayout35.xml><?xml version="1.0" encoding="utf-8"?>
-<p:sldLayout xmlns:a="http://schemas.openxmlformats.org/drawingml/2006/main" xmlns:p="http://schemas.openxmlformats.org/presentationml/2006/main" xmlns:r="http://schemas.openxmlformats.org/officeDocument/2006/relationships" xmlns:p14="http://schemas.microsoft.com/office/powerpoint/2010/main" xmlns:p15="http://schemas.microsoft.com/office/powerpoint/2012/main" xmlns:mc="http://schemas.openxmlformats.org/markup-compatibility/2006" type="fourObj" preserve="1">
+<p:sldLayout xmlns:a="http://schemas.openxmlformats.org/drawingml/2006/main" xmlns:r="http://schemas.openxmlformats.org/officeDocument/2006/relationships" xmlns:p="http://schemas.openxmlformats.org/presentationml/2006/main" type="fourObj" preserve="1">
   <p:cSld name="Title, 4 Content">
     <p:spTree>
       <p:nvGrpSpPr>
@@ -3325,15 +3576,16 @@
           </a:prstGeom>
         </p:spPr>
         <p:txBody>
-          <a:bodyPr lIns="0" rIns="0" tIns="0" bIns="0" anchor="ctr"/>
-          <a:p>
-            <a:endParaRPr b="0" lang="de-DE" sz="1800" spc="-1" strike="noStrike">
-              <a:solidFill>
-                <a:srgbClr val="000000"/>
-              </a:solidFill>
-              <a:uFill>
-                <a:solidFill>
-                  <a:srgbClr val="ffffff"/>
+          <a:bodyPr lIns="0" tIns="0" rIns="0" bIns="0" anchor="ctr"/>
+          <a:lstStyle/>
+          <a:p>
+            <a:endParaRPr lang="de-DE" sz="1800" b="0" strike="noStrike" spc="-1">
+              <a:solidFill>
+                <a:srgbClr val="000000"/>
+              </a:solidFill>
+              <a:uFill>
+                <a:solidFill>
+                  <a:srgbClr val="FFFFFF"/>
                 </a:solidFill>
               </a:uFill>
               <a:latin typeface="Calibri"/>
@@ -3361,15 +3613,16 @@
           </a:prstGeom>
         </p:spPr>
         <p:txBody>
-          <a:bodyPr lIns="0" rIns="0" tIns="0" bIns="0"/>
-          <a:p>
-            <a:endParaRPr b="0" lang="de-DE" sz="3200" spc="-1" strike="noStrike">
-              <a:solidFill>
-                <a:srgbClr val="000000"/>
-              </a:solidFill>
-              <a:uFill>
-                <a:solidFill>
-                  <a:srgbClr val="ffffff"/>
+          <a:bodyPr lIns="0" tIns="0" rIns="0" bIns="0"/>
+          <a:lstStyle/>
+          <a:p>
+            <a:endParaRPr lang="de-DE" sz="3200" b="0" strike="noStrike" spc="-1">
+              <a:solidFill>
+                <a:srgbClr val="000000"/>
+              </a:solidFill>
+              <a:uFill>
+                <a:solidFill>
+                  <a:srgbClr val="FFFFFF"/>
                 </a:solidFill>
               </a:uFill>
               <a:latin typeface="Calibri"/>
@@ -3397,15 +3650,16 @@
           </a:prstGeom>
         </p:spPr>
         <p:txBody>
-          <a:bodyPr lIns="0" rIns="0" tIns="0" bIns="0"/>
-          <a:p>
-            <a:endParaRPr b="0" lang="de-DE" sz="3200" spc="-1" strike="noStrike">
-              <a:solidFill>
-                <a:srgbClr val="000000"/>
-              </a:solidFill>
-              <a:uFill>
-                <a:solidFill>
-                  <a:srgbClr val="ffffff"/>
+          <a:bodyPr lIns="0" tIns="0" rIns="0" bIns="0"/>
+          <a:lstStyle/>
+          <a:p>
+            <a:endParaRPr lang="de-DE" sz="3200" b="0" strike="noStrike" spc="-1">
+              <a:solidFill>
+                <a:srgbClr val="000000"/>
+              </a:solidFill>
+              <a:uFill>
+                <a:solidFill>
+                  <a:srgbClr val="FFFFFF"/>
                 </a:solidFill>
               </a:uFill>
               <a:latin typeface="Calibri"/>
@@ -3433,15 +3687,16 @@
           </a:prstGeom>
         </p:spPr>
         <p:txBody>
-          <a:bodyPr lIns="0" rIns="0" tIns="0" bIns="0"/>
-          <a:p>
-            <a:endParaRPr b="0" lang="de-DE" sz="3200" spc="-1" strike="noStrike">
-              <a:solidFill>
-                <a:srgbClr val="000000"/>
-              </a:solidFill>
-              <a:uFill>
-                <a:solidFill>
-                  <a:srgbClr val="ffffff"/>
+          <a:bodyPr lIns="0" tIns="0" rIns="0" bIns="0"/>
+          <a:lstStyle/>
+          <a:p>
+            <a:endParaRPr lang="de-DE" sz="3200" b="0" strike="noStrike" spc="-1">
+              <a:solidFill>
+                <a:srgbClr val="000000"/>
+              </a:solidFill>
+              <a:uFill>
+                <a:solidFill>
+                  <a:srgbClr val="FFFFFF"/>
                 </a:solidFill>
               </a:uFill>
               <a:latin typeface="Calibri"/>
@@ -3469,15 +3724,16 @@
           </a:prstGeom>
         </p:spPr>
         <p:txBody>
-          <a:bodyPr lIns="0" rIns="0" tIns="0" bIns="0"/>
-          <a:p>
-            <a:endParaRPr b="0" lang="de-DE" sz="3200" spc="-1" strike="noStrike">
-              <a:solidFill>
-                <a:srgbClr val="000000"/>
-              </a:solidFill>
-              <a:uFill>
-                <a:solidFill>
-                  <a:srgbClr val="ffffff"/>
+          <a:bodyPr lIns="0" tIns="0" rIns="0" bIns="0"/>
+          <a:lstStyle/>
+          <a:p>
+            <a:endParaRPr lang="de-DE" sz="3200" b="0" strike="noStrike" spc="-1">
+              <a:solidFill>
+                <a:srgbClr val="000000"/>
+              </a:solidFill>
+              <a:uFill>
+                <a:solidFill>
+                  <a:srgbClr val="FFFFFF"/>
                 </a:solidFill>
               </a:uFill>
               <a:latin typeface="Calibri"/>
@@ -3487,11 +3743,14 @@
       </p:sp>
     </p:spTree>
   </p:cSld>
+  <p:clrMapOvr>
+    <a:masterClrMapping/>
+  </p:clrMapOvr>
 </p:sldLayout>
 </file>
 
 <file path=ppt/slideLayouts/slideLayout36.xml><?xml version="1.0" encoding="utf-8"?>
-<p:sldLayout xmlns:a="http://schemas.openxmlformats.org/drawingml/2006/main" xmlns:p="http://schemas.openxmlformats.org/presentationml/2006/main" xmlns:r="http://schemas.openxmlformats.org/officeDocument/2006/relationships" xmlns:p14="http://schemas.microsoft.com/office/powerpoint/2010/main" xmlns:p15="http://schemas.microsoft.com/office/powerpoint/2012/main" xmlns:mc="http://schemas.openxmlformats.org/markup-compatibility/2006" type="blank" preserve="1">
+<p:sldLayout xmlns:a="http://schemas.openxmlformats.org/drawingml/2006/main" xmlns:r="http://schemas.openxmlformats.org/officeDocument/2006/relationships" xmlns:p="http://schemas.openxmlformats.org/presentationml/2006/main" type="blank" preserve="1">
   <p:cSld name="Title, 6 Content">
     <p:spTree>
       <p:nvGrpSpPr>
@@ -3527,15 +3786,16 @@
           </a:prstGeom>
         </p:spPr>
         <p:txBody>
-          <a:bodyPr lIns="0" rIns="0" tIns="0" bIns="0" anchor="ctr"/>
-          <a:p>
-            <a:endParaRPr b="0" lang="de-DE" sz="1800" spc="-1" strike="noStrike">
-              <a:solidFill>
-                <a:srgbClr val="000000"/>
-              </a:solidFill>
-              <a:uFill>
-                <a:solidFill>
-                  <a:srgbClr val="ffffff"/>
+          <a:bodyPr lIns="0" tIns="0" rIns="0" bIns="0" anchor="ctr"/>
+          <a:lstStyle/>
+          <a:p>
+            <a:endParaRPr lang="de-DE" sz="1800" b="0" strike="noStrike" spc="-1">
+              <a:solidFill>
+                <a:srgbClr val="000000"/>
+              </a:solidFill>
+              <a:uFill>
+                <a:solidFill>
+                  <a:srgbClr val="FFFFFF"/>
                 </a:solidFill>
               </a:uFill>
               <a:latin typeface="Calibri"/>
@@ -3563,15 +3823,16 @@
           </a:prstGeom>
         </p:spPr>
         <p:txBody>
-          <a:bodyPr lIns="0" rIns="0" tIns="0" bIns="0"/>
-          <a:p>
-            <a:endParaRPr b="0" lang="de-DE" sz="3200" spc="-1" strike="noStrike">
-              <a:solidFill>
-                <a:srgbClr val="000000"/>
-              </a:solidFill>
-              <a:uFill>
-                <a:solidFill>
-                  <a:srgbClr val="ffffff"/>
+          <a:bodyPr lIns="0" tIns="0" rIns="0" bIns="0"/>
+          <a:lstStyle/>
+          <a:p>
+            <a:endParaRPr lang="de-DE" sz="3200" b="0" strike="noStrike" spc="-1">
+              <a:solidFill>
+                <a:srgbClr val="000000"/>
+              </a:solidFill>
+              <a:uFill>
+                <a:solidFill>
+                  <a:srgbClr val="FFFFFF"/>
                 </a:solidFill>
               </a:uFill>
               <a:latin typeface="Calibri"/>
@@ -3599,15 +3860,16 @@
           </a:prstGeom>
         </p:spPr>
         <p:txBody>
-          <a:bodyPr lIns="0" rIns="0" tIns="0" bIns="0"/>
-          <a:p>
-            <a:endParaRPr b="0" lang="de-DE" sz="3200" spc="-1" strike="noStrike">
-              <a:solidFill>
-                <a:srgbClr val="000000"/>
-              </a:solidFill>
-              <a:uFill>
-                <a:solidFill>
-                  <a:srgbClr val="ffffff"/>
+          <a:bodyPr lIns="0" tIns="0" rIns="0" bIns="0"/>
+          <a:lstStyle/>
+          <a:p>
+            <a:endParaRPr lang="de-DE" sz="3200" b="0" strike="noStrike" spc="-1">
+              <a:solidFill>
+                <a:srgbClr val="000000"/>
+              </a:solidFill>
+              <a:uFill>
+                <a:solidFill>
+                  <a:srgbClr val="FFFFFF"/>
                 </a:solidFill>
               </a:uFill>
               <a:latin typeface="Calibri"/>
@@ -3617,7 +3879,7 @@
       </p:sp>
       <p:pic>
         <p:nvPicPr>
-          <p:cNvPr id="115" name="" descr=""/>
+          <p:cNvPr id="115" name="Grafik 114"/>
           <p:cNvPicPr/>
           <p:nvPr/>
         </p:nvPicPr>
@@ -3640,12 +3902,12 @@
       </p:pic>
       <p:pic>
         <p:nvPicPr>
-          <p:cNvPr id="116" name="" descr=""/>
+          <p:cNvPr id="116" name="Grafik 115"/>
           <p:cNvPicPr/>
           <p:nvPr/>
         </p:nvPicPr>
         <p:blipFill>
-          <a:blip r:embed="rId3"/>
+          <a:blip r:embed="rId2"/>
           <a:stretch/>
         </p:blipFill>
         <p:spPr>
@@ -3663,11 +3925,14 @@
       </p:pic>
     </p:spTree>
   </p:cSld>
+  <p:clrMapOvr>
+    <a:masterClrMapping/>
+  </p:clrMapOvr>
 </p:sldLayout>
 </file>
 
 <file path=ppt/slideLayouts/slideLayout4.xml><?xml version="1.0" encoding="utf-8"?>
-<p:sldLayout xmlns:a="http://schemas.openxmlformats.org/drawingml/2006/main" xmlns:p="http://schemas.openxmlformats.org/presentationml/2006/main" xmlns:r="http://schemas.openxmlformats.org/officeDocument/2006/relationships" xmlns:p14="http://schemas.microsoft.com/office/powerpoint/2010/main" xmlns:p15="http://schemas.microsoft.com/office/powerpoint/2012/main" xmlns:mc="http://schemas.openxmlformats.org/markup-compatibility/2006" type="twoObj" preserve="1">
+<p:sldLayout xmlns:a="http://schemas.openxmlformats.org/drawingml/2006/main" xmlns:r="http://schemas.openxmlformats.org/officeDocument/2006/relationships" xmlns:p="http://schemas.openxmlformats.org/presentationml/2006/main" type="twoObj" preserve="1">
   <p:cSld name="Title, 2 Content">
     <p:spTree>
       <p:nvGrpSpPr>
@@ -3703,15 +3968,16 @@
           </a:prstGeom>
         </p:spPr>
         <p:txBody>
-          <a:bodyPr lIns="0" rIns="0" tIns="0" bIns="0" anchor="ctr"/>
-          <a:p>
-            <a:endParaRPr b="0" lang="de-DE" sz="1800" spc="-1" strike="noStrike">
-              <a:solidFill>
-                <a:srgbClr val="000000"/>
-              </a:solidFill>
-              <a:uFill>
-                <a:solidFill>
-                  <a:srgbClr val="ffffff"/>
+          <a:bodyPr lIns="0" tIns="0" rIns="0" bIns="0" anchor="ctr"/>
+          <a:lstStyle/>
+          <a:p>
+            <a:endParaRPr lang="de-DE" sz="1800" b="0" strike="noStrike" spc="-1">
+              <a:solidFill>
+                <a:srgbClr val="000000"/>
+              </a:solidFill>
+              <a:uFill>
+                <a:solidFill>
+                  <a:srgbClr val="FFFFFF"/>
                 </a:solidFill>
               </a:uFill>
               <a:latin typeface="Calibri"/>
@@ -3739,15 +4005,16 @@
           </a:prstGeom>
         </p:spPr>
         <p:txBody>
-          <a:bodyPr lIns="0" rIns="0" tIns="0" bIns="0"/>
-          <a:p>
-            <a:endParaRPr b="0" lang="de-DE" sz="3200" spc="-1" strike="noStrike">
-              <a:solidFill>
-                <a:srgbClr val="000000"/>
-              </a:solidFill>
-              <a:uFill>
-                <a:solidFill>
-                  <a:srgbClr val="ffffff"/>
+          <a:bodyPr lIns="0" tIns="0" rIns="0" bIns="0"/>
+          <a:lstStyle/>
+          <a:p>
+            <a:endParaRPr lang="de-DE" sz="3200" b="0" strike="noStrike" spc="-1">
+              <a:solidFill>
+                <a:srgbClr val="000000"/>
+              </a:solidFill>
+              <a:uFill>
+                <a:solidFill>
+                  <a:srgbClr val="FFFFFF"/>
                 </a:solidFill>
               </a:uFill>
               <a:latin typeface="Calibri"/>
@@ -3775,15 +4042,16 @@
           </a:prstGeom>
         </p:spPr>
         <p:txBody>
-          <a:bodyPr lIns="0" rIns="0" tIns="0" bIns="0"/>
-          <a:p>
-            <a:endParaRPr b="0" lang="de-DE" sz="3200" spc="-1" strike="noStrike">
-              <a:solidFill>
-                <a:srgbClr val="000000"/>
-              </a:solidFill>
-              <a:uFill>
-                <a:solidFill>
-                  <a:srgbClr val="ffffff"/>
+          <a:bodyPr lIns="0" tIns="0" rIns="0" bIns="0"/>
+          <a:lstStyle/>
+          <a:p>
+            <a:endParaRPr lang="de-DE" sz="3200" b="0" strike="noStrike" spc="-1">
+              <a:solidFill>
+                <a:srgbClr val="000000"/>
+              </a:solidFill>
+              <a:uFill>
+                <a:solidFill>
+                  <a:srgbClr val="FFFFFF"/>
                 </a:solidFill>
               </a:uFill>
               <a:latin typeface="Calibri"/>
@@ -3793,11 +4061,14 @@
       </p:sp>
     </p:spTree>
   </p:cSld>
+  <p:clrMapOvr>
+    <a:masterClrMapping/>
+  </p:clrMapOvr>
 </p:sldLayout>
 </file>
 
 <file path=ppt/slideLayouts/slideLayout5.xml><?xml version="1.0" encoding="utf-8"?>
-<p:sldLayout xmlns:a="http://schemas.openxmlformats.org/drawingml/2006/main" xmlns:p="http://schemas.openxmlformats.org/presentationml/2006/main" xmlns:r="http://schemas.openxmlformats.org/officeDocument/2006/relationships" xmlns:p14="http://schemas.microsoft.com/office/powerpoint/2010/main" xmlns:p15="http://schemas.microsoft.com/office/powerpoint/2012/main" xmlns:mc="http://schemas.openxmlformats.org/markup-compatibility/2006" type="titleOnly" preserve="1">
+<p:sldLayout xmlns:a="http://schemas.openxmlformats.org/drawingml/2006/main" xmlns:r="http://schemas.openxmlformats.org/officeDocument/2006/relationships" xmlns:p="http://schemas.openxmlformats.org/presentationml/2006/main" type="titleOnly" preserve="1">
   <p:cSld name="Title Only">
     <p:spTree>
       <p:nvGrpSpPr>
@@ -3833,15 +4104,16 @@
           </a:prstGeom>
         </p:spPr>
         <p:txBody>
-          <a:bodyPr lIns="0" rIns="0" tIns="0" bIns="0" anchor="ctr"/>
-          <a:p>
-            <a:endParaRPr b="0" lang="de-DE" sz="1800" spc="-1" strike="noStrike">
-              <a:solidFill>
-                <a:srgbClr val="000000"/>
-              </a:solidFill>
-              <a:uFill>
-                <a:solidFill>
-                  <a:srgbClr val="ffffff"/>
+          <a:bodyPr lIns="0" tIns="0" rIns="0" bIns="0" anchor="ctr"/>
+          <a:lstStyle/>
+          <a:p>
+            <a:endParaRPr lang="de-DE" sz="1800" b="0" strike="noStrike" spc="-1">
+              <a:solidFill>
+                <a:srgbClr val="000000"/>
+              </a:solidFill>
+              <a:uFill>
+                <a:solidFill>
+                  <a:srgbClr val="FFFFFF"/>
                 </a:solidFill>
               </a:uFill>
               <a:latin typeface="Calibri"/>
@@ -3851,11 +4123,14 @@
       </p:sp>
     </p:spTree>
   </p:cSld>
+  <p:clrMapOvr>
+    <a:masterClrMapping/>
+  </p:clrMapOvr>
 </p:sldLayout>
 </file>
 
 <file path=ppt/slideLayouts/slideLayout6.xml><?xml version="1.0" encoding="utf-8"?>
-<p:sldLayout xmlns:a="http://schemas.openxmlformats.org/drawingml/2006/main" xmlns:p="http://schemas.openxmlformats.org/presentationml/2006/main" xmlns:r="http://schemas.openxmlformats.org/officeDocument/2006/relationships" xmlns:p14="http://schemas.microsoft.com/office/powerpoint/2010/main" xmlns:p15="http://schemas.microsoft.com/office/powerpoint/2012/main" xmlns:mc="http://schemas.openxmlformats.org/markup-compatibility/2006" type="objOnly" preserve="1">
+<p:sldLayout xmlns:a="http://schemas.openxmlformats.org/drawingml/2006/main" xmlns:r="http://schemas.openxmlformats.org/officeDocument/2006/relationships" xmlns:p="http://schemas.openxmlformats.org/presentationml/2006/main" type="objOnly" preserve="1">
   <p:cSld name="Centered Text">
     <p:spTree>
       <p:nvGrpSpPr>
@@ -3891,16 +4166,17 @@
           </a:prstGeom>
         </p:spPr>
         <p:txBody>
-          <a:bodyPr lIns="0" rIns="0" tIns="0" bIns="0" anchor="ctr"/>
+          <a:bodyPr lIns="0" tIns="0" rIns="0" bIns="0" anchor="ctr"/>
+          <a:lstStyle/>
           <a:p>
             <a:pPr algn="ctr"/>
-            <a:endParaRPr b="0" lang="es-ES" sz="3200" spc="-1" strike="noStrike">
-              <a:solidFill>
-                <a:srgbClr val="000000"/>
-              </a:solidFill>
-              <a:uFill>
-                <a:solidFill>
-                  <a:srgbClr val="ffffff"/>
+            <a:endParaRPr lang="es-ES" sz="3200" b="0" strike="noStrike" spc="-1">
+              <a:solidFill>
+                <a:srgbClr val="000000"/>
+              </a:solidFill>
+              <a:uFill>
+                <a:solidFill>
+                  <a:srgbClr val="FFFFFF"/>
                 </a:solidFill>
               </a:uFill>
               <a:latin typeface="Arial"/>
@@ -3910,11 +4186,14 @@
       </p:sp>
     </p:spTree>
   </p:cSld>
+  <p:clrMapOvr>
+    <a:masterClrMapping/>
+  </p:clrMapOvr>
 </p:sldLayout>
 </file>
 
 <file path=ppt/slideLayouts/slideLayout7.xml><?xml version="1.0" encoding="utf-8"?>
-<p:sldLayout xmlns:a="http://schemas.openxmlformats.org/drawingml/2006/main" xmlns:p="http://schemas.openxmlformats.org/presentationml/2006/main" xmlns:r="http://schemas.openxmlformats.org/officeDocument/2006/relationships" xmlns:p14="http://schemas.microsoft.com/office/powerpoint/2010/main" xmlns:p15="http://schemas.microsoft.com/office/powerpoint/2012/main" xmlns:mc="http://schemas.openxmlformats.org/markup-compatibility/2006" type="twoObjAndObj" preserve="1">
+<p:sldLayout xmlns:a="http://schemas.openxmlformats.org/drawingml/2006/main" xmlns:r="http://schemas.openxmlformats.org/officeDocument/2006/relationships" xmlns:p="http://schemas.openxmlformats.org/presentationml/2006/main" type="twoObjAndObj" preserve="1">
   <p:cSld name="Title, 2 Content and Content">
     <p:spTree>
       <p:nvGrpSpPr>
@@ -3950,15 +4229,16 @@
           </a:prstGeom>
         </p:spPr>
         <p:txBody>
-          <a:bodyPr lIns="0" rIns="0" tIns="0" bIns="0" anchor="ctr"/>
-          <a:p>
-            <a:endParaRPr b="0" lang="de-DE" sz="1800" spc="-1" strike="noStrike">
-              <a:solidFill>
-                <a:srgbClr val="000000"/>
-              </a:solidFill>
-              <a:uFill>
-                <a:solidFill>
-                  <a:srgbClr val="ffffff"/>
+          <a:bodyPr lIns="0" tIns="0" rIns="0" bIns="0" anchor="ctr"/>
+          <a:lstStyle/>
+          <a:p>
+            <a:endParaRPr lang="de-DE" sz="1800" b="0" strike="noStrike" spc="-1">
+              <a:solidFill>
+                <a:srgbClr val="000000"/>
+              </a:solidFill>
+              <a:uFill>
+                <a:solidFill>
+                  <a:srgbClr val="FFFFFF"/>
                 </a:solidFill>
               </a:uFill>
               <a:latin typeface="Calibri"/>
@@ -3986,15 +4266,16 @@
           </a:prstGeom>
         </p:spPr>
         <p:txBody>
-          <a:bodyPr lIns="0" rIns="0" tIns="0" bIns="0"/>
-          <a:p>
-            <a:endParaRPr b="0" lang="de-DE" sz="3200" spc="-1" strike="noStrike">
-              <a:solidFill>
-                <a:srgbClr val="000000"/>
-              </a:solidFill>
-              <a:uFill>
-                <a:solidFill>
-                  <a:srgbClr val="ffffff"/>
+          <a:bodyPr lIns="0" tIns="0" rIns="0" bIns="0"/>
+          <a:lstStyle/>
+          <a:p>
+            <a:endParaRPr lang="de-DE" sz="3200" b="0" strike="noStrike" spc="-1">
+              <a:solidFill>
+                <a:srgbClr val="000000"/>
+              </a:solidFill>
+              <a:uFill>
+                <a:solidFill>
+                  <a:srgbClr val="FFFFFF"/>
                 </a:solidFill>
               </a:uFill>
               <a:latin typeface="Calibri"/>
@@ -4022,15 +4303,16 @@
           </a:prstGeom>
         </p:spPr>
         <p:txBody>
-          <a:bodyPr lIns="0" rIns="0" tIns="0" bIns="0"/>
-          <a:p>
-            <a:endParaRPr b="0" lang="de-DE" sz="3200" spc="-1" strike="noStrike">
-              <a:solidFill>
-                <a:srgbClr val="000000"/>
-              </a:solidFill>
-              <a:uFill>
-                <a:solidFill>
-                  <a:srgbClr val="ffffff"/>
+          <a:bodyPr lIns="0" tIns="0" rIns="0" bIns="0"/>
+          <a:lstStyle/>
+          <a:p>
+            <a:endParaRPr lang="de-DE" sz="3200" b="0" strike="noStrike" spc="-1">
+              <a:solidFill>
+                <a:srgbClr val="000000"/>
+              </a:solidFill>
+              <a:uFill>
+                <a:solidFill>
+                  <a:srgbClr val="FFFFFF"/>
                 </a:solidFill>
               </a:uFill>
               <a:latin typeface="Calibri"/>
@@ -4058,15 +4340,16 @@
           </a:prstGeom>
         </p:spPr>
         <p:txBody>
-          <a:bodyPr lIns="0" rIns="0" tIns="0" bIns="0"/>
-          <a:p>
-            <a:endParaRPr b="0" lang="de-DE" sz="3200" spc="-1" strike="noStrike">
-              <a:solidFill>
-                <a:srgbClr val="000000"/>
-              </a:solidFill>
-              <a:uFill>
-                <a:solidFill>
-                  <a:srgbClr val="ffffff"/>
+          <a:bodyPr lIns="0" tIns="0" rIns="0" bIns="0"/>
+          <a:lstStyle/>
+          <a:p>
+            <a:endParaRPr lang="de-DE" sz="3200" b="0" strike="noStrike" spc="-1">
+              <a:solidFill>
+                <a:srgbClr val="000000"/>
+              </a:solidFill>
+              <a:uFill>
+                <a:solidFill>
+                  <a:srgbClr val="FFFFFF"/>
                 </a:solidFill>
               </a:uFill>
               <a:latin typeface="Calibri"/>
@@ -4076,11 +4359,14 @@
       </p:sp>
     </p:spTree>
   </p:cSld>
+  <p:clrMapOvr>
+    <a:masterClrMapping/>
+  </p:clrMapOvr>
 </p:sldLayout>
 </file>
 
 <file path=ppt/slideLayouts/slideLayout8.xml><?xml version="1.0" encoding="utf-8"?>
-<p:sldLayout xmlns:a="http://schemas.openxmlformats.org/drawingml/2006/main" xmlns:p="http://schemas.openxmlformats.org/presentationml/2006/main" xmlns:r="http://schemas.openxmlformats.org/officeDocument/2006/relationships" xmlns:p14="http://schemas.microsoft.com/office/powerpoint/2010/main" xmlns:p15="http://schemas.microsoft.com/office/powerpoint/2012/main" xmlns:mc="http://schemas.openxmlformats.org/markup-compatibility/2006" type="objAndTwoObj" preserve="1">
+<p:sldLayout xmlns:a="http://schemas.openxmlformats.org/drawingml/2006/main" xmlns:r="http://schemas.openxmlformats.org/officeDocument/2006/relationships" xmlns:p="http://schemas.openxmlformats.org/presentationml/2006/main" type="objAndTwoObj" preserve="1">
   <p:cSld name="Title Content and 2 Content">
     <p:spTree>
       <p:nvGrpSpPr>
@@ -4116,15 +4402,16 @@
           </a:prstGeom>
         </p:spPr>
         <p:txBody>
-          <a:bodyPr lIns="0" rIns="0" tIns="0" bIns="0" anchor="ctr"/>
-          <a:p>
-            <a:endParaRPr b="0" lang="de-DE" sz="1800" spc="-1" strike="noStrike">
-              <a:solidFill>
-                <a:srgbClr val="000000"/>
-              </a:solidFill>
-              <a:uFill>
-                <a:solidFill>
-                  <a:srgbClr val="ffffff"/>
+          <a:bodyPr lIns="0" tIns="0" rIns="0" bIns="0" anchor="ctr"/>
+          <a:lstStyle/>
+          <a:p>
+            <a:endParaRPr lang="de-DE" sz="1800" b="0" strike="noStrike" spc="-1">
+              <a:solidFill>
+                <a:srgbClr val="000000"/>
+              </a:solidFill>
+              <a:uFill>
+                <a:solidFill>
+                  <a:srgbClr val="FFFFFF"/>
                 </a:solidFill>
               </a:uFill>
               <a:latin typeface="Calibri"/>
@@ -4152,15 +4439,16 @@
           </a:prstGeom>
         </p:spPr>
         <p:txBody>
-          <a:bodyPr lIns="0" rIns="0" tIns="0" bIns="0"/>
-          <a:p>
-            <a:endParaRPr b="0" lang="de-DE" sz="3200" spc="-1" strike="noStrike">
-              <a:solidFill>
-                <a:srgbClr val="000000"/>
-              </a:solidFill>
-              <a:uFill>
-                <a:solidFill>
-                  <a:srgbClr val="ffffff"/>
+          <a:bodyPr lIns="0" tIns="0" rIns="0" bIns="0"/>
+          <a:lstStyle/>
+          <a:p>
+            <a:endParaRPr lang="de-DE" sz="3200" b="0" strike="noStrike" spc="-1">
+              <a:solidFill>
+                <a:srgbClr val="000000"/>
+              </a:solidFill>
+              <a:uFill>
+                <a:solidFill>
+                  <a:srgbClr val="FFFFFF"/>
                 </a:solidFill>
               </a:uFill>
               <a:latin typeface="Calibri"/>
@@ -4188,15 +4476,16 @@
           </a:prstGeom>
         </p:spPr>
         <p:txBody>
-          <a:bodyPr lIns="0" rIns="0" tIns="0" bIns="0"/>
-          <a:p>
-            <a:endParaRPr b="0" lang="de-DE" sz="3200" spc="-1" strike="noStrike">
-              <a:solidFill>
-                <a:srgbClr val="000000"/>
-              </a:solidFill>
-              <a:uFill>
-                <a:solidFill>
-                  <a:srgbClr val="ffffff"/>
+          <a:bodyPr lIns="0" tIns="0" rIns="0" bIns="0"/>
+          <a:lstStyle/>
+          <a:p>
+            <a:endParaRPr lang="de-DE" sz="3200" b="0" strike="noStrike" spc="-1">
+              <a:solidFill>
+                <a:srgbClr val="000000"/>
+              </a:solidFill>
+              <a:uFill>
+                <a:solidFill>
+                  <a:srgbClr val="FFFFFF"/>
                 </a:solidFill>
               </a:uFill>
               <a:latin typeface="Calibri"/>
@@ -4224,15 +4513,16 @@
           </a:prstGeom>
         </p:spPr>
         <p:txBody>
-          <a:bodyPr lIns="0" rIns="0" tIns="0" bIns="0"/>
-          <a:p>
-            <a:endParaRPr b="0" lang="de-DE" sz="3200" spc="-1" strike="noStrike">
-              <a:solidFill>
-                <a:srgbClr val="000000"/>
-              </a:solidFill>
-              <a:uFill>
-                <a:solidFill>
-                  <a:srgbClr val="ffffff"/>
+          <a:bodyPr lIns="0" tIns="0" rIns="0" bIns="0"/>
+          <a:lstStyle/>
+          <a:p>
+            <a:endParaRPr lang="de-DE" sz="3200" b="0" strike="noStrike" spc="-1">
+              <a:solidFill>
+                <a:srgbClr val="000000"/>
+              </a:solidFill>
+              <a:uFill>
+                <a:solidFill>
+                  <a:srgbClr val="FFFFFF"/>
                 </a:solidFill>
               </a:uFill>
               <a:latin typeface="Calibri"/>
@@ -4242,11 +4532,14 @@
       </p:sp>
     </p:spTree>
   </p:cSld>
+  <p:clrMapOvr>
+    <a:masterClrMapping/>
+  </p:clrMapOvr>
 </p:sldLayout>
 </file>
 
 <file path=ppt/slideLayouts/slideLayout9.xml><?xml version="1.0" encoding="utf-8"?>
-<p:sldLayout xmlns:a="http://schemas.openxmlformats.org/drawingml/2006/main" xmlns:p="http://schemas.openxmlformats.org/presentationml/2006/main" xmlns:r="http://schemas.openxmlformats.org/officeDocument/2006/relationships" xmlns:p14="http://schemas.microsoft.com/office/powerpoint/2010/main" xmlns:p15="http://schemas.microsoft.com/office/powerpoint/2012/main" xmlns:mc="http://schemas.openxmlformats.org/markup-compatibility/2006" type="twoObjOverTx" preserve="1">
+<p:sldLayout xmlns:a="http://schemas.openxmlformats.org/drawingml/2006/main" xmlns:r="http://schemas.openxmlformats.org/officeDocument/2006/relationships" xmlns:p="http://schemas.openxmlformats.org/presentationml/2006/main" type="twoObjOverTx" preserve="1">
   <p:cSld name="Title, 2 Content over Content">
     <p:spTree>
       <p:nvGrpSpPr>
@@ -4282,15 +4575,16 @@
           </a:prstGeom>
         </p:spPr>
         <p:txBody>
-          <a:bodyPr lIns="0" rIns="0" tIns="0" bIns="0" anchor="ctr"/>
-          <a:p>
-            <a:endParaRPr b="0" lang="de-DE" sz="1800" spc="-1" strike="noStrike">
-              <a:solidFill>
-                <a:srgbClr val="000000"/>
-              </a:solidFill>
-              <a:uFill>
-                <a:solidFill>
-                  <a:srgbClr val="ffffff"/>
+          <a:bodyPr lIns="0" tIns="0" rIns="0" bIns="0" anchor="ctr"/>
+          <a:lstStyle/>
+          <a:p>
+            <a:endParaRPr lang="de-DE" sz="1800" b="0" strike="noStrike" spc="-1">
+              <a:solidFill>
+                <a:srgbClr val="000000"/>
+              </a:solidFill>
+              <a:uFill>
+                <a:solidFill>
+                  <a:srgbClr val="FFFFFF"/>
                 </a:solidFill>
               </a:uFill>
               <a:latin typeface="Calibri"/>
@@ -4318,15 +4612,16 @@
           </a:prstGeom>
         </p:spPr>
         <p:txBody>
-          <a:bodyPr lIns="0" rIns="0" tIns="0" bIns="0"/>
-          <a:p>
-            <a:endParaRPr b="0" lang="de-DE" sz="3200" spc="-1" strike="noStrike">
-              <a:solidFill>
-                <a:srgbClr val="000000"/>
-              </a:solidFill>
-              <a:uFill>
-                <a:solidFill>
-                  <a:srgbClr val="ffffff"/>
+          <a:bodyPr lIns="0" tIns="0" rIns="0" bIns="0"/>
+          <a:lstStyle/>
+          <a:p>
+            <a:endParaRPr lang="de-DE" sz="3200" b="0" strike="noStrike" spc="-1">
+              <a:solidFill>
+                <a:srgbClr val="000000"/>
+              </a:solidFill>
+              <a:uFill>
+                <a:solidFill>
+                  <a:srgbClr val="FFFFFF"/>
                 </a:solidFill>
               </a:uFill>
               <a:latin typeface="Calibri"/>
@@ -4354,15 +4649,16 @@
           </a:prstGeom>
         </p:spPr>
         <p:txBody>
-          <a:bodyPr lIns="0" rIns="0" tIns="0" bIns="0"/>
-          <a:p>
-            <a:endParaRPr b="0" lang="de-DE" sz="3200" spc="-1" strike="noStrike">
-              <a:solidFill>
-                <a:srgbClr val="000000"/>
-              </a:solidFill>
-              <a:uFill>
-                <a:solidFill>
-                  <a:srgbClr val="ffffff"/>
+          <a:bodyPr lIns="0" tIns="0" rIns="0" bIns="0"/>
+          <a:lstStyle/>
+          <a:p>
+            <a:endParaRPr lang="de-DE" sz="3200" b="0" strike="noStrike" spc="-1">
+              <a:solidFill>
+                <a:srgbClr val="000000"/>
+              </a:solidFill>
+              <a:uFill>
+                <a:solidFill>
+                  <a:srgbClr val="FFFFFF"/>
                 </a:solidFill>
               </a:uFill>
               <a:latin typeface="Calibri"/>
@@ -4390,15 +4686,16 @@
           </a:prstGeom>
         </p:spPr>
         <p:txBody>
-          <a:bodyPr lIns="0" rIns="0" tIns="0" bIns="0"/>
-          <a:p>
-            <a:endParaRPr b="0" lang="de-DE" sz="3200" spc="-1" strike="noStrike">
-              <a:solidFill>
-                <a:srgbClr val="000000"/>
-              </a:solidFill>
-              <a:uFill>
-                <a:solidFill>
-                  <a:srgbClr val="ffffff"/>
+          <a:bodyPr lIns="0" tIns="0" rIns="0" bIns="0"/>
+          <a:lstStyle/>
+          <a:p>
+            <a:endParaRPr lang="de-DE" sz="3200" b="0" strike="noStrike" spc="-1">
+              <a:solidFill>
+                <a:srgbClr val="000000"/>
+              </a:solidFill>
+              <a:uFill>
+                <a:solidFill>
+                  <a:srgbClr val="FFFFFF"/>
                 </a:solidFill>
               </a:uFill>
               <a:latin typeface="Calibri"/>
@@ -4408,17 +4705,21 @@
       </p:sp>
     </p:spTree>
   </p:cSld>
+  <p:clrMapOvr>
+    <a:masterClrMapping/>
+  </p:clrMapOvr>
 </p:sldLayout>
 </file>
 
 <file path=ppt/slideMasters/slideMaster1.xml><?xml version="1.0" encoding="utf-8"?>
-<p:sldMaster xmlns:a="http://schemas.openxmlformats.org/drawingml/2006/main" xmlns:p="http://schemas.openxmlformats.org/presentationml/2006/main" xmlns:r="http://schemas.openxmlformats.org/officeDocument/2006/relationships" xmlns:p14="http://schemas.microsoft.com/office/powerpoint/2010/main" xmlns:p15="http://schemas.microsoft.com/office/powerpoint/2012/main" xmlns:mc="http://schemas.openxmlformats.org/markup-compatibility/2006">
+<p:sldMaster xmlns:a="http://schemas.openxmlformats.org/drawingml/2006/main" xmlns:r="http://schemas.openxmlformats.org/officeDocument/2006/relationships" xmlns:p="http://schemas.openxmlformats.org/presentationml/2006/main">
   <p:cSld>
     <p:bg>
       <p:bgPr>
         <a:solidFill>
-          <a:srgbClr val="ffffff"/>
+          <a:srgbClr val="FFFFFF"/>
         </a:solidFill>
+        <a:effectLst/>
       </p:bgPr>
     </p:bg>
     <p:spTree>
@@ -4437,7 +4738,7 @@
       </p:grpSpPr>
       <p:sp>
         <p:nvSpPr>
-          <p:cNvPr id="0" name="PlaceHolder 1"/>
+          <p:cNvPr id="5" name="PlaceHolder 1"/>
           <p:cNvSpPr>
             <a:spLocks noGrp="1"/>
           </p:cNvSpPr>
@@ -4456,6 +4757,7 @@
         </p:spPr>
         <p:txBody>
           <a:bodyPr anchor="ctr"/>
+          <a:lstStyle/>
           <a:p>
             <a:pPr algn="ctr">
               <a:lnSpc>
@@ -4463,36 +4765,25 @@
               </a:lnSpc>
             </a:pPr>
             <a:r>
-              <a:rPr b="0" lang="de-DE" sz="4400" spc="-1" strike="noStrike">
+              <a:rPr lang="de-DE" sz="4400" b="0" strike="noStrike" spc="-1">
                 <a:solidFill>
                   <a:srgbClr val="000000"/>
                 </a:solidFill>
                 <a:uFill>
                   <a:solidFill>
-                    <a:srgbClr val="ffffff"/>
+                    <a:srgbClr val="FFFFFF"/>
                   </a:solidFill>
                 </a:uFill>
                 <a:latin typeface="Calibri"/>
               </a:rPr>
               <a:t>Titelmasterformat durch Klicken bearbeiten</a:t>
             </a:r>
-            <a:endParaRPr b="0" lang="de-DE" sz="4400" spc="-1" strike="noStrike">
-              <a:solidFill>
-                <a:srgbClr val="000000"/>
-              </a:solidFill>
-              <a:uFill>
-                <a:solidFill>
-                  <a:srgbClr val="ffffff"/>
-                </a:solidFill>
-              </a:uFill>
-              <a:latin typeface="Calibri"/>
-            </a:endParaRPr>
-          </a:p>
-        </p:txBody>
-      </p:sp>
-      <p:sp>
-        <p:nvSpPr>
-          <p:cNvPr id="1" name="PlaceHolder 2"/>
+          </a:p>
+        </p:txBody>
+      </p:sp>
+      <p:sp>
+        <p:nvSpPr>
+          <p:cNvPr id="6" name="PlaceHolder 2"/>
           <p:cNvSpPr>
             <a:spLocks noGrp="1"/>
           </p:cNvSpPr>
@@ -4511,6 +4802,7 @@
         </p:spPr>
         <p:txBody>
           <a:bodyPr/>
+          <a:lstStyle/>
           <a:p>
             <a:pPr marL="343080" indent="-342720">
               <a:lnSpc>
@@ -4526,33 +4818,22 @@
               <a:buChar char="•"/>
             </a:pPr>
             <a:r>
-              <a:rPr b="0" lang="de-DE" sz="3200" spc="-1" strike="noStrike">
+              <a:rPr lang="de-DE" sz="3200" b="0" strike="noStrike" spc="-1">
                 <a:solidFill>
                   <a:srgbClr val="000000"/>
                 </a:solidFill>
                 <a:uFill>
                   <a:solidFill>
-                    <a:srgbClr val="ffffff"/>
+                    <a:srgbClr val="FFFFFF"/>
                   </a:solidFill>
                 </a:uFill>
                 <a:latin typeface="Calibri"/>
               </a:rPr>
               <a:t>Textmasterformat bearbeiten</a:t>
             </a:r>
-            <a:endParaRPr b="0" lang="de-DE" sz="3200" spc="-1" strike="noStrike">
-              <a:solidFill>
-                <a:srgbClr val="000000"/>
-              </a:solidFill>
-              <a:uFill>
-                <a:solidFill>
-                  <a:srgbClr val="ffffff"/>
-                </a:solidFill>
-              </a:uFill>
-              <a:latin typeface="Calibri"/>
-            </a:endParaRPr>
-          </a:p>
-          <a:p>
-            <a:pPr lvl="1" marL="743040" indent="-285480">
+          </a:p>
+          <a:p>
+            <a:pPr marL="743040" lvl="1" indent="-285480">
               <a:lnSpc>
                 <a:spcPct val="100000"/>
               </a:lnSpc>
@@ -4566,33 +4847,33 @@
               <a:buChar char="–"/>
             </a:pPr>
             <a:r>
-              <a:rPr b="0" lang="de-DE" sz="2800" spc="-1" strike="noStrike">
+              <a:rPr lang="de-DE" sz="2800" b="0" strike="noStrike" spc="-1">
                 <a:solidFill>
                   <a:srgbClr val="000000"/>
                 </a:solidFill>
                 <a:uFill>
                   <a:solidFill>
-                    <a:srgbClr val="ffffff"/>
+                    <a:srgbClr val="FFFFFF"/>
                   </a:solidFill>
                 </a:uFill>
                 <a:latin typeface="Calibri"/>
               </a:rPr>
               <a:t>Zweite Ebene</a:t>
             </a:r>
-            <a:endParaRPr b="0" lang="de-DE" sz="3200" spc="-1" strike="noStrike">
-              <a:solidFill>
-                <a:srgbClr val="000000"/>
-              </a:solidFill>
-              <a:uFill>
-                <a:solidFill>
-                  <a:srgbClr val="ffffff"/>
-                </a:solidFill>
-              </a:uFill>
-              <a:latin typeface="Calibri"/>
-            </a:endParaRPr>
-          </a:p>
-          <a:p>
-            <a:pPr lvl="2" marL="1143000" indent="-228240">
+            <a:endParaRPr lang="de-DE" sz="3200" b="0" strike="noStrike" spc="-1">
+              <a:solidFill>
+                <a:srgbClr val="000000"/>
+              </a:solidFill>
+              <a:uFill>
+                <a:solidFill>
+                  <a:srgbClr val="FFFFFF"/>
+                </a:solidFill>
+              </a:uFill>
+              <a:latin typeface="Calibri"/>
+            </a:endParaRPr>
+          </a:p>
+          <a:p>
+            <a:pPr marL="1143000" lvl="2" indent="-228240">
               <a:lnSpc>
                 <a:spcPct val="100000"/>
               </a:lnSpc>
@@ -4606,33 +4887,33 @@
               <a:buChar char="•"/>
             </a:pPr>
             <a:r>
-              <a:rPr b="0" lang="de-DE" sz="2400" spc="-1" strike="noStrike">
+              <a:rPr lang="de-DE" sz="2400" b="0" strike="noStrike" spc="-1">
                 <a:solidFill>
                   <a:srgbClr val="000000"/>
                 </a:solidFill>
                 <a:uFill>
                   <a:solidFill>
-                    <a:srgbClr val="ffffff"/>
+                    <a:srgbClr val="FFFFFF"/>
                   </a:solidFill>
                 </a:uFill>
                 <a:latin typeface="Calibri"/>
               </a:rPr>
               <a:t>Dritte Ebene</a:t>
             </a:r>
-            <a:endParaRPr b="0" lang="de-DE" sz="3200" spc="-1" strike="noStrike">
-              <a:solidFill>
-                <a:srgbClr val="000000"/>
-              </a:solidFill>
-              <a:uFill>
-                <a:solidFill>
-                  <a:srgbClr val="ffffff"/>
-                </a:solidFill>
-              </a:uFill>
-              <a:latin typeface="Calibri"/>
-            </a:endParaRPr>
-          </a:p>
-          <a:p>
-            <a:pPr lvl="3" marL="1600200" indent="-228240">
+            <a:endParaRPr lang="de-DE" sz="3200" b="0" strike="noStrike" spc="-1">
+              <a:solidFill>
+                <a:srgbClr val="000000"/>
+              </a:solidFill>
+              <a:uFill>
+                <a:solidFill>
+                  <a:srgbClr val="FFFFFF"/>
+                </a:solidFill>
+              </a:uFill>
+              <a:latin typeface="Calibri"/>
+            </a:endParaRPr>
+          </a:p>
+          <a:p>
+            <a:pPr marL="1600200" lvl="3" indent="-228240">
               <a:lnSpc>
                 <a:spcPct val="100000"/>
               </a:lnSpc>
@@ -4646,33 +4927,33 @@
               <a:buChar char="–"/>
             </a:pPr>
             <a:r>
-              <a:rPr b="0" lang="de-DE" sz="2000" spc="-1" strike="noStrike">
+              <a:rPr lang="de-DE" sz="2000" b="0" strike="noStrike" spc="-1">
                 <a:solidFill>
                   <a:srgbClr val="000000"/>
                 </a:solidFill>
                 <a:uFill>
                   <a:solidFill>
-                    <a:srgbClr val="ffffff"/>
+                    <a:srgbClr val="FFFFFF"/>
                   </a:solidFill>
                 </a:uFill>
                 <a:latin typeface="Calibri"/>
               </a:rPr>
               <a:t>Vierte Ebene</a:t>
             </a:r>
-            <a:endParaRPr b="0" lang="de-DE" sz="3200" spc="-1" strike="noStrike">
-              <a:solidFill>
-                <a:srgbClr val="000000"/>
-              </a:solidFill>
-              <a:uFill>
-                <a:solidFill>
-                  <a:srgbClr val="ffffff"/>
-                </a:solidFill>
-              </a:uFill>
-              <a:latin typeface="Calibri"/>
-            </a:endParaRPr>
-          </a:p>
-          <a:p>
-            <a:pPr lvl="4" marL="2057400" indent="-228240">
+            <a:endParaRPr lang="de-DE" sz="3200" b="0" strike="noStrike" spc="-1">
+              <a:solidFill>
+                <a:srgbClr val="000000"/>
+              </a:solidFill>
+              <a:uFill>
+                <a:solidFill>
+                  <a:srgbClr val="FFFFFF"/>
+                </a:solidFill>
+              </a:uFill>
+              <a:latin typeface="Calibri"/>
+            </a:endParaRPr>
+          </a:p>
+          <a:p>
+            <a:pPr marL="2057400" lvl="4" indent="-228240">
               <a:lnSpc>
                 <a:spcPct val="100000"/>
               </a:lnSpc>
@@ -4686,26 +4967,26 @@
               <a:buChar char="»"/>
             </a:pPr>
             <a:r>
-              <a:rPr b="0" lang="de-DE" sz="2000" spc="-1" strike="noStrike">
+              <a:rPr lang="de-DE" sz="2000" b="0" strike="noStrike" spc="-1">
                 <a:solidFill>
                   <a:srgbClr val="000000"/>
                 </a:solidFill>
                 <a:uFill>
                   <a:solidFill>
-                    <a:srgbClr val="ffffff"/>
+                    <a:srgbClr val="FFFFFF"/>
                   </a:solidFill>
                 </a:uFill>
                 <a:latin typeface="Calibri"/>
               </a:rPr>
               <a:t>Fünfte Ebene</a:t>
             </a:r>
-            <a:endParaRPr b="0" lang="de-DE" sz="3200" spc="-1" strike="noStrike">
-              <a:solidFill>
-                <a:srgbClr val="000000"/>
-              </a:solidFill>
-              <a:uFill>
-                <a:solidFill>
-                  <a:srgbClr val="ffffff"/>
+            <a:endParaRPr lang="de-DE" sz="3200" b="0" strike="noStrike" spc="-1">
+              <a:solidFill>
+                <a:srgbClr val="000000"/>
+              </a:solidFill>
+              <a:uFill>
+                <a:solidFill>
+                  <a:srgbClr val="FFFFFF"/>
                 </a:solidFill>
               </a:uFill>
               <a:latin typeface="Calibri"/>
@@ -4734,6 +5015,7 @@
         </p:spPr>
         <p:txBody>
           <a:bodyPr anchor="ctr"/>
+          <a:lstStyle/>
           <a:p>
             <a:pPr>
               <a:lnSpc>
@@ -4741,26 +5023,26 @@
               </a:lnSpc>
             </a:pPr>
             <a:fld id="{58E9F1CB-EC48-4A81-BF29-076486789178}" type="datetime">
-              <a:rPr b="0" lang="es-ES" sz="1200" spc="-1" strike="noStrike">
-                <a:solidFill>
-                  <a:srgbClr val="8b8b8b"/>
+              <a:rPr lang="es-ES" sz="1200" b="0" strike="noStrike" spc="-1">
+                <a:solidFill>
+                  <a:srgbClr val="8B8B8B"/>
                 </a:solidFill>
                 <a:uFill>
                   <a:solidFill>
-                    <a:srgbClr val="ffffff"/>
+                    <a:srgbClr val="FFFFFF"/>
                   </a:solidFill>
                 </a:uFill>
                 <a:latin typeface="Calibri"/>
               </a:rPr>
-              <a:t>10/09/17</a:t>
+              <a:t>10/09/2017</a:t>
             </a:fld>
-            <a:endParaRPr b="0" lang="es-ES" sz="1400" spc="-1" strike="noStrike">
-              <a:solidFill>
-                <a:srgbClr val="000000"/>
-              </a:solidFill>
-              <a:uFill>
-                <a:solidFill>
-                  <a:srgbClr val="ffffff"/>
+            <a:endParaRPr lang="es-ES" sz="1400" b="0" strike="noStrike" spc="-1">
+              <a:solidFill>
+                <a:srgbClr val="000000"/>
+              </a:solidFill>
+              <a:uFill>
+                <a:solidFill>
+                  <a:srgbClr val="FFFFFF"/>
                 </a:solidFill>
               </a:uFill>
               <a:latin typeface="Times New Roman"/>
@@ -4789,14 +5071,15 @@
         </p:spPr>
         <p:txBody>
           <a:bodyPr anchor="ctr"/>
-          <a:p>
-            <a:endParaRPr b="0" lang="es-ES" sz="2400" spc="-1" strike="noStrike">
-              <a:solidFill>
-                <a:srgbClr val="000000"/>
-              </a:solidFill>
-              <a:uFill>
-                <a:solidFill>
-                  <a:srgbClr val="ffffff"/>
+          <a:lstStyle/>
+          <a:p>
+            <a:endParaRPr lang="es-ES" sz="2400" b="0" strike="noStrike" spc="-1">
+              <a:solidFill>
+                <a:srgbClr val="000000"/>
+              </a:solidFill>
+              <a:uFill>
+                <a:solidFill>
+                  <a:srgbClr val="FFFFFF"/>
                 </a:solidFill>
               </a:uFill>
               <a:latin typeface="Times New Roman"/>
@@ -4825,6 +5108,7 @@
         </p:spPr>
         <p:txBody>
           <a:bodyPr anchor="ctr"/>
+          <a:lstStyle/>
           <a:p>
             <a:pPr algn="r">
               <a:lnSpc>
@@ -4832,26 +5116,26 @@
               </a:lnSpc>
             </a:pPr>
             <a:fld id="{7E844ED5-083A-45E4-8353-E91D304238F4}" type="slidenum">
-              <a:rPr b="0" lang="es-ES" sz="1200" spc="-1" strike="noStrike">
-                <a:solidFill>
-                  <a:srgbClr val="8b8b8b"/>
+              <a:rPr lang="es-ES" sz="1200" b="0" strike="noStrike" spc="-1">
+                <a:solidFill>
+                  <a:srgbClr val="8B8B8B"/>
                 </a:solidFill>
                 <a:uFill>
                   <a:solidFill>
-                    <a:srgbClr val="ffffff"/>
+                    <a:srgbClr val="FFFFFF"/>
                   </a:solidFill>
                 </a:uFill>
                 <a:latin typeface="Calibri"/>
               </a:rPr>
-              <a:t>&lt;Foliennummer&gt;</a:t>
+              <a:t>‹Nr.›</a:t>
             </a:fld>
-            <a:endParaRPr b="0" lang="es-ES" sz="1400" spc="-1" strike="noStrike">
-              <a:solidFill>
-                <a:srgbClr val="000000"/>
-              </a:solidFill>
-              <a:uFill>
-                <a:solidFill>
-                  <a:srgbClr val="ffffff"/>
+            <a:endParaRPr lang="es-ES" sz="1400" b="0" strike="noStrike" spc="-1">
+              <a:solidFill>
+                <a:srgbClr val="000000"/>
+              </a:solidFill>
+              <a:uFill>
+                <a:solidFill>
+                  <a:srgbClr val="FFFFFF"/>
                 </a:solidFill>
               </a:uFill>
               <a:latin typeface="Times New Roman"/>
@@ -4861,32 +5145,38 @@
       </p:sp>
     </p:spTree>
   </p:cSld>
-  <p:clrMap bg1="lt1" bg2="lt2" tx1="dk1" tx2="dk2" accent1="accent1" accent2="accent2" accent3="accent3" accent4="accent4" accent5="accent5" accent6="accent6" hlink="hlink" folHlink="folHlink"/>
+  <p:clrMap bg1="lt1" tx1="dk1" bg2="lt2" tx2="dk2" accent1="accent1" accent2="accent2" accent3="accent3" accent4="accent4" accent5="accent5" accent6="accent6" hlink="hlink" folHlink="folHlink"/>
   <p:sldLayoutIdLst>
-    <p:sldLayoutId id="2147483649" r:id="rId2"/>
-    <p:sldLayoutId id="2147483650" r:id="rId3"/>
-    <p:sldLayoutId id="2147483651" r:id="rId4"/>
-    <p:sldLayoutId id="2147483652" r:id="rId5"/>
-    <p:sldLayoutId id="2147483653" r:id="rId6"/>
-    <p:sldLayoutId id="2147483654" r:id="rId7"/>
-    <p:sldLayoutId id="2147483655" r:id="rId8"/>
-    <p:sldLayoutId id="2147483656" r:id="rId9"/>
-    <p:sldLayoutId id="2147483657" r:id="rId10"/>
-    <p:sldLayoutId id="2147483658" r:id="rId11"/>
-    <p:sldLayoutId id="2147483659" r:id="rId12"/>
-    <p:sldLayoutId id="2147483660" r:id="rId13"/>
+    <p:sldLayoutId id="2147483649" r:id="rId1"/>
+    <p:sldLayoutId id="2147483650" r:id="rId2"/>
+    <p:sldLayoutId id="2147483651" r:id="rId3"/>
+    <p:sldLayoutId id="2147483652" r:id="rId4"/>
+    <p:sldLayoutId id="2147483653" r:id="rId5"/>
+    <p:sldLayoutId id="2147483654" r:id="rId6"/>
+    <p:sldLayoutId id="2147483655" r:id="rId7"/>
+    <p:sldLayoutId id="2147483656" r:id="rId8"/>
+    <p:sldLayoutId id="2147483657" r:id="rId9"/>
+    <p:sldLayoutId id="2147483658" r:id="rId10"/>
+    <p:sldLayoutId id="2147483659" r:id="rId11"/>
+    <p:sldLayoutId id="2147483660" r:id="rId12"/>
   </p:sldLayoutIdLst>
+  <p:txStyles>
+    <p:titleStyle/>
+    <p:bodyStyle/>
+    <p:otherStyle/>
+  </p:txStyles>
 </p:sldMaster>
 </file>
 
 <file path=ppt/slideMasters/slideMaster2.xml><?xml version="1.0" encoding="utf-8"?>
-<p:sldMaster xmlns:a="http://schemas.openxmlformats.org/drawingml/2006/main" xmlns:p="http://schemas.openxmlformats.org/presentationml/2006/main" xmlns:r="http://schemas.openxmlformats.org/officeDocument/2006/relationships" xmlns:p14="http://schemas.microsoft.com/office/powerpoint/2010/main" xmlns:p15="http://schemas.microsoft.com/office/powerpoint/2012/main" xmlns:mc="http://schemas.openxmlformats.org/markup-compatibility/2006">
+<p:sldMaster xmlns:a="http://schemas.openxmlformats.org/drawingml/2006/main" xmlns:r="http://schemas.openxmlformats.org/officeDocument/2006/relationships" xmlns:p="http://schemas.openxmlformats.org/presentationml/2006/main">
   <p:cSld>
     <p:bg>
       <p:bgPr>
         <a:solidFill>
-          <a:srgbClr val="ffffff"/>
+          <a:srgbClr val="FFFFFF"/>
         </a:solidFill>
+        <a:effectLst/>
       </p:bgPr>
     </p:bg>
     <p:spTree>
@@ -4924,6 +5214,7 @@
         </p:spPr>
         <p:txBody>
           <a:bodyPr anchor="ctr"/>
+          <a:lstStyle/>
           <a:p>
             <a:pPr algn="ctr">
               <a:lnSpc>
@@ -4931,30 +5222,19 @@
               </a:lnSpc>
             </a:pPr>
             <a:r>
-              <a:rPr b="0" lang="de-DE" sz="4400" spc="-1" strike="noStrike">
+              <a:rPr lang="de-DE" sz="4400" b="0" strike="noStrike" spc="-1">
                 <a:solidFill>
                   <a:srgbClr val="000000"/>
                 </a:solidFill>
                 <a:uFill>
                   <a:solidFill>
-                    <a:srgbClr val="ffffff"/>
+                    <a:srgbClr val="FFFFFF"/>
                   </a:solidFill>
                 </a:uFill>
                 <a:latin typeface="Calibri"/>
               </a:rPr>
               <a:t>Titelmasterformat durch Klicken bearbeiten</a:t>
             </a:r>
-            <a:endParaRPr b="0" lang="de-DE" sz="4400" spc="-1" strike="noStrike">
-              <a:solidFill>
-                <a:srgbClr val="000000"/>
-              </a:solidFill>
-              <a:uFill>
-                <a:solidFill>
-                  <a:srgbClr val="ffffff"/>
-                </a:solidFill>
-              </a:uFill>
-              <a:latin typeface="Calibri"/>
-            </a:endParaRPr>
           </a:p>
         </p:txBody>
       </p:sp>
@@ -4979,6 +5259,7 @@
         </p:spPr>
         <p:txBody>
           <a:bodyPr anchor="ctr"/>
+          <a:lstStyle/>
           <a:p>
             <a:pPr>
               <a:lnSpc>
@@ -4986,26 +5267,26 @@
               </a:lnSpc>
             </a:pPr>
             <a:fld id="{5677374A-0E5F-4282-A9AA-34888AF2D382}" type="datetime">
-              <a:rPr b="0" lang="es-ES" sz="1200" spc="-1" strike="noStrike">
-                <a:solidFill>
-                  <a:srgbClr val="8b8b8b"/>
+              <a:rPr lang="es-ES" sz="1200" b="0" strike="noStrike" spc="-1">
+                <a:solidFill>
+                  <a:srgbClr val="8B8B8B"/>
                 </a:solidFill>
                 <a:uFill>
                   <a:solidFill>
-                    <a:srgbClr val="ffffff"/>
+                    <a:srgbClr val="FFFFFF"/>
                   </a:solidFill>
                 </a:uFill>
                 <a:latin typeface="Calibri"/>
               </a:rPr>
-              <a:t>10/09/17</a:t>
+              <a:t>10/09/2017</a:t>
             </a:fld>
-            <a:endParaRPr b="0" lang="es-ES" sz="1400" spc="-1" strike="noStrike">
-              <a:solidFill>
-                <a:srgbClr val="000000"/>
-              </a:solidFill>
-              <a:uFill>
-                <a:solidFill>
-                  <a:srgbClr val="ffffff"/>
+            <a:endParaRPr lang="es-ES" sz="1400" b="0" strike="noStrike" spc="-1">
+              <a:solidFill>
+                <a:srgbClr val="000000"/>
+              </a:solidFill>
+              <a:uFill>
+                <a:solidFill>
+                  <a:srgbClr val="FFFFFF"/>
                 </a:solidFill>
               </a:uFill>
               <a:latin typeface="Times New Roman"/>
@@ -5034,14 +5315,15 @@
         </p:spPr>
         <p:txBody>
           <a:bodyPr anchor="ctr"/>
-          <a:p>
-            <a:endParaRPr b="0" lang="es-ES" sz="2400" spc="-1" strike="noStrike">
-              <a:solidFill>
-                <a:srgbClr val="000000"/>
-              </a:solidFill>
-              <a:uFill>
-                <a:solidFill>
-                  <a:srgbClr val="ffffff"/>
+          <a:lstStyle/>
+          <a:p>
+            <a:endParaRPr lang="es-ES" sz="2400" b="0" strike="noStrike" spc="-1">
+              <a:solidFill>
+                <a:srgbClr val="000000"/>
+              </a:solidFill>
+              <a:uFill>
+                <a:solidFill>
+                  <a:srgbClr val="FFFFFF"/>
                 </a:solidFill>
               </a:uFill>
               <a:latin typeface="Times New Roman"/>
@@ -5070,6 +5352,7 @@
         </p:spPr>
         <p:txBody>
           <a:bodyPr anchor="ctr"/>
+          <a:lstStyle/>
           <a:p>
             <a:pPr algn="r">
               <a:lnSpc>
@@ -5077,26 +5360,26 @@
               </a:lnSpc>
             </a:pPr>
             <a:fld id="{E9410DB2-6CAE-4262-A844-B9D5BD044903}" type="slidenum">
-              <a:rPr b="0" lang="es-ES" sz="1200" spc="-1" strike="noStrike">
-                <a:solidFill>
-                  <a:srgbClr val="8b8b8b"/>
+              <a:rPr lang="es-ES" sz="1200" b="0" strike="noStrike" spc="-1">
+                <a:solidFill>
+                  <a:srgbClr val="8B8B8B"/>
                 </a:solidFill>
                 <a:uFill>
                   <a:solidFill>
-                    <a:srgbClr val="ffffff"/>
+                    <a:srgbClr val="FFFFFF"/>
                   </a:solidFill>
                 </a:uFill>
                 <a:latin typeface="Calibri"/>
               </a:rPr>
-              <a:t>&lt;Foliennummer&gt;</a:t>
+              <a:t>‹Nr.›</a:t>
             </a:fld>
-            <a:endParaRPr b="0" lang="es-ES" sz="1400" spc="-1" strike="noStrike">
-              <a:solidFill>
-                <a:srgbClr val="000000"/>
-              </a:solidFill>
-              <a:uFill>
-                <a:solidFill>
-                  <a:srgbClr val="ffffff"/>
+            <a:endParaRPr lang="es-ES" sz="1400" b="0" strike="noStrike" spc="-1">
+              <a:solidFill>
+                <a:srgbClr val="000000"/>
+              </a:solidFill>
+              <a:uFill>
+                <a:solidFill>
+                  <a:srgbClr val="FFFFFF"/>
                 </a:solidFill>
               </a:uFill>
               <a:latin typeface="Times New Roman"/>
@@ -5124,7 +5407,8 @@
           </a:prstGeom>
         </p:spPr>
         <p:txBody>
-          <a:bodyPr lIns="0" rIns="0" tIns="0" bIns="0"/>
+          <a:bodyPr lIns="0" tIns="0" rIns="0" bIns="0"/>
+          <a:lstStyle/>
           <a:p>
             <a:pPr marL="432000" indent="-324000">
               <a:spcBef>
@@ -5138,33 +5422,22 @@
               <a:buChar char=""/>
             </a:pPr>
             <a:r>
-              <a:rPr b="0" lang="de-DE" sz="3200" spc="-1" strike="noStrike">
+              <a:rPr lang="de-DE" sz="3200" b="0" strike="noStrike" spc="-1">
                 <a:solidFill>
                   <a:srgbClr val="000000"/>
                 </a:solidFill>
                 <a:uFill>
                   <a:solidFill>
-                    <a:srgbClr val="ffffff"/>
+                    <a:srgbClr val="FFFFFF"/>
                   </a:solidFill>
                 </a:uFill>
                 <a:latin typeface="Calibri"/>
               </a:rPr>
               <a:t>Format des Gliederungstextes durch Klicken bearbeiten</a:t>
             </a:r>
-            <a:endParaRPr b="0" lang="de-DE" sz="3200" spc="-1" strike="noStrike">
-              <a:solidFill>
-                <a:srgbClr val="000000"/>
-              </a:solidFill>
-              <a:uFill>
-                <a:solidFill>
-                  <a:srgbClr val="ffffff"/>
-                </a:solidFill>
-              </a:uFill>
-              <a:latin typeface="Calibri"/>
-            </a:endParaRPr>
-          </a:p>
-          <a:p>
-            <a:pPr lvl="1" marL="864000" indent="-324000">
+          </a:p>
+          <a:p>
+            <a:pPr marL="864000" lvl="1" indent="-324000">
               <a:spcBef>
                 <a:spcPts val="1134"/>
               </a:spcBef>
@@ -5176,33 +5449,22 @@
               <a:buChar char=""/>
             </a:pPr>
             <a:r>
-              <a:rPr b="0" lang="de-DE" sz="2400" spc="-1" strike="noStrike">
+              <a:rPr lang="de-DE" sz="2400" b="0" strike="noStrike" spc="-1">
                 <a:solidFill>
                   <a:srgbClr val="000000"/>
                 </a:solidFill>
                 <a:uFill>
                   <a:solidFill>
-                    <a:srgbClr val="ffffff"/>
+                    <a:srgbClr val="FFFFFF"/>
                   </a:solidFill>
                 </a:uFill>
                 <a:latin typeface="Calibri"/>
               </a:rPr>
               <a:t>Zweite Gliederungsebene</a:t>
             </a:r>
-            <a:endParaRPr b="0" lang="de-DE" sz="2400" spc="-1" strike="noStrike">
-              <a:solidFill>
-                <a:srgbClr val="000000"/>
-              </a:solidFill>
-              <a:uFill>
-                <a:solidFill>
-                  <a:srgbClr val="ffffff"/>
-                </a:solidFill>
-              </a:uFill>
-              <a:latin typeface="Calibri"/>
-            </a:endParaRPr>
-          </a:p>
-          <a:p>
-            <a:pPr lvl="2" marL="1296000" indent="-288000">
+          </a:p>
+          <a:p>
+            <a:pPr marL="1296000" lvl="2" indent="-288000">
               <a:spcBef>
                 <a:spcPts val="850"/>
               </a:spcBef>
@@ -5214,33 +5476,22 @@
               <a:buChar char=""/>
             </a:pPr>
             <a:r>
-              <a:rPr b="0" lang="de-DE" sz="2000" spc="-1" strike="noStrike">
+              <a:rPr lang="de-DE" sz="2000" b="0" strike="noStrike" spc="-1">
                 <a:solidFill>
                   <a:srgbClr val="000000"/>
                 </a:solidFill>
                 <a:uFill>
                   <a:solidFill>
-                    <a:srgbClr val="ffffff"/>
+                    <a:srgbClr val="FFFFFF"/>
                   </a:solidFill>
                 </a:uFill>
                 <a:latin typeface="Calibri"/>
               </a:rPr>
               <a:t>Dritte Gliederungsebene</a:t>
             </a:r>
-            <a:endParaRPr b="0" lang="de-DE" sz="2000" spc="-1" strike="noStrike">
-              <a:solidFill>
-                <a:srgbClr val="000000"/>
-              </a:solidFill>
-              <a:uFill>
-                <a:solidFill>
-                  <a:srgbClr val="ffffff"/>
-                </a:solidFill>
-              </a:uFill>
-              <a:latin typeface="Calibri"/>
-            </a:endParaRPr>
-          </a:p>
-          <a:p>
-            <a:pPr lvl="3" marL="1728000" indent="-216000">
+          </a:p>
+          <a:p>
+            <a:pPr marL="1728000" lvl="3" indent="-216000">
               <a:spcBef>
                 <a:spcPts val="567"/>
               </a:spcBef>
@@ -5252,33 +5503,22 @@
               <a:buChar char=""/>
             </a:pPr>
             <a:r>
-              <a:rPr b="0" lang="de-DE" sz="2000" spc="-1" strike="noStrike">
+              <a:rPr lang="de-DE" sz="2000" b="0" strike="noStrike" spc="-1">
                 <a:solidFill>
                   <a:srgbClr val="000000"/>
                 </a:solidFill>
                 <a:uFill>
                   <a:solidFill>
-                    <a:srgbClr val="ffffff"/>
+                    <a:srgbClr val="FFFFFF"/>
                   </a:solidFill>
                 </a:uFill>
                 <a:latin typeface="Calibri"/>
               </a:rPr>
               <a:t>Vierte Gliederungsebene</a:t>
             </a:r>
-            <a:endParaRPr b="0" lang="de-DE" sz="2000" spc="-1" strike="noStrike">
-              <a:solidFill>
-                <a:srgbClr val="000000"/>
-              </a:solidFill>
-              <a:uFill>
-                <a:solidFill>
-                  <a:srgbClr val="ffffff"/>
-                </a:solidFill>
-              </a:uFill>
-              <a:latin typeface="Calibri"/>
-            </a:endParaRPr>
-          </a:p>
-          <a:p>
-            <a:pPr lvl="4" marL="2160000" indent="-216000">
+          </a:p>
+          <a:p>
+            <a:pPr marL="2160000" lvl="4" indent="-216000">
               <a:spcBef>
                 <a:spcPts val="283"/>
               </a:spcBef>
@@ -5290,33 +5530,22 @@
               <a:buChar char=""/>
             </a:pPr>
             <a:r>
-              <a:rPr b="0" lang="de-DE" sz="2000" spc="-1" strike="noStrike">
+              <a:rPr lang="de-DE" sz="2000" b="0" strike="noStrike" spc="-1">
                 <a:solidFill>
                   <a:srgbClr val="000000"/>
                 </a:solidFill>
                 <a:uFill>
                   <a:solidFill>
-                    <a:srgbClr val="ffffff"/>
+                    <a:srgbClr val="FFFFFF"/>
                   </a:solidFill>
                 </a:uFill>
                 <a:latin typeface="Calibri"/>
               </a:rPr>
               <a:t>Fünfte Gliederungsebene</a:t>
             </a:r>
-            <a:endParaRPr b="0" lang="de-DE" sz="2000" spc="-1" strike="noStrike">
-              <a:solidFill>
-                <a:srgbClr val="000000"/>
-              </a:solidFill>
-              <a:uFill>
-                <a:solidFill>
-                  <a:srgbClr val="ffffff"/>
-                </a:solidFill>
-              </a:uFill>
-              <a:latin typeface="Calibri"/>
-            </a:endParaRPr>
-          </a:p>
-          <a:p>
-            <a:pPr lvl="5" marL="2592000" indent="-216000">
+          </a:p>
+          <a:p>
+            <a:pPr marL="2592000" lvl="5" indent="-216000">
               <a:spcBef>
                 <a:spcPts val="283"/>
               </a:spcBef>
@@ -5328,33 +5557,22 @@
               <a:buChar char=""/>
             </a:pPr>
             <a:r>
-              <a:rPr b="0" lang="de-DE" sz="2000" spc="-1" strike="noStrike">
+              <a:rPr lang="de-DE" sz="2000" b="0" strike="noStrike" spc="-1">
                 <a:solidFill>
                   <a:srgbClr val="000000"/>
                 </a:solidFill>
                 <a:uFill>
                   <a:solidFill>
-                    <a:srgbClr val="ffffff"/>
+                    <a:srgbClr val="FFFFFF"/>
                   </a:solidFill>
                 </a:uFill>
                 <a:latin typeface="Calibri"/>
               </a:rPr>
               <a:t>Sechste Gliederungsebene</a:t>
             </a:r>
-            <a:endParaRPr b="0" lang="de-DE" sz="2000" spc="-1" strike="noStrike">
-              <a:solidFill>
-                <a:srgbClr val="000000"/>
-              </a:solidFill>
-              <a:uFill>
-                <a:solidFill>
-                  <a:srgbClr val="ffffff"/>
-                </a:solidFill>
-              </a:uFill>
-              <a:latin typeface="Calibri"/>
-            </a:endParaRPr>
-          </a:p>
-          <a:p>
-            <a:pPr lvl="6" marL="3024000" indent="-216000">
+          </a:p>
+          <a:p>
+            <a:pPr marL="3024000" lvl="6" indent="-216000">
               <a:spcBef>
                 <a:spcPts val="283"/>
               </a:spcBef>
@@ -5366,61 +5584,56 @@
               <a:buChar char=""/>
             </a:pPr>
             <a:r>
-              <a:rPr b="0" lang="de-DE" sz="2000" spc="-1" strike="noStrike">
+              <a:rPr lang="de-DE" sz="2000" b="0" strike="noStrike" spc="-1">
                 <a:solidFill>
                   <a:srgbClr val="000000"/>
                 </a:solidFill>
                 <a:uFill>
                   <a:solidFill>
-                    <a:srgbClr val="ffffff"/>
+                    <a:srgbClr val="FFFFFF"/>
                   </a:solidFill>
                 </a:uFill>
                 <a:latin typeface="Calibri"/>
               </a:rPr>
               <a:t>Siebte Gliederungsebene</a:t>
             </a:r>
-            <a:endParaRPr b="0" lang="de-DE" sz="2000" spc="-1" strike="noStrike">
-              <a:solidFill>
-                <a:srgbClr val="000000"/>
-              </a:solidFill>
-              <a:uFill>
-                <a:solidFill>
-                  <a:srgbClr val="ffffff"/>
-                </a:solidFill>
-              </a:uFill>
-              <a:latin typeface="Calibri"/>
-            </a:endParaRPr>
           </a:p>
         </p:txBody>
       </p:sp>
     </p:spTree>
   </p:cSld>
-  <p:clrMap bg1="lt1" bg2="lt2" tx1="dk1" tx2="dk2" accent1="accent1" accent2="accent2" accent3="accent3" accent4="accent4" accent5="accent5" accent6="accent6" hlink="hlink" folHlink="folHlink"/>
+  <p:clrMap bg1="lt1" tx1="dk1" bg2="lt2" tx2="dk2" accent1="accent1" accent2="accent2" accent3="accent3" accent4="accent4" accent5="accent5" accent6="accent6" hlink="hlink" folHlink="folHlink"/>
   <p:sldLayoutIdLst>
-    <p:sldLayoutId id="2147483662" r:id="rId2"/>
-    <p:sldLayoutId id="2147483663" r:id="rId3"/>
-    <p:sldLayoutId id="2147483664" r:id="rId4"/>
-    <p:sldLayoutId id="2147483665" r:id="rId5"/>
-    <p:sldLayoutId id="2147483666" r:id="rId6"/>
-    <p:sldLayoutId id="2147483667" r:id="rId7"/>
-    <p:sldLayoutId id="2147483668" r:id="rId8"/>
-    <p:sldLayoutId id="2147483669" r:id="rId9"/>
-    <p:sldLayoutId id="2147483670" r:id="rId10"/>
-    <p:sldLayoutId id="2147483671" r:id="rId11"/>
-    <p:sldLayoutId id="2147483672" r:id="rId12"/>
-    <p:sldLayoutId id="2147483673" r:id="rId13"/>
+    <p:sldLayoutId id="2147483662" r:id="rId1"/>
+    <p:sldLayoutId id="2147483663" r:id="rId2"/>
+    <p:sldLayoutId id="2147483664" r:id="rId3"/>
+    <p:sldLayoutId id="2147483665" r:id="rId4"/>
+    <p:sldLayoutId id="2147483666" r:id="rId5"/>
+    <p:sldLayoutId id="2147483667" r:id="rId6"/>
+    <p:sldLayoutId id="2147483668" r:id="rId7"/>
+    <p:sldLayoutId id="2147483669" r:id="rId8"/>
+    <p:sldLayoutId id="2147483670" r:id="rId9"/>
+    <p:sldLayoutId id="2147483671" r:id="rId10"/>
+    <p:sldLayoutId id="2147483672" r:id="rId11"/>
+    <p:sldLayoutId id="2147483673" r:id="rId12"/>
   </p:sldLayoutIdLst>
+  <p:txStyles>
+    <p:titleStyle/>
+    <p:bodyStyle/>
+    <p:otherStyle/>
+  </p:txStyles>
 </p:sldMaster>
 </file>
 
 <file path=ppt/slideMasters/slideMaster3.xml><?xml version="1.0" encoding="utf-8"?>
-<p:sldMaster xmlns:a="http://schemas.openxmlformats.org/drawingml/2006/main" xmlns:p="http://schemas.openxmlformats.org/presentationml/2006/main" xmlns:r="http://schemas.openxmlformats.org/officeDocument/2006/relationships" xmlns:p14="http://schemas.microsoft.com/office/powerpoint/2010/main" xmlns:p15="http://schemas.microsoft.com/office/powerpoint/2012/main" xmlns:mc="http://schemas.openxmlformats.org/markup-compatibility/2006">
+<p:sldMaster xmlns:a="http://schemas.openxmlformats.org/drawingml/2006/main" xmlns:r="http://schemas.openxmlformats.org/officeDocument/2006/relationships" xmlns:p="http://schemas.openxmlformats.org/presentationml/2006/main">
   <p:cSld>
     <p:bg>
       <p:bgPr>
         <a:solidFill>
-          <a:srgbClr val="ffffff"/>
+          <a:srgbClr val="FFFFFF"/>
         </a:solidFill>
+        <a:effectLst/>
       </p:bgPr>
     </p:bg>
     <p:spTree>
@@ -5458,6 +5671,7 @@
         </p:spPr>
         <p:txBody>
           <a:bodyPr anchor="ctr"/>
+          <a:lstStyle/>
           <a:p>
             <a:pPr algn="ctr">
               <a:lnSpc>
@@ -5465,30 +5679,19 @@
               </a:lnSpc>
             </a:pPr>
             <a:r>
-              <a:rPr b="0" lang="de-DE" sz="4400" spc="-1" strike="noStrike">
+              <a:rPr lang="de-DE" sz="4400" b="0" strike="noStrike" spc="-1">
                 <a:solidFill>
                   <a:srgbClr val="000000"/>
                 </a:solidFill>
                 <a:uFill>
                   <a:solidFill>
-                    <a:srgbClr val="ffffff"/>
+                    <a:srgbClr val="FFFFFF"/>
                   </a:solidFill>
                 </a:uFill>
                 <a:latin typeface="Calibri"/>
               </a:rPr>
               <a:t>Titelmasterformat durch Klicken bearbeiten</a:t>
             </a:r>
-            <a:endParaRPr b="0" lang="de-DE" sz="4400" spc="-1" strike="noStrike">
-              <a:solidFill>
-                <a:srgbClr val="000000"/>
-              </a:solidFill>
-              <a:uFill>
-                <a:solidFill>
-                  <a:srgbClr val="ffffff"/>
-                </a:solidFill>
-              </a:uFill>
-              <a:latin typeface="Calibri"/>
-            </a:endParaRPr>
           </a:p>
         </p:txBody>
       </p:sp>
@@ -5513,6 +5716,7 @@
         </p:spPr>
         <p:txBody>
           <a:bodyPr anchor="ctr"/>
+          <a:lstStyle/>
           <a:p>
             <a:pPr>
               <a:lnSpc>
@@ -5520,26 +5724,26 @@
               </a:lnSpc>
             </a:pPr>
             <a:fld id="{C548CF19-FB1B-4022-8A51-F79BC36AFAE9}" type="datetime">
-              <a:rPr b="0" lang="es-ES" sz="1200" spc="-1" strike="noStrike">
-                <a:solidFill>
-                  <a:srgbClr val="8b8b8b"/>
+              <a:rPr lang="es-ES" sz="1200" b="0" strike="noStrike" spc="-1">
+                <a:solidFill>
+                  <a:srgbClr val="8B8B8B"/>
                 </a:solidFill>
                 <a:uFill>
                   <a:solidFill>
-                    <a:srgbClr val="ffffff"/>
+                    <a:srgbClr val="FFFFFF"/>
                   </a:solidFill>
                 </a:uFill>
                 <a:latin typeface="Calibri"/>
               </a:rPr>
-              <a:t>10/09/17</a:t>
+              <a:t>10/09/2017</a:t>
             </a:fld>
-            <a:endParaRPr b="0" lang="es-ES" sz="1400" spc="-1" strike="noStrike">
-              <a:solidFill>
-                <a:srgbClr val="000000"/>
-              </a:solidFill>
-              <a:uFill>
-                <a:solidFill>
-                  <a:srgbClr val="ffffff"/>
+            <a:endParaRPr lang="es-ES" sz="1400" b="0" strike="noStrike" spc="-1">
+              <a:solidFill>
+                <a:srgbClr val="000000"/>
+              </a:solidFill>
+              <a:uFill>
+                <a:solidFill>
+                  <a:srgbClr val="FFFFFF"/>
                 </a:solidFill>
               </a:uFill>
               <a:latin typeface="Times New Roman"/>
@@ -5568,14 +5772,15 @@
         </p:spPr>
         <p:txBody>
           <a:bodyPr anchor="ctr"/>
-          <a:p>
-            <a:endParaRPr b="0" lang="es-ES" sz="2400" spc="-1" strike="noStrike">
-              <a:solidFill>
-                <a:srgbClr val="000000"/>
-              </a:solidFill>
-              <a:uFill>
-                <a:solidFill>
-                  <a:srgbClr val="ffffff"/>
+          <a:lstStyle/>
+          <a:p>
+            <a:endParaRPr lang="es-ES" sz="2400" b="0" strike="noStrike" spc="-1">
+              <a:solidFill>
+                <a:srgbClr val="000000"/>
+              </a:solidFill>
+              <a:uFill>
+                <a:solidFill>
+                  <a:srgbClr val="FFFFFF"/>
                 </a:solidFill>
               </a:uFill>
               <a:latin typeface="Times New Roman"/>
@@ -5604,6 +5809,7 @@
         </p:spPr>
         <p:txBody>
           <a:bodyPr anchor="ctr"/>
+          <a:lstStyle/>
           <a:p>
             <a:pPr algn="r">
               <a:lnSpc>
@@ -5611,26 +5817,26 @@
               </a:lnSpc>
             </a:pPr>
             <a:fld id="{557EEAC2-0044-4F1A-AC2C-8894C95759ED}" type="slidenum">
-              <a:rPr b="0" lang="es-ES" sz="1200" spc="-1" strike="noStrike">
-                <a:solidFill>
-                  <a:srgbClr val="8b8b8b"/>
+              <a:rPr lang="es-ES" sz="1200" b="0" strike="noStrike" spc="-1">
+                <a:solidFill>
+                  <a:srgbClr val="8B8B8B"/>
                 </a:solidFill>
                 <a:uFill>
                   <a:solidFill>
-                    <a:srgbClr val="ffffff"/>
+                    <a:srgbClr val="FFFFFF"/>
                   </a:solidFill>
                 </a:uFill>
                 <a:latin typeface="Calibri"/>
               </a:rPr>
-              <a:t>&lt;Foliennummer&gt;</a:t>
+              <a:t>‹Nr.›</a:t>
             </a:fld>
-            <a:endParaRPr b="0" lang="es-ES" sz="1400" spc="-1" strike="noStrike">
-              <a:solidFill>
-                <a:srgbClr val="000000"/>
-              </a:solidFill>
-              <a:uFill>
-                <a:solidFill>
-                  <a:srgbClr val="ffffff"/>
+            <a:endParaRPr lang="es-ES" sz="1400" b="0" strike="noStrike" spc="-1">
+              <a:solidFill>
+                <a:srgbClr val="000000"/>
+              </a:solidFill>
+              <a:uFill>
+                <a:solidFill>
+                  <a:srgbClr val="FFFFFF"/>
                 </a:solidFill>
               </a:uFill>
               <a:latin typeface="Times New Roman"/>
@@ -5658,7 +5864,8 @@
           </a:prstGeom>
         </p:spPr>
         <p:txBody>
-          <a:bodyPr lIns="0" rIns="0" tIns="0" bIns="0"/>
+          <a:bodyPr lIns="0" tIns="0" rIns="0" bIns="0"/>
+          <a:lstStyle/>
           <a:p>
             <a:pPr marL="432000" indent="-324000">
               <a:spcBef>
@@ -5672,33 +5879,22 @@
               <a:buChar char=""/>
             </a:pPr>
             <a:r>
-              <a:rPr b="0" lang="de-DE" sz="3200" spc="-1" strike="noStrike">
+              <a:rPr lang="de-DE" sz="3200" b="0" strike="noStrike" spc="-1">
                 <a:solidFill>
                   <a:srgbClr val="000000"/>
                 </a:solidFill>
                 <a:uFill>
                   <a:solidFill>
-                    <a:srgbClr val="ffffff"/>
+                    <a:srgbClr val="FFFFFF"/>
                   </a:solidFill>
                 </a:uFill>
                 <a:latin typeface="Calibri"/>
               </a:rPr>
               <a:t>Format des Gliederungstextes durch Klicken bearbeiten</a:t>
             </a:r>
-            <a:endParaRPr b="0" lang="de-DE" sz="3200" spc="-1" strike="noStrike">
-              <a:solidFill>
-                <a:srgbClr val="000000"/>
-              </a:solidFill>
-              <a:uFill>
-                <a:solidFill>
-                  <a:srgbClr val="ffffff"/>
-                </a:solidFill>
-              </a:uFill>
-              <a:latin typeface="Calibri"/>
-            </a:endParaRPr>
-          </a:p>
-          <a:p>
-            <a:pPr lvl="1" marL="864000" indent="-324000">
+          </a:p>
+          <a:p>
+            <a:pPr marL="864000" lvl="1" indent="-324000">
               <a:spcBef>
                 <a:spcPts val="1134"/>
               </a:spcBef>
@@ -5710,33 +5906,22 @@
               <a:buChar char=""/>
             </a:pPr>
             <a:r>
-              <a:rPr b="0" lang="de-DE" sz="2400" spc="-1" strike="noStrike">
+              <a:rPr lang="de-DE" sz="2400" b="0" strike="noStrike" spc="-1">
                 <a:solidFill>
                   <a:srgbClr val="000000"/>
                 </a:solidFill>
                 <a:uFill>
                   <a:solidFill>
-                    <a:srgbClr val="ffffff"/>
+                    <a:srgbClr val="FFFFFF"/>
                   </a:solidFill>
                 </a:uFill>
                 <a:latin typeface="Calibri"/>
               </a:rPr>
               <a:t>Zweite Gliederungsebene</a:t>
             </a:r>
-            <a:endParaRPr b="0" lang="de-DE" sz="2400" spc="-1" strike="noStrike">
-              <a:solidFill>
-                <a:srgbClr val="000000"/>
-              </a:solidFill>
-              <a:uFill>
-                <a:solidFill>
-                  <a:srgbClr val="ffffff"/>
-                </a:solidFill>
-              </a:uFill>
-              <a:latin typeface="Calibri"/>
-            </a:endParaRPr>
-          </a:p>
-          <a:p>
-            <a:pPr lvl="2" marL="1296000" indent="-288000">
+          </a:p>
+          <a:p>
+            <a:pPr marL="1296000" lvl="2" indent="-288000">
               <a:spcBef>
                 <a:spcPts val="850"/>
               </a:spcBef>
@@ -5748,33 +5933,22 @@
               <a:buChar char=""/>
             </a:pPr>
             <a:r>
-              <a:rPr b="0" lang="de-DE" sz="2000" spc="-1" strike="noStrike">
+              <a:rPr lang="de-DE" sz="2000" b="0" strike="noStrike" spc="-1">
                 <a:solidFill>
                   <a:srgbClr val="000000"/>
                 </a:solidFill>
                 <a:uFill>
                   <a:solidFill>
-                    <a:srgbClr val="ffffff"/>
+                    <a:srgbClr val="FFFFFF"/>
                   </a:solidFill>
                 </a:uFill>
                 <a:latin typeface="Calibri"/>
               </a:rPr>
               <a:t>Dritte Gliederungsebene</a:t>
             </a:r>
-            <a:endParaRPr b="0" lang="de-DE" sz="2000" spc="-1" strike="noStrike">
-              <a:solidFill>
-                <a:srgbClr val="000000"/>
-              </a:solidFill>
-              <a:uFill>
-                <a:solidFill>
-                  <a:srgbClr val="ffffff"/>
-                </a:solidFill>
-              </a:uFill>
-              <a:latin typeface="Calibri"/>
-            </a:endParaRPr>
-          </a:p>
-          <a:p>
-            <a:pPr lvl="3" marL="1728000" indent="-216000">
+          </a:p>
+          <a:p>
+            <a:pPr marL="1728000" lvl="3" indent="-216000">
               <a:spcBef>
                 <a:spcPts val="567"/>
               </a:spcBef>
@@ -5786,33 +5960,22 @@
               <a:buChar char=""/>
             </a:pPr>
             <a:r>
-              <a:rPr b="0" lang="de-DE" sz="2000" spc="-1" strike="noStrike">
+              <a:rPr lang="de-DE" sz="2000" b="0" strike="noStrike" spc="-1">
                 <a:solidFill>
                   <a:srgbClr val="000000"/>
                 </a:solidFill>
                 <a:uFill>
                   <a:solidFill>
-                    <a:srgbClr val="ffffff"/>
+                    <a:srgbClr val="FFFFFF"/>
                   </a:solidFill>
                 </a:uFill>
                 <a:latin typeface="Calibri"/>
               </a:rPr>
               <a:t>Vierte Gliederungsebene</a:t>
             </a:r>
-            <a:endParaRPr b="0" lang="de-DE" sz="2000" spc="-1" strike="noStrike">
-              <a:solidFill>
-                <a:srgbClr val="000000"/>
-              </a:solidFill>
-              <a:uFill>
-                <a:solidFill>
-                  <a:srgbClr val="ffffff"/>
-                </a:solidFill>
-              </a:uFill>
-              <a:latin typeface="Calibri"/>
-            </a:endParaRPr>
-          </a:p>
-          <a:p>
-            <a:pPr lvl="4" marL="2160000" indent="-216000">
+          </a:p>
+          <a:p>
+            <a:pPr marL="2160000" lvl="4" indent="-216000">
               <a:spcBef>
                 <a:spcPts val="283"/>
               </a:spcBef>
@@ -5824,33 +5987,22 @@
               <a:buChar char=""/>
             </a:pPr>
             <a:r>
-              <a:rPr b="0" lang="de-DE" sz="2000" spc="-1" strike="noStrike">
+              <a:rPr lang="de-DE" sz="2000" b="0" strike="noStrike" spc="-1">
                 <a:solidFill>
                   <a:srgbClr val="000000"/>
                 </a:solidFill>
                 <a:uFill>
                   <a:solidFill>
-                    <a:srgbClr val="ffffff"/>
+                    <a:srgbClr val="FFFFFF"/>
                   </a:solidFill>
                 </a:uFill>
                 <a:latin typeface="Calibri"/>
               </a:rPr>
               <a:t>Fünfte Gliederungsebene</a:t>
             </a:r>
-            <a:endParaRPr b="0" lang="de-DE" sz="2000" spc="-1" strike="noStrike">
-              <a:solidFill>
-                <a:srgbClr val="000000"/>
-              </a:solidFill>
-              <a:uFill>
-                <a:solidFill>
-                  <a:srgbClr val="ffffff"/>
-                </a:solidFill>
-              </a:uFill>
-              <a:latin typeface="Calibri"/>
-            </a:endParaRPr>
-          </a:p>
-          <a:p>
-            <a:pPr lvl="5" marL="2592000" indent="-216000">
+          </a:p>
+          <a:p>
+            <a:pPr marL="2592000" lvl="5" indent="-216000">
               <a:spcBef>
                 <a:spcPts val="283"/>
               </a:spcBef>
@@ -5862,33 +6014,22 @@
               <a:buChar char=""/>
             </a:pPr>
             <a:r>
-              <a:rPr b="0" lang="de-DE" sz="2000" spc="-1" strike="noStrike">
+              <a:rPr lang="de-DE" sz="2000" b="0" strike="noStrike" spc="-1">
                 <a:solidFill>
                   <a:srgbClr val="000000"/>
                 </a:solidFill>
                 <a:uFill>
                   <a:solidFill>
-                    <a:srgbClr val="ffffff"/>
+                    <a:srgbClr val="FFFFFF"/>
                   </a:solidFill>
                 </a:uFill>
                 <a:latin typeface="Calibri"/>
               </a:rPr>
               <a:t>Sechste Gliederungsebene</a:t>
             </a:r>
-            <a:endParaRPr b="0" lang="de-DE" sz="2000" spc="-1" strike="noStrike">
-              <a:solidFill>
-                <a:srgbClr val="000000"/>
-              </a:solidFill>
-              <a:uFill>
-                <a:solidFill>
-                  <a:srgbClr val="ffffff"/>
-                </a:solidFill>
-              </a:uFill>
-              <a:latin typeface="Calibri"/>
-            </a:endParaRPr>
-          </a:p>
-          <a:p>
-            <a:pPr lvl="6" marL="3024000" indent="-216000">
+          </a:p>
+          <a:p>
+            <a:pPr marL="3024000" lvl="6" indent="-216000">
               <a:spcBef>
                 <a:spcPts val="283"/>
               </a:spcBef>
@@ -5900,55 +6041,49 @@
               <a:buChar char=""/>
             </a:pPr>
             <a:r>
-              <a:rPr b="0" lang="de-DE" sz="2000" spc="-1" strike="noStrike">
+              <a:rPr lang="de-DE" sz="2000" b="0" strike="noStrike" spc="-1">
                 <a:solidFill>
                   <a:srgbClr val="000000"/>
                 </a:solidFill>
                 <a:uFill>
                   <a:solidFill>
-                    <a:srgbClr val="ffffff"/>
+                    <a:srgbClr val="FFFFFF"/>
                   </a:solidFill>
                 </a:uFill>
                 <a:latin typeface="Calibri"/>
               </a:rPr>
               <a:t>Siebte Gliederungsebene</a:t>
             </a:r>
-            <a:endParaRPr b="0" lang="de-DE" sz="2000" spc="-1" strike="noStrike">
-              <a:solidFill>
-                <a:srgbClr val="000000"/>
-              </a:solidFill>
-              <a:uFill>
-                <a:solidFill>
-                  <a:srgbClr val="ffffff"/>
-                </a:solidFill>
-              </a:uFill>
-              <a:latin typeface="Calibri"/>
-            </a:endParaRPr>
           </a:p>
         </p:txBody>
       </p:sp>
     </p:spTree>
   </p:cSld>
-  <p:clrMap bg1="lt1" bg2="lt2" tx1="dk1" tx2="dk2" accent1="accent1" accent2="accent2" accent3="accent3" accent4="accent4" accent5="accent5" accent6="accent6" hlink="hlink" folHlink="folHlink"/>
+  <p:clrMap bg1="lt1" tx1="dk1" bg2="lt2" tx2="dk2" accent1="accent1" accent2="accent2" accent3="accent3" accent4="accent4" accent5="accent5" accent6="accent6" hlink="hlink" folHlink="folHlink"/>
   <p:sldLayoutIdLst>
-    <p:sldLayoutId id="2147483675" r:id="rId2"/>
-    <p:sldLayoutId id="2147483676" r:id="rId3"/>
-    <p:sldLayoutId id="2147483677" r:id="rId4"/>
-    <p:sldLayoutId id="2147483678" r:id="rId5"/>
-    <p:sldLayoutId id="2147483679" r:id="rId6"/>
-    <p:sldLayoutId id="2147483680" r:id="rId7"/>
-    <p:sldLayoutId id="2147483681" r:id="rId8"/>
-    <p:sldLayoutId id="2147483682" r:id="rId9"/>
-    <p:sldLayoutId id="2147483683" r:id="rId10"/>
-    <p:sldLayoutId id="2147483684" r:id="rId11"/>
-    <p:sldLayoutId id="2147483685" r:id="rId12"/>
-    <p:sldLayoutId id="2147483686" r:id="rId13"/>
+    <p:sldLayoutId id="2147483675" r:id="rId1"/>
+    <p:sldLayoutId id="2147483676" r:id="rId2"/>
+    <p:sldLayoutId id="2147483677" r:id="rId3"/>
+    <p:sldLayoutId id="2147483678" r:id="rId4"/>
+    <p:sldLayoutId id="2147483679" r:id="rId5"/>
+    <p:sldLayoutId id="2147483680" r:id="rId6"/>
+    <p:sldLayoutId id="2147483681" r:id="rId7"/>
+    <p:sldLayoutId id="2147483682" r:id="rId8"/>
+    <p:sldLayoutId id="2147483683" r:id="rId9"/>
+    <p:sldLayoutId id="2147483684" r:id="rId10"/>
+    <p:sldLayoutId id="2147483685" r:id="rId11"/>
+    <p:sldLayoutId id="2147483686" r:id="rId12"/>
   </p:sldLayoutIdLst>
+  <p:txStyles>
+    <p:titleStyle/>
+    <p:bodyStyle/>
+    <p:otherStyle/>
+  </p:txStyles>
 </p:sldMaster>
 </file>
 
 <file path=ppt/slides/slide1.xml><?xml version="1.0" encoding="utf-8"?>
-<p:sld xmlns:a="http://schemas.openxmlformats.org/drawingml/2006/main" xmlns:p="http://schemas.openxmlformats.org/presentationml/2006/main" xmlns:r="http://schemas.openxmlformats.org/officeDocument/2006/relationships" xmlns:p14="http://schemas.microsoft.com/office/powerpoint/2010/main" xmlns:p15="http://schemas.microsoft.com/office/powerpoint/2012/main" xmlns:mc="http://schemas.openxmlformats.org/markup-compatibility/2006">
+<p:sld xmlns:a="http://schemas.openxmlformats.org/drawingml/2006/main" xmlns:r="http://schemas.openxmlformats.org/officeDocument/2006/relationships" xmlns:p="http://schemas.openxmlformats.org/presentationml/2006/main">
   <p:cSld>
     <p:spTree>
       <p:nvGrpSpPr>
@@ -5985,14 +6120,15 @@
         </p:spPr>
         <p:txBody>
           <a:bodyPr anchor="ctr"/>
-          <a:p>
-            <a:endParaRPr b="0" lang="de-DE" sz="1800" spc="-1" strike="noStrike">
-              <a:solidFill>
-                <a:srgbClr val="000000"/>
-              </a:solidFill>
-              <a:uFill>
-                <a:solidFill>
-                  <a:srgbClr val="ffffff"/>
+          <a:lstStyle/>
+          <a:p>
+            <a:endParaRPr lang="de-DE" sz="1800" b="0" strike="noStrike" spc="-1">
+              <a:solidFill>
+                <a:srgbClr val="000000"/>
+              </a:solidFill>
+              <a:uFill>
+                <a:solidFill>
+                  <a:srgbClr val="FFFFFF"/>
                 </a:solidFill>
               </a:uFill>
               <a:latin typeface="Calibri"/>
@@ -6021,14 +6157,15 @@
         </p:spPr>
         <p:txBody>
           <a:bodyPr/>
-          <a:p>
-            <a:endParaRPr b="0" lang="de-DE" sz="3200" spc="-1" strike="noStrike">
-              <a:solidFill>
-                <a:srgbClr val="000000"/>
-              </a:solidFill>
-              <a:uFill>
-                <a:solidFill>
-                  <a:srgbClr val="ffffff"/>
+          <a:lstStyle/>
+          <a:p>
+            <a:endParaRPr lang="de-DE" sz="3200" b="0" strike="noStrike" spc="-1">
+              <a:solidFill>
+                <a:srgbClr val="000000"/>
+              </a:solidFill>
+              <a:uFill>
+                <a:solidFill>
+                  <a:srgbClr val="FFFFFF"/>
                 </a:solidFill>
               </a:uFill>
               <a:latin typeface="Calibri"/>
@@ -6038,6 +6175,9 @@
       </p:sp>
     </p:spTree>
   </p:cSld>
+  <p:clrMapOvr>
+    <a:masterClrMapping/>
+  </p:clrMapOvr>
   <p:timing>
     <p:tnLst>
       <p:par>
@@ -6046,14 +6186,14 @@
             <p:seq>
               <p:cTn id="2" nodeType="mainSeq"/>
               <p:prevCondLst>
-                <p:cond delay="0" evt="onPrev">
+                <p:cond evt="onPrev" delay="0">
                   <p:tgtEl>
                     <p:sldTgt/>
                   </p:tgtEl>
                 </p:cond>
               </p:prevCondLst>
               <p:nextCondLst>
-                <p:cond delay="0" evt="onNext">
+                <p:cond evt="onNext" delay="0">
                   <p:tgtEl>
                     <p:sldTgt/>
                   </p:tgtEl>
@@ -6069,7 +6209,7 @@
 </file>
 
 <file path=ppt/slides/slide2.xml><?xml version="1.0" encoding="utf-8"?>
-<p:sld xmlns:a="http://schemas.openxmlformats.org/drawingml/2006/main" xmlns:p="http://schemas.openxmlformats.org/presentationml/2006/main" xmlns:r="http://schemas.openxmlformats.org/officeDocument/2006/relationships" xmlns:p14="http://schemas.microsoft.com/office/powerpoint/2010/main" xmlns:p15="http://schemas.microsoft.com/office/powerpoint/2012/main" xmlns:mc="http://schemas.openxmlformats.org/markup-compatibility/2006">
+<p:sld xmlns:a="http://schemas.openxmlformats.org/drawingml/2006/main" xmlns:r="http://schemas.openxmlformats.org/officeDocument/2006/relationships" xmlns:p="http://schemas.openxmlformats.org/presentationml/2006/main">
   <p:cSld>
     <p:spTree>
       <p:nvGrpSpPr>
@@ -6087,18 +6227,30 @@
       </p:grpSpPr>
       <p:pic>
         <p:nvPicPr>
-          <p:cNvPr id="119" name="" descr=""/>
+          <p:cNvPr id="119" name="Grafik 118"/>
           <p:cNvPicPr/>
           <p:nvPr/>
         </p:nvPicPr>
         <p:blipFill>
-          <a:blip r:embed="rId1"/>
+          <a:blip r:embed="rId2">
+            <a:extLst>
+              <a:ext uri="{BEBA8EAE-BF5A-486C-A8C5-ECC9F3942E4B}">
+                <a14:imgProps xmlns:a14="http://schemas.microsoft.com/office/drawing/2010/main">
+                  <a14:imgLayer r:embed="rId3">
+                    <a14:imgEffect>
+                      <a14:sharpenSoften amount="-100000"/>
+                    </a14:imgEffect>
+                  </a14:imgLayer>
+                </a14:imgProps>
+              </a:ext>
+            </a:extLst>
+          </a:blip>
           <a:stretch/>
         </p:blipFill>
         <p:spPr>
           <a:xfrm>
-            <a:off x="648000" y="18720"/>
-            <a:ext cx="7632000" cy="5087880"/>
+            <a:off x="0" y="0"/>
+            <a:ext cx="9144000" cy="5236046"/>
           </a:xfrm>
           <a:prstGeom prst="rect">
             <a:avLst/>
@@ -6129,6 +6281,7 @@
         </p:spPr>
         <p:txBody>
           <a:bodyPr anchor="ctr"/>
+          <a:lstStyle/>
           <a:p>
             <a:pPr algn="ctr">
               <a:lnSpc>
@@ -6136,26 +6289,26 @@
               </a:lnSpc>
             </a:pPr>
             <a:r>
-              <a:rPr b="0" lang="de-DE" sz="4400" spc="-1" strike="noStrike">
+              <a:rPr lang="de-DE" sz="4400" b="0" strike="noStrike" spc="-1">
                 <a:solidFill>
                   <a:srgbClr val="000000"/>
                 </a:solidFill>
                 <a:uFill>
                   <a:solidFill>
-                    <a:srgbClr val="ffffff"/>
+                    <a:srgbClr val="FFFFFF"/>
                   </a:solidFill>
                 </a:uFill>
                 <a:latin typeface="Calibri"/>
               </a:rPr>
               <a:t>Hatschi</a:t>
             </a:r>
-            <a:endParaRPr b="0" lang="de-DE" sz="1800" spc="-1" strike="noStrike">
-              <a:solidFill>
-                <a:srgbClr val="000000"/>
-              </a:solidFill>
-              <a:uFill>
-                <a:solidFill>
-                  <a:srgbClr val="ffffff"/>
+            <a:endParaRPr lang="de-DE" sz="1800" b="0" strike="noStrike" spc="-1">
+              <a:solidFill>
+                <a:srgbClr val="000000"/>
+              </a:solidFill>
+              <a:uFill>
+                <a:solidFill>
+                  <a:srgbClr val="FFFFFF"/>
                 </a:solidFill>
               </a:uFill>
               <a:latin typeface="Calibri"/>
@@ -6184,6 +6337,7 @@
         </p:spPr>
         <p:txBody>
           <a:bodyPr/>
+          <a:lstStyle/>
           <a:p>
             <a:pPr algn="ctr">
               <a:lnSpc>
@@ -6194,26 +6348,26 @@
               </a:spcBef>
             </a:pPr>
             <a:r>
-              <a:rPr b="0" lang="es-ES" sz="3200" spc="-1" strike="noStrike">
+              <a:rPr lang="es-ES" sz="3200" b="0" strike="noStrike" spc="-1">
                 <a:solidFill>
                   <a:srgbClr val="000000"/>
                 </a:solidFill>
                 <a:uFill>
                   <a:solidFill>
-                    <a:srgbClr val="ffffff"/>
+                    <a:srgbClr val="FFFFFF"/>
                   </a:solidFill>
                 </a:uFill>
                 <a:latin typeface="Calibri"/>
               </a:rPr>
               <a:t>Die Wetterstation, die zu deiner Gesundheit beiträgt</a:t>
             </a:r>
-            <a:endParaRPr b="0" lang="es-ES" sz="3200" spc="-1" strike="noStrike">
-              <a:solidFill>
-                <a:srgbClr val="000000"/>
-              </a:solidFill>
-              <a:uFill>
-                <a:solidFill>
-                  <a:srgbClr val="ffffff"/>
+            <a:endParaRPr lang="es-ES" sz="3200" b="0" strike="noStrike" spc="-1">
+              <a:solidFill>
+                <a:srgbClr val="000000"/>
+              </a:solidFill>
+              <a:uFill>
+                <a:solidFill>
+                  <a:srgbClr val="FFFFFF"/>
                 </a:solidFill>
               </a:uFill>
               <a:latin typeface="Arial"/>
@@ -6223,25 +6377,28 @@
       </p:sp>
     </p:spTree>
   </p:cSld>
+  <p:clrMapOvr>
+    <a:masterClrMapping/>
+  </p:clrMapOvr>
   <p:transition spd="med">
     <p:fade/>
   </p:transition>
   <p:timing>
     <p:tnLst>
       <p:par>
-        <p:cTn id="3" dur="indefinite" restart="never" nodeType="tmRoot">
+        <p:cTn id="1" dur="indefinite" restart="never" nodeType="tmRoot">
           <p:childTnLst>
             <p:seq>
-              <p:cTn id="4" nodeType="mainSeq"/>
+              <p:cTn id="2" nodeType="mainSeq"/>
               <p:prevCondLst>
-                <p:cond delay="0" evt="onPrev">
+                <p:cond evt="onPrev" delay="0">
                   <p:tgtEl>
                     <p:sldTgt/>
                   </p:tgtEl>
                 </p:cond>
               </p:prevCondLst>
               <p:nextCondLst>
-                <p:cond delay="0" evt="onNext">
+                <p:cond evt="onNext" delay="0">
                   <p:tgtEl>
                     <p:sldTgt/>
                   </p:tgtEl>
@@ -6257,7 +6414,7 @@
 </file>
 
 <file path=ppt/slides/slide3.xml><?xml version="1.0" encoding="utf-8"?>
-<p:sld xmlns:a="http://schemas.openxmlformats.org/drawingml/2006/main" xmlns:p="http://schemas.openxmlformats.org/presentationml/2006/main" xmlns:r="http://schemas.openxmlformats.org/officeDocument/2006/relationships" xmlns:p14="http://schemas.microsoft.com/office/powerpoint/2010/main" xmlns:p15="http://schemas.microsoft.com/office/powerpoint/2012/main" xmlns:mc="http://schemas.openxmlformats.org/markup-compatibility/2006">
+<p:sld xmlns:a="http://schemas.openxmlformats.org/drawingml/2006/main" xmlns:r="http://schemas.openxmlformats.org/officeDocument/2006/relationships" xmlns:p="http://schemas.openxmlformats.org/presentationml/2006/main">
   <p:cSld>
     <p:spTree>
       <p:nvGrpSpPr>
@@ -6275,12 +6432,12 @@
       </p:grpSpPr>
       <p:pic>
         <p:nvPicPr>
-          <p:cNvPr id="122" name="Picture 2" descr=""/>
+          <p:cNvPr id="122" name="Picture 2"/>
           <p:cNvPicPr/>
           <p:nvPr/>
         </p:nvPicPr>
         <p:blipFill>
-          <a:blip r:embed="rId1"/>
+          <a:blip r:embed="rId2"/>
           <a:stretch/>
         </p:blipFill>
         <p:spPr>
@@ -6317,6 +6474,7 @@
         </p:spPr>
         <p:txBody>
           <a:bodyPr anchor="ctr"/>
+          <a:lstStyle/>
           <a:p>
             <a:pPr algn="ctr">
               <a:lnSpc>
@@ -6324,70 +6482,27 @@
               </a:lnSpc>
             </a:pPr>
             <a:r>
-              <a:rPr b="0" lang="de-DE" sz="4400" spc="-1" strike="noStrike">
+              <a:rPr lang="de-DE" sz="4400" b="0" strike="noStrike" spc="-1">
                 <a:solidFill>
                   <a:srgbClr val="000000"/>
                 </a:solidFill>
                 <a:uFill>
                   <a:solidFill>
-                    <a:srgbClr val="ffffff"/>
+                    <a:srgbClr val="FFFFFF"/>
                   </a:solidFill>
                 </a:uFill>
                 <a:latin typeface="Calibri"/>
               </a:rPr>
-              <a:t>Motto:</a:t>
+              <a:t>Motto:
+Mit Code die Gesundheit schützen</a:t>
             </a:r>
-            <a:r>
-              <a:rPr b="0" lang="de-DE" sz="4400" spc="-1" strike="noStrike">
-                <a:solidFill>
-                  <a:srgbClr val="000000"/>
-                </a:solidFill>
-                <a:uFill>
-                  <a:solidFill>
-                    <a:srgbClr val="ffffff"/>
-                  </a:solidFill>
-                </a:uFill>
-                <a:latin typeface="Calibri"/>
-              </a:rPr>
-              <a:t>
-</a:t>
-            </a:r>
-            <a:r>
-              <a:rPr b="0" lang="de-DE" sz="4400" spc="-1" strike="noStrike">
-                <a:solidFill>
-                  <a:srgbClr val="000000"/>
-                </a:solidFill>
-                <a:uFill>
-                  <a:solidFill>
-                    <a:srgbClr val="ffffff"/>
-                  </a:solidFill>
-                </a:uFill>
-                <a:latin typeface="Calibri"/>
-              </a:rPr>
-              <a:t>
-</a:t>
-            </a:r>
-            <a:r>
-              <a:rPr b="0" lang="de-DE" sz="4400" spc="-1" strike="noStrike">
-                <a:solidFill>
-                  <a:srgbClr val="000000"/>
-                </a:solidFill>
-                <a:uFill>
-                  <a:solidFill>
-                    <a:srgbClr val="ffffff"/>
-                  </a:solidFill>
-                </a:uFill>
-                <a:latin typeface="Calibri"/>
-              </a:rPr>
-              <a:t>Mit Code die Gesundheit schützen</a:t>
-            </a:r>
-            <a:endParaRPr b="0" lang="de-DE" sz="1800" spc="-1" strike="noStrike">
-              <a:solidFill>
-                <a:srgbClr val="000000"/>
-              </a:solidFill>
-              <a:uFill>
-                <a:solidFill>
-                  <a:srgbClr val="ffffff"/>
+            <a:endParaRPr lang="de-DE" sz="1800" b="0" strike="noStrike" spc="-1">
+              <a:solidFill>
+                <a:srgbClr val="000000"/>
+              </a:solidFill>
+              <a:uFill>
+                <a:solidFill>
+                  <a:srgbClr val="FFFFFF"/>
                 </a:solidFill>
               </a:uFill>
               <a:latin typeface="Calibri"/>
@@ -6397,25 +6512,28 @@
       </p:sp>
     </p:spTree>
   </p:cSld>
+  <p:clrMapOvr>
+    <a:masterClrMapping/>
+  </p:clrMapOvr>
   <p:transition spd="slow">
-    <p:wipe dir="l"/>
+    <p:wipe/>
   </p:transition>
   <p:timing>
     <p:tnLst>
       <p:par>
-        <p:cTn id="5" dur="indefinite" restart="never" nodeType="tmRoot">
+        <p:cTn id="1" dur="indefinite" restart="never" nodeType="tmRoot">
           <p:childTnLst>
             <p:seq>
-              <p:cTn id="6" nodeType="mainSeq"/>
+              <p:cTn id="2" nodeType="mainSeq"/>
               <p:prevCondLst>
-                <p:cond delay="0" evt="onPrev">
+                <p:cond evt="onPrev" delay="0">
                   <p:tgtEl>
                     <p:sldTgt/>
                   </p:tgtEl>
                 </p:cond>
               </p:prevCondLst>
               <p:nextCondLst>
-                <p:cond delay="0" evt="onNext">
+                <p:cond evt="onNext" delay="0">
                   <p:tgtEl>
                     <p:sldTgt/>
                   </p:tgtEl>
@@ -6431,7 +6549,7 @@
 </file>
 
 <file path=ppt/slides/slide4.xml><?xml version="1.0" encoding="utf-8"?>
-<p:sld xmlns:a="http://schemas.openxmlformats.org/drawingml/2006/main" xmlns:p="http://schemas.openxmlformats.org/presentationml/2006/main" xmlns:r="http://schemas.openxmlformats.org/officeDocument/2006/relationships" xmlns:p14="http://schemas.microsoft.com/office/powerpoint/2010/main" xmlns:p15="http://schemas.microsoft.com/office/powerpoint/2012/main" xmlns:mc="http://schemas.openxmlformats.org/markup-compatibility/2006">
+<p:sld xmlns:a="http://schemas.openxmlformats.org/drawingml/2006/main" xmlns:r="http://schemas.openxmlformats.org/officeDocument/2006/relationships" xmlns:p="http://schemas.openxmlformats.org/presentationml/2006/main">
   <p:cSld>
     <p:spTree>
       <p:nvGrpSpPr>
@@ -6449,12 +6567,12 @@
       </p:grpSpPr>
       <p:pic>
         <p:nvPicPr>
-          <p:cNvPr id="124" name="Picture 2" descr=""/>
+          <p:cNvPr id="124" name="Picture 2"/>
           <p:cNvPicPr/>
           <p:nvPr/>
         </p:nvPicPr>
         <p:blipFill>
-          <a:blip r:embed="rId1"/>
+          <a:blip r:embed="rId2"/>
           <a:stretch/>
         </p:blipFill>
         <p:spPr>
@@ -6491,6 +6609,7 @@
         </p:spPr>
         <p:txBody>
           <a:bodyPr anchor="ctr"/>
+          <a:lstStyle/>
           <a:p>
             <a:pPr algn="ctr">
               <a:lnSpc>
@@ -6498,26 +6617,26 @@
               </a:lnSpc>
             </a:pPr>
             <a:r>
-              <a:rPr b="0" lang="de-DE" sz="4400" spc="-1" strike="noStrike">
-                <a:solidFill>
-                  <a:srgbClr val="ffffff"/>
+              <a:rPr lang="de-DE" sz="4400" b="0" strike="noStrike" spc="-1">
+                <a:solidFill>
+                  <a:srgbClr val="FFFFFF"/>
                 </a:solidFill>
                 <a:uFill>
                   <a:solidFill>
-                    <a:srgbClr val="ffffff"/>
+                    <a:srgbClr val="FFFFFF"/>
                   </a:solidFill>
                 </a:uFill>
                 <a:latin typeface="Calibri"/>
               </a:rPr>
               <a:t>Wie sind wir auf das Projekt gekommen?</a:t>
             </a:r>
-            <a:endParaRPr b="0" lang="de-DE" sz="1800" spc="-1" strike="noStrike">
-              <a:solidFill>
-                <a:srgbClr val="000000"/>
-              </a:solidFill>
-              <a:uFill>
-                <a:solidFill>
-                  <a:srgbClr val="ffffff"/>
+            <a:endParaRPr lang="de-DE" sz="1800" b="0" strike="noStrike" spc="-1">
+              <a:solidFill>
+                <a:srgbClr val="000000"/>
+              </a:solidFill>
+              <a:uFill>
+                <a:solidFill>
+                  <a:srgbClr val="FFFFFF"/>
                 </a:solidFill>
               </a:uFill>
               <a:latin typeface="Calibri"/>
@@ -6546,6 +6665,7 @@
         </p:spPr>
         <p:txBody>
           <a:bodyPr/>
+          <a:lstStyle/>
           <a:p>
             <a:pPr>
               <a:lnSpc>
@@ -6556,26 +6676,26 @@
               </a:spcBef>
             </a:pPr>
             <a:r>
-              <a:rPr b="0" lang="de-DE" sz="3200" spc="-1" strike="noStrike">
-                <a:solidFill>
-                  <a:srgbClr val="ffffff"/>
+              <a:rPr lang="de-DE" sz="3200" b="0" strike="noStrike" spc="-1">
+                <a:solidFill>
+                  <a:srgbClr val="FFFFFF"/>
                 </a:solidFill>
                 <a:uFill>
                   <a:solidFill>
-                    <a:srgbClr val="ffffff"/>
+                    <a:srgbClr val="FFFFFF"/>
                   </a:solidFill>
                 </a:uFill>
                 <a:latin typeface="Calibri"/>
               </a:rPr>
               <a:t>Wir wollten eine Projektidee zum Thema Gesundheit finden und sind dann auf die Idee gekommen die Menschen über die aktuellen Daten der Umgebung zu informieren.</a:t>
             </a:r>
-            <a:endParaRPr b="0" lang="de-DE" sz="3200" spc="-1" strike="noStrike">
-              <a:solidFill>
-                <a:srgbClr val="000000"/>
-              </a:solidFill>
-              <a:uFill>
-                <a:solidFill>
-                  <a:srgbClr val="ffffff"/>
+            <a:endParaRPr lang="de-DE" sz="3200" b="0" strike="noStrike" spc="-1">
+              <a:solidFill>
+                <a:srgbClr val="000000"/>
+              </a:solidFill>
+              <a:uFill>
+                <a:solidFill>
+                  <a:srgbClr val="FFFFFF"/>
                 </a:solidFill>
               </a:uFill>
               <a:latin typeface="Calibri"/>
@@ -6585,25 +6705,28 @@
       </p:sp>
     </p:spTree>
   </p:cSld>
+  <p:clrMapOvr>
+    <a:masterClrMapping/>
+  </p:clrMapOvr>
   <p:transition spd="med">
     <p:fade/>
   </p:transition>
   <p:timing>
     <p:tnLst>
       <p:par>
-        <p:cTn id="7" dur="indefinite" restart="never" nodeType="tmRoot">
+        <p:cTn id="1" dur="indefinite" restart="never" nodeType="tmRoot">
           <p:childTnLst>
             <p:seq>
-              <p:cTn id="8" nodeType="mainSeq"/>
+              <p:cTn id="2" nodeType="mainSeq"/>
               <p:prevCondLst>
-                <p:cond delay="0" evt="onPrev">
+                <p:cond evt="onPrev" delay="0">
                   <p:tgtEl>
                     <p:sldTgt/>
                   </p:tgtEl>
                 </p:cond>
               </p:prevCondLst>
               <p:nextCondLst>
-                <p:cond delay="0" evt="onNext">
+                <p:cond evt="onNext" delay="0">
                   <p:tgtEl>
                     <p:sldTgt/>
                   </p:tgtEl>
@@ -6619,7 +6742,7 @@
 </file>
 
 <file path=ppt/slides/slide5.xml><?xml version="1.0" encoding="utf-8"?>
-<p:sld xmlns:a="http://schemas.openxmlformats.org/drawingml/2006/main" xmlns:p="http://schemas.openxmlformats.org/presentationml/2006/main" xmlns:r="http://schemas.openxmlformats.org/officeDocument/2006/relationships" xmlns:p14="http://schemas.microsoft.com/office/powerpoint/2010/main" xmlns:p15="http://schemas.microsoft.com/office/powerpoint/2012/main" xmlns:mc="http://schemas.openxmlformats.org/markup-compatibility/2006">
+<p:sld xmlns:a="http://schemas.openxmlformats.org/drawingml/2006/main" xmlns:r="http://schemas.openxmlformats.org/officeDocument/2006/relationships" xmlns:p="http://schemas.openxmlformats.org/presentationml/2006/main">
   <p:cSld>
     <p:spTree>
       <p:nvGrpSpPr>
@@ -6637,12 +6760,12 @@
       </p:grpSpPr>
       <p:pic>
         <p:nvPicPr>
-          <p:cNvPr id="127" name="Picture 2" descr=""/>
+          <p:cNvPr id="127" name="Picture 2"/>
           <p:cNvPicPr/>
           <p:nvPr/>
         </p:nvPicPr>
         <p:blipFill>
-          <a:blip r:embed="rId1"/>
+          <a:blip r:embed="rId2"/>
           <a:stretch/>
         </p:blipFill>
         <p:spPr>
@@ -6679,6 +6802,7 @@
         </p:spPr>
         <p:txBody>
           <a:bodyPr anchor="ctr"/>
+          <a:lstStyle/>
           <a:p>
             <a:pPr algn="ctr">
               <a:lnSpc>
@@ -6686,26 +6810,26 @@
               </a:lnSpc>
             </a:pPr>
             <a:r>
-              <a:rPr b="0" lang="de-DE" sz="4400" spc="-1" strike="noStrike">
+              <a:rPr lang="de-DE" sz="4400" b="0" strike="noStrike" spc="-1" dirty="0">
                 <a:solidFill>
                   <a:srgbClr val="000000"/>
                 </a:solidFill>
                 <a:uFill>
                   <a:solidFill>
-                    <a:srgbClr val="ffffff"/>
+                    <a:srgbClr val="FFFFFF"/>
                   </a:solidFill>
                 </a:uFill>
                 <a:latin typeface="Calibri"/>
               </a:rPr>
               <a:t>Wieso das Ganze?</a:t>
             </a:r>
-            <a:endParaRPr b="0" lang="de-DE" sz="1800" spc="-1" strike="noStrike">
-              <a:solidFill>
-                <a:srgbClr val="000000"/>
-              </a:solidFill>
-              <a:uFill>
-                <a:solidFill>
-                  <a:srgbClr val="ffffff"/>
+            <a:endParaRPr lang="de-DE" sz="1800" b="0" strike="noStrike" spc="-1" dirty="0">
+              <a:solidFill>
+                <a:srgbClr val="000000"/>
+              </a:solidFill>
+              <a:uFill>
+                <a:solidFill>
+                  <a:srgbClr val="FFFFFF"/>
                 </a:solidFill>
               </a:uFill>
               <a:latin typeface="Calibri"/>
@@ -6734,6 +6858,7 @@
         </p:spPr>
         <p:txBody>
           <a:bodyPr/>
+          <a:lstStyle/>
           <a:p>
             <a:pPr>
               <a:lnSpc>
@@ -6744,51 +6869,43 @@
               </a:spcBef>
             </a:pPr>
             <a:r>
-              <a:rPr b="0" lang="de-DE" sz="3200" spc="-1" strike="noStrike">
+              <a:rPr lang="de-DE" sz="3200" b="0" strike="noStrike" spc="-1">
                 <a:solidFill>
                   <a:srgbClr val="000000"/>
                 </a:solidFill>
                 <a:uFill>
                   <a:solidFill>
-                    <a:srgbClr val="ffffff"/>
+                    <a:srgbClr val="FFFFFF"/>
                   </a:solidFill>
                 </a:uFill>
                 <a:latin typeface="Calibri"/>
               </a:rPr>
               <a:t>z.B.: Aachener können von unserem System frühzeitig vor Atomstrahlung gewarnt werden. Wenn zu viel CO2 in der Luft liegt könnte man von der Hatschi-Wetterstation gewarnt werden.</a:t>
             </a:r>
-            <a:endParaRPr b="0" lang="de-DE" sz="3200" spc="-1" strike="noStrike">
-              <a:solidFill>
-                <a:srgbClr val="000000"/>
-              </a:solidFill>
-              <a:uFill>
-                <a:solidFill>
-                  <a:srgbClr val="ffffff"/>
-                </a:solidFill>
-              </a:uFill>
-              <a:latin typeface="Calibri"/>
-            </a:endParaRPr>
           </a:p>
         </p:txBody>
       </p:sp>
     </p:spTree>
   </p:cSld>
+  <p:clrMapOvr>
+    <a:masterClrMapping/>
+  </p:clrMapOvr>
   <p:timing>
     <p:tnLst>
       <p:par>
-        <p:cTn id="9" dur="indefinite" restart="never" nodeType="tmRoot">
+        <p:cTn id="1" dur="indefinite" restart="never" nodeType="tmRoot">
           <p:childTnLst>
             <p:seq>
-              <p:cTn id="10" nodeType="mainSeq"/>
+              <p:cTn id="2" nodeType="mainSeq"/>
               <p:prevCondLst>
-                <p:cond delay="0" evt="onPrev">
+                <p:cond evt="onPrev" delay="0">
                   <p:tgtEl>
                     <p:sldTgt/>
                   </p:tgtEl>
                 </p:cond>
               </p:prevCondLst>
               <p:nextCondLst>
-                <p:cond delay="0" evt="onNext">
+                <p:cond evt="onNext" delay="0">
                   <p:tgtEl>
                     <p:sldTgt/>
                   </p:tgtEl>
@@ -6804,7 +6921,7 @@
 </file>
 
 <file path=ppt/slides/slide6.xml><?xml version="1.0" encoding="utf-8"?>
-<p:sld xmlns:a="http://schemas.openxmlformats.org/drawingml/2006/main" xmlns:p="http://schemas.openxmlformats.org/presentationml/2006/main" xmlns:r="http://schemas.openxmlformats.org/officeDocument/2006/relationships" xmlns:p14="http://schemas.microsoft.com/office/powerpoint/2010/main" xmlns:p15="http://schemas.microsoft.com/office/powerpoint/2012/main" xmlns:mc="http://schemas.openxmlformats.org/markup-compatibility/2006">
+<p:sld xmlns:a="http://schemas.openxmlformats.org/drawingml/2006/main" xmlns:r="http://schemas.openxmlformats.org/officeDocument/2006/relationships" xmlns:p="http://schemas.openxmlformats.org/presentationml/2006/main">
   <p:cSld>
     <p:spTree>
       <p:nvGrpSpPr>
@@ -6822,12 +6939,12 @@
       </p:grpSpPr>
       <p:pic>
         <p:nvPicPr>
-          <p:cNvPr id="130" name="Picture 3" descr=""/>
+          <p:cNvPr id="130" name="Picture 3"/>
           <p:cNvPicPr/>
           <p:nvPr/>
         </p:nvPicPr>
         <p:blipFill>
-          <a:blip r:embed="rId1"/>
+          <a:blip r:embed="rId2"/>
           <a:stretch/>
         </p:blipFill>
         <p:spPr>
@@ -6864,6 +6981,7 @@
         </p:spPr>
         <p:txBody>
           <a:bodyPr anchor="ctr"/>
+          <a:lstStyle/>
           <a:p>
             <a:pPr algn="ctr">
               <a:lnSpc>
@@ -6871,26 +6989,26 @@
               </a:lnSpc>
             </a:pPr>
             <a:r>
-              <a:rPr b="0" lang="de-DE" sz="4400" spc="-1" strike="noStrike">
-                <a:solidFill>
-                  <a:srgbClr val="ffffff"/>
+              <a:rPr lang="de-DE" sz="4400" b="0" strike="noStrike" spc="-1" dirty="0">
+                <a:solidFill>
+                  <a:srgbClr val="FFFFFF"/>
                 </a:solidFill>
                 <a:uFill>
                   <a:solidFill>
-                    <a:srgbClr val="ffffff"/>
+                    <a:srgbClr val="FFFFFF"/>
                   </a:solidFill>
                 </a:uFill>
                 <a:latin typeface="Calibri"/>
               </a:rPr>
               <a:t>Schwierigkeiten</a:t>
             </a:r>
-            <a:endParaRPr b="0" lang="de-DE" sz="1800" spc="-1" strike="noStrike">
-              <a:solidFill>
-                <a:srgbClr val="000000"/>
-              </a:solidFill>
-              <a:uFill>
-                <a:solidFill>
-                  <a:srgbClr val="ffffff"/>
+            <a:endParaRPr lang="de-DE" sz="1800" b="0" strike="noStrike" spc="-1" dirty="0">
+              <a:solidFill>
+                <a:srgbClr val="000000"/>
+              </a:solidFill>
+              <a:uFill>
+                <a:solidFill>
+                  <a:srgbClr val="FFFFFF"/>
                 </a:solidFill>
               </a:uFill>
               <a:latin typeface="Calibri"/>
@@ -6919,6 +7037,7 @@
         </p:spPr>
         <p:txBody>
           <a:bodyPr/>
+          <a:lstStyle/>
           <a:p>
             <a:pPr marL="343080" indent="-342720">
               <a:lnSpc>
@@ -6928,32 +7047,32 @@
                 <a:spcPts val="641"/>
               </a:spcBef>
               <a:buClr>
-                <a:srgbClr val="ffffff"/>
+                <a:srgbClr val="FFFFFF"/>
               </a:buClr>
               <a:buFont typeface="Arial"/>
               <a:buChar char="•"/>
             </a:pPr>
             <a:r>
-              <a:rPr b="0" lang="de-DE" sz="3200" spc="-1" strike="noStrike">
-                <a:solidFill>
-                  <a:srgbClr val="ffffff"/>
+              <a:rPr lang="de-DE" sz="3200" b="0" strike="noStrike" spc="-1">
+                <a:solidFill>
+                  <a:srgbClr val="FFFFFF"/>
                 </a:solidFill>
                 <a:uFill>
                   <a:solidFill>
-                    <a:srgbClr val="ffffff"/>
+                    <a:srgbClr val="FFFFFF"/>
                   </a:solidFill>
                 </a:uFill>
                 <a:latin typeface="Calibri"/>
               </a:rPr>
               <a:t>Datenübertragung mit dem Geigerzähler</a:t>
             </a:r>
-            <a:endParaRPr b="0" lang="de-DE" sz="3200" spc="-1" strike="noStrike">
-              <a:solidFill>
-                <a:srgbClr val="000000"/>
-              </a:solidFill>
-              <a:uFill>
-                <a:solidFill>
-                  <a:srgbClr val="ffffff"/>
+            <a:endParaRPr lang="de-DE" sz="3200" b="0" strike="noStrike" spc="-1">
+              <a:solidFill>
+                <a:srgbClr val="000000"/>
+              </a:solidFill>
+              <a:uFill>
+                <a:solidFill>
+                  <a:srgbClr val="FFFFFF"/>
                 </a:solidFill>
               </a:uFill>
               <a:latin typeface="Calibri"/>
@@ -6968,32 +7087,32 @@
                 <a:spcPts val="641"/>
               </a:spcBef>
               <a:buClr>
-                <a:srgbClr val="ffffff"/>
+                <a:srgbClr val="FFFFFF"/>
               </a:buClr>
               <a:buFont typeface="Arial"/>
               <a:buChar char="•"/>
             </a:pPr>
             <a:r>
-              <a:rPr b="0" lang="de-DE" sz="3200" spc="-1" strike="noStrike">
-                <a:solidFill>
-                  <a:srgbClr val="ffffff"/>
+              <a:rPr lang="de-DE" sz="3200" b="0" strike="noStrike" spc="-1">
+                <a:solidFill>
+                  <a:srgbClr val="FFFFFF"/>
                 </a:solidFill>
                 <a:uFill>
                   <a:solidFill>
-                    <a:srgbClr val="ffffff"/>
+                    <a:srgbClr val="FFFFFF"/>
                   </a:solidFill>
                 </a:uFill>
                 <a:latin typeface="Calibri"/>
               </a:rPr>
               <a:t>Datenaustausch mit Arduino und Rasberry Pi</a:t>
             </a:r>
-            <a:endParaRPr b="0" lang="de-DE" sz="3200" spc="-1" strike="noStrike">
-              <a:solidFill>
-                <a:srgbClr val="000000"/>
-              </a:solidFill>
-              <a:uFill>
-                <a:solidFill>
-                  <a:srgbClr val="ffffff"/>
+            <a:endParaRPr lang="de-DE" sz="3200" b="0" strike="noStrike" spc="-1">
+              <a:solidFill>
+                <a:srgbClr val="000000"/>
+              </a:solidFill>
+              <a:uFill>
+                <a:solidFill>
+                  <a:srgbClr val="FFFFFF"/>
                 </a:solidFill>
               </a:uFill>
               <a:latin typeface="Calibri"/>
@@ -7003,25 +7122,28 @@
       </p:sp>
     </p:spTree>
   </p:cSld>
+  <p:clrMapOvr>
+    <a:masterClrMapping/>
+  </p:clrMapOvr>
   <p:transition spd="slow">
-    <p:split dir="out" orient="vert"/>
+    <p:split orient="vert"/>
   </p:transition>
   <p:timing>
     <p:tnLst>
       <p:par>
-        <p:cTn id="11" dur="indefinite" restart="never" nodeType="tmRoot">
+        <p:cTn id="1" dur="indefinite" restart="never" nodeType="tmRoot">
           <p:childTnLst>
             <p:seq>
-              <p:cTn id="12" nodeType="mainSeq"/>
+              <p:cTn id="2" nodeType="mainSeq"/>
               <p:prevCondLst>
-                <p:cond delay="0" evt="onPrev">
+                <p:cond evt="onPrev" delay="0">
                   <p:tgtEl>
                     <p:sldTgt/>
                   </p:tgtEl>
                 </p:cond>
               </p:prevCondLst>
               <p:nextCondLst>
-                <p:cond delay="0" evt="onNext">
+                <p:cond evt="onNext" delay="0">
                   <p:tgtEl>
                     <p:sldTgt/>
                   </p:tgtEl>
@@ -7030,6 +7152,205 @@
             </p:seq>
           </p:childTnLst>
         </p:cTn>
+      </p:par>
+    </p:tnLst>
+  </p:timing>
+</p:sld>
+</file>
+
+<file path=ppt/slides/slide7.xml><?xml version="1.0" encoding="utf-8"?>
+<p:sld xmlns:a="http://schemas.openxmlformats.org/drawingml/2006/main" xmlns:r="http://schemas.openxmlformats.org/officeDocument/2006/relationships" xmlns:p="http://schemas.openxmlformats.org/presentationml/2006/main">
+  <p:cSld>
+    <p:spTree>
+      <p:nvGrpSpPr>
+        <p:cNvPr id="1" name=""/>
+        <p:cNvGrpSpPr/>
+        <p:nvPr/>
+      </p:nvGrpSpPr>
+      <p:grpSpPr>
+        <a:xfrm>
+          <a:off x="0" y="0"/>
+          <a:ext cx="0" cy="0"/>
+          <a:chOff x="0" y="0"/>
+          <a:chExt cx="0" cy="0"/>
+        </a:xfrm>
+      </p:grpSpPr>
+      <p:pic>
+        <p:nvPicPr>
+          <p:cNvPr id="1026" name="Picture 2"/>
+          <p:cNvPicPr>
+            <a:picLocks noChangeAspect="1" noChangeArrowheads="1"/>
+          </p:cNvPicPr>
+          <p:nvPr/>
+        </p:nvPicPr>
+        <p:blipFill>
+          <a:blip r:embed="rId2">
+            <a:extLst>
+              <a:ext uri="{BEBA8EAE-BF5A-486C-A8C5-ECC9F3942E4B}">
+                <a14:imgProps xmlns:a14="http://schemas.microsoft.com/office/drawing/2010/main">
+                  <a14:imgLayer r:embed="rId3">
+                    <a14:imgEffect>
+                      <a14:sharpenSoften amount="-47000"/>
+                    </a14:imgEffect>
+                  </a14:imgLayer>
+                </a14:imgProps>
+              </a:ext>
+              <a:ext uri="{28A0092B-C50C-407E-A947-70E740481C1C}">
+                <a14:useLocalDpi xmlns:a14="http://schemas.microsoft.com/office/drawing/2010/main" val="0"/>
+              </a:ext>
+            </a:extLst>
+          </a:blip>
+          <a:srcRect/>
+          <a:stretch>
+            <a:fillRect/>
+          </a:stretch>
+        </p:blipFill>
+        <p:spPr bwMode="auto">
+          <a:xfrm>
+            <a:off x="-1404664" y="-1676722"/>
+            <a:ext cx="13011150" cy="7315200"/>
+          </a:xfrm>
+          <a:prstGeom prst="rect">
+            <a:avLst/>
+          </a:prstGeom>
+          <a:noFill/>
+          <a:ln>
+            <a:noFill/>
+          </a:ln>
+          <a:extLst>
+            <a:ext uri="{909E8E84-426E-40DD-AFC4-6F175D3DCCD1}">
+              <a14:hiddenFill xmlns:a14="http://schemas.microsoft.com/office/drawing/2010/main">
+                <a:solidFill>
+                  <a:schemeClr val="accent1"/>
+                </a:solidFill>
+              </a14:hiddenFill>
+            </a:ext>
+            <a:ext uri="{91240B29-F687-4F45-9708-019B960494DF}">
+              <a14:hiddenLine xmlns:a14="http://schemas.microsoft.com/office/drawing/2010/main" w="9525">
+                <a:solidFill>
+                  <a:schemeClr val="tx1"/>
+                </a:solidFill>
+                <a:miter lim="800000"/>
+                <a:headEnd/>
+                <a:tailEnd/>
+              </a14:hiddenLine>
+            </a:ext>
+          </a:extLst>
+        </p:spPr>
+      </p:pic>
+      <p:sp>
+        <p:nvSpPr>
+          <p:cNvPr id="2" name="Titel 1"/>
+          <p:cNvSpPr>
+            <a:spLocks noGrp="1"/>
+          </p:cNvSpPr>
+          <p:nvPr>
+            <p:ph type="title"/>
+          </p:nvPr>
+        </p:nvSpPr>
+        <p:spPr/>
+        <p:txBody>
+          <a:bodyPr/>
+          <a:lstStyle/>
+          <a:p>
+            <a:pPr algn="ctr"/>
+            <a:r>
+              <a:rPr lang="de-DE" sz="3600" dirty="0" smtClean="0"/>
+              <a:t>Technik</a:t>
+            </a:r>
+            <a:endParaRPr lang="de-DE" sz="3600" dirty="0"/>
+          </a:p>
+        </p:txBody>
+      </p:sp>
+      <p:sp>
+        <p:nvSpPr>
+          <p:cNvPr id="3" name="Untertitel 2"/>
+          <p:cNvSpPr>
+            <a:spLocks noGrp="1"/>
+          </p:cNvSpPr>
+          <p:nvPr>
+            <p:ph type="subTitle"/>
+          </p:nvPr>
+        </p:nvSpPr>
+        <p:spPr>
+          <a:xfrm>
+            <a:off x="457200" y="1995686"/>
+            <a:ext cx="8229240" cy="1296144"/>
+          </a:xfrm>
+        </p:spPr>
+        <p:txBody>
+          <a:bodyPr/>
+          <a:lstStyle/>
+          <a:p>
+            <a:pPr marL="285750" indent="-285750" algn="ctr">
+              <a:buFontTx/>
+              <a:buChar char="-"/>
+            </a:pPr>
+            <a:r>
+              <a:rPr lang="de-DE" dirty="0" smtClean="0"/>
+              <a:t>Ein </a:t>
+            </a:r>
+            <a:r>
+              <a:rPr lang="de-DE" dirty="0" err="1" smtClean="0"/>
+              <a:t>Arduino</a:t>
+            </a:r>
+            <a:r>
+              <a:rPr lang="de-DE" dirty="0" smtClean="0"/>
+              <a:t> liest Daten und sendet sie über ein Kabel an einen </a:t>
+            </a:r>
+            <a:r>
+              <a:rPr lang="de-DE" dirty="0" err="1" smtClean="0"/>
+              <a:t>Raspberry</a:t>
+            </a:r>
+            <a:r>
+              <a:rPr lang="de-DE" dirty="0" smtClean="0"/>
+              <a:t> Pi</a:t>
+            </a:r>
+          </a:p>
+          <a:p>
+            <a:pPr algn="ctr"/>
+            <a:r>
+              <a:rPr lang="de-DE" dirty="0" smtClean="0"/>
+              <a:t>- Der </a:t>
+            </a:r>
+            <a:r>
+              <a:rPr lang="de-DE" dirty="0" err="1" smtClean="0"/>
+              <a:t>Raspberry</a:t>
+            </a:r>
+            <a:r>
+              <a:rPr lang="de-DE" dirty="0" smtClean="0"/>
+              <a:t> Pi kann diese Daten auswerten und auf einem Bildschirm visualisieren.</a:t>
+            </a:r>
+            <a:endParaRPr lang="de-DE" dirty="0"/>
+          </a:p>
+        </p:txBody>
+      </p:sp>
+    </p:spTree>
+    <p:extLst>
+      <p:ext uri="{BB962C8B-B14F-4D97-AF65-F5344CB8AC3E}">
+        <p14:creationId xmlns:p14="http://schemas.microsoft.com/office/powerpoint/2010/main" val="4013341673"/>
+      </p:ext>
+    </p:extLst>
+  </p:cSld>
+  <p:clrMapOvr>
+    <a:masterClrMapping/>
+  </p:clrMapOvr>
+  <mc:AlternateContent xmlns:mc="http://schemas.openxmlformats.org/markup-compatibility/2006">
+    <mc:Choice xmlns:p14="http://schemas.microsoft.com/office/powerpoint/2010/main" Requires="p14">
+      <p:transition spd="slow" p14:dur="1500">
+        <p:split orient="vert"/>
+      </p:transition>
+    </mc:Choice>
+    <mc:Fallback>
+      <p:transition spd="slow">
+        <p:split orient="vert"/>
+      </p:transition>
+    </mc:Fallback>
+  </mc:AlternateContent>
+  <p:timing>
+    <p:tnLst>
+      <p:par>
+        <p:cTn id="1" dur="indefinite" restart="never" nodeType="tmRoot"/>
       </p:par>
     </p:tnLst>
   </p:timing>
@@ -7256,6 +7577,8 @@
       </a:bgFillStyleLst>
     </a:fmtScheme>
   </a:themeElements>
+  <a:objectDefaults/>
+  <a:extraClrSchemeLst/>
 </a:theme>
 </file>
 
@@ -7479,6 +7802,8 @@
       </a:bgFillStyleLst>
     </a:fmtScheme>
   </a:themeElements>
+  <a:objectDefaults/>
+  <a:extraClrSchemeLst/>
 </a:theme>
 </file>
 
@@ -7702,5 +8027,7 @@
       </a:bgFillStyleLst>
     </a:fmtScheme>
   </a:themeElements>
+  <a:objectDefaults/>
+  <a:extraClrSchemeLst/>
 </a:theme>
 </file>
--- a/Praesentation.pptx
+++ b/Praesentation.pptx
@@ -14,6 +14,7 @@
     <p:sldId id="260" r:id="rId8"/>
     <p:sldId id="261" r:id="rId9"/>
     <p:sldId id="262" r:id="rId10"/>
+    <p:sldId id="263" r:id="rId11"/>
   </p:sldIdLst>
   <p:sldSz cx="9144000" cy="5143500" type="screen16x9"/>
   <p:notesSz cx="7559675" cy="10691813"/>
@@ -6890,6 +6891,18 @@
   <p:clrMapOvr>
     <a:masterClrMapping/>
   </p:clrMapOvr>
+  <mc:AlternateContent xmlns:mc="http://schemas.openxmlformats.org/markup-compatibility/2006">
+    <mc:Choice xmlns:p14="http://schemas.microsoft.com/office/powerpoint/2010/main" Requires="p14">
+      <p:transition spd="med" p14:dur="700">
+        <p:fade/>
+      </p:transition>
+    </mc:Choice>
+    <mc:Fallback>
+      <p:transition spd="med">
+        <p:fade/>
+      </p:transition>
+    </mc:Fallback>
+  </mc:AlternateContent>
   <p:timing>
     <p:tnLst>
       <p:par>
@@ -7354,6 +7367,81 @@
       </p:par>
     </p:tnLst>
   </p:timing>
+</p:sld>
+</file>
+
+<file path=ppt/slides/slide8.xml><?xml version="1.0" encoding="utf-8"?>
+<p:sld xmlns:a="http://schemas.openxmlformats.org/drawingml/2006/main" xmlns:r="http://schemas.openxmlformats.org/officeDocument/2006/relationships" xmlns:p="http://schemas.openxmlformats.org/presentationml/2006/main">
+  <p:cSld>
+    <p:bg>
+      <p:bgPr>
+        <a:solidFill>
+          <a:schemeClr val="tx1"/>
+        </a:solidFill>
+        <a:effectLst/>
+      </p:bgPr>
+    </p:bg>
+    <p:spTree>
+      <p:nvGrpSpPr>
+        <p:cNvPr id="1" name=""/>
+        <p:cNvGrpSpPr/>
+        <p:nvPr/>
+      </p:nvGrpSpPr>
+      <p:grpSpPr>
+        <a:xfrm>
+          <a:off x="0" y="0"/>
+          <a:ext cx="0" cy="0"/>
+          <a:chOff x="0" y="0"/>
+          <a:chExt cx="0" cy="0"/>
+        </a:xfrm>
+      </p:grpSpPr>
+      <p:sp>
+        <p:nvSpPr>
+          <p:cNvPr id="2" name="Titel 1"/>
+          <p:cNvSpPr>
+            <a:spLocks noGrp="1"/>
+          </p:cNvSpPr>
+          <p:nvPr>
+            <p:ph type="title"/>
+          </p:nvPr>
+        </p:nvSpPr>
+        <p:spPr>
+          <a:xfrm>
+            <a:off x="395536" y="-14288"/>
+            <a:ext cx="8229240" cy="4515966"/>
+          </a:xfrm>
+        </p:spPr>
+        <p:txBody>
+          <a:bodyPr/>
+          <a:lstStyle/>
+          <a:p>
+            <a:pPr algn="ctr"/>
+            <a:r>
+              <a:rPr lang="de-DE" sz="9600" dirty="0" smtClean="0">
+                <a:solidFill>
+                  <a:schemeClr val="bg1"/>
+                </a:solidFill>
+              </a:rPr>
+              <a:t>Demo</a:t>
+            </a:r>
+            <a:endParaRPr lang="de-DE" sz="9600" dirty="0">
+              <a:solidFill>
+                <a:schemeClr val="bg1"/>
+              </a:solidFill>
+            </a:endParaRPr>
+          </a:p>
+        </p:txBody>
+      </p:sp>
+    </p:spTree>
+    <p:extLst>
+      <p:ext uri="{BB962C8B-B14F-4D97-AF65-F5344CB8AC3E}">
+        <p14:creationId xmlns:p14="http://schemas.microsoft.com/office/powerpoint/2010/main" val="108430588"/>
+      </p:ext>
+    </p:extLst>
+  </p:cSld>
+  <p:clrMapOvr>
+    <a:masterClrMapping/>
+  </p:clrMapOvr>
 </p:sld>
 </file>
 

--- a/Praesentation.pptx
+++ b/Praesentation.pptx
@@ -7417,12 +7417,12 @@
           <a:p>
             <a:pPr algn="ctr"/>
             <a:r>
-              <a:rPr lang="de-DE" sz="9600" dirty="0" smtClean="0">
+              <a:rPr lang="de-DE" sz="9600" smtClean="0">
                 <a:solidFill>
                   <a:schemeClr val="bg1"/>
                 </a:solidFill>
               </a:rPr>
-              <a:t>Demo</a:t>
+              <a:t>Demo:</a:t>
             </a:r>
             <a:endParaRPr lang="de-DE" sz="9600" dirty="0">
               <a:solidFill>
@@ -7442,6 +7442,16 @@
   <p:clrMapOvr>
     <a:masterClrMapping/>
   </p:clrMapOvr>
+  <p:transition spd="slow">
+    <p:wipe/>
+  </p:transition>
+  <p:timing>
+    <p:tnLst>
+      <p:par>
+        <p:cTn id="1" dur="indefinite" restart="never" nodeType="tmRoot"/>
+      </p:par>
+    </p:tnLst>
+  </p:timing>
 </p:sld>
 </file>
 
